--- a/Concurrent Applications - F# Agents/Oredev - Concurrent Applications with F.pptx
+++ b/Concurrent Applications - F# Agents/Oredev - Concurrent Applications with F.pptx
@@ -19,7 +19,7 @@
     <p:sldId id="289" r:id="rId10"/>
     <p:sldId id="269" r:id="rId11"/>
     <p:sldId id="273" r:id="rId12"/>
-    <p:sldId id="281" r:id="rId13"/>
+    <p:sldId id="300" r:id="rId13"/>
     <p:sldId id="294" r:id="rId14"/>
     <p:sldId id="261" r:id="rId15"/>
     <p:sldId id="268" r:id="rId16"/>
@@ -149,7 +149,7 @@
             <p14:sldId id="289"/>
             <p14:sldId id="269"/>
             <p14:sldId id="273"/>
-            <p14:sldId id="281"/>
+            <p14:sldId id="300"/>
           </p14:sldIdLst>
         </p14:section>
         <p14:section name="What are F# agents?" id="{A82A8C4C-D5E9-47E2-8D2D-6ADAC9F3E912}">
@@ -178,7 +178,7 @@
       </p14:sectionLst>
     </p:ext>
     <p:ext uri="{EFAFB233-063F-42B5-8137-9DF3F51BA10A}">
-      <p15:sldGuideLst xmlns:p15="http://schemas.microsoft.com/office/powerpoint/2012/main">
+      <p15:sldGuideLst xmlns:p15="http://schemas.microsoft.com/office/powerpoint/2012/main" xmlns="">
         <p15:guide id="3" pos="3816" userDrawn="1">
           <p15:clr>
             <a:srgbClr val="A4A3A4"/>
@@ -3184,6 +3184,753 @@
 </file>
 
 <file path=ppt/diagrams/colors5.xml><?xml version="1.0" encoding="utf-8"?>
+<dgm:colorsDef xmlns:dgm="http://schemas.openxmlformats.org/drawingml/2006/diagram" xmlns:a="http://schemas.openxmlformats.org/drawingml/2006/main" uniqueId="urn:microsoft.com/office/officeart/2005/8/colors/accent2_2">
+  <dgm:title val=""/>
+  <dgm:desc val=""/>
+  <dgm:catLst>
+    <dgm:cat type="accent2" pri="11200"/>
+  </dgm:catLst>
+  <dgm:styleLbl name="node0">
+    <dgm:fillClrLst meth="repeat">
+      <a:schemeClr val="accent2"/>
+    </dgm:fillClrLst>
+    <dgm:linClrLst meth="repeat">
+      <a:schemeClr val="lt1"/>
+    </dgm:linClrLst>
+    <dgm:effectClrLst/>
+    <dgm:txLinClrLst/>
+    <dgm:txFillClrLst/>
+    <dgm:txEffectClrLst/>
+  </dgm:styleLbl>
+  <dgm:styleLbl name="node1">
+    <dgm:fillClrLst meth="repeat">
+      <a:schemeClr val="accent2"/>
+    </dgm:fillClrLst>
+    <dgm:linClrLst meth="repeat">
+      <a:schemeClr val="lt1"/>
+    </dgm:linClrLst>
+    <dgm:effectClrLst/>
+    <dgm:txLinClrLst/>
+    <dgm:txFillClrLst/>
+    <dgm:txEffectClrLst/>
+  </dgm:styleLbl>
+  <dgm:styleLbl name="alignNode1">
+    <dgm:fillClrLst meth="repeat">
+      <a:schemeClr val="accent2"/>
+    </dgm:fillClrLst>
+    <dgm:linClrLst meth="repeat">
+      <a:schemeClr val="accent2"/>
+    </dgm:linClrLst>
+    <dgm:effectClrLst/>
+    <dgm:txLinClrLst/>
+    <dgm:txFillClrLst/>
+    <dgm:txEffectClrLst/>
+  </dgm:styleLbl>
+  <dgm:styleLbl name="lnNode1">
+    <dgm:fillClrLst meth="repeat">
+      <a:schemeClr val="accent2"/>
+    </dgm:fillClrLst>
+    <dgm:linClrLst meth="repeat">
+      <a:schemeClr val="lt1"/>
+    </dgm:linClrLst>
+    <dgm:effectClrLst/>
+    <dgm:txLinClrLst/>
+    <dgm:txFillClrLst/>
+    <dgm:txEffectClrLst/>
+  </dgm:styleLbl>
+  <dgm:styleLbl name="vennNode1">
+    <dgm:fillClrLst meth="repeat">
+      <a:schemeClr val="accent2">
+        <a:alpha val="50000"/>
+      </a:schemeClr>
+    </dgm:fillClrLst>
+    <dgm:linClrLst meth="repeat">
+      <a:schemeClr val="lt1"/>
+    </dgm:linClrLst>
+    <dgm:effectClrLst/>
+    <dgm:txLinClrLst/>
+    <dgm:txFillClrLst/>
+    <dgm:txEffectClrLst/>
+  </dgm:styleLbl>
+  <dgm:styleLbl name="node2">
+    <dgm:fillClrLst meth="repeat">
+      <a:schemeClr val="accent2"/>
+    </dgm:fillClrLst>
+    <dgm:linClrLst meth="repeat">
+      <a:schemeClr val="lt1"/>
+    </dgm:linClrLst>
+    <dgm:effectClrLst/>
+    <dgm:txLinClrLst/>
+    <dgm:txFillClrLst/>
+    <dgm:txEffectClrLst/>
+  </dgm:styleLbl>
+  <dgm:styleLbl name="node3">
+    <dgm:fillClrLst meth="repeat">
+      <a:schemeClr val="accent2"/>
+    </dgm:fillClrLst>
+    <dgm:linClrLst meth="repeat">
+      <a:schemeClr val="lt1"/>
+    </dgm:linClrLst>
+    <dgm:effectClrLst/>
+    <dgm:txLinClrLst/>
+    <dgm:txFillClrLst/>
+    <dgm:txEffectClrLst/>
+  </dgm:styleLbl>
+  <dgm:styleLbl name="node4">
+    <dgm:fillClrLst meth="repeat">
+      <a:schemeClr val="accent2"/>
+    </dgm:fillClrLst>
+    <dgm:linClrLst meth="repeat">
+      <a:schemeClr val="lt1"/>
+    </dgm:linClrLst>
+    <dgm:effectClrLst/>
+    <dgm:txLinClrLst/>
+    <dgm:txFillClrLst/>
+    <dgm:txEffectClrLst/>
+  </dgm:styleLbl>
+  <dgm:styleLbl name="fgImgPlace1">
+    <dgm:fillClrLst meth="repeat">
+      <a:schemeClr val="accent2">
+        <a:tint val="50000"/>
+      </a:schemeClr>
+    </dgm:fillClrLst>
+    <dgm:linClrLst meth="repeat">
+      <a:schemeClr val="lt1"/>
+    </dgm:linClrLst>
+    <dgm:effectClrLst/>
+    <dgm:txLinClrLst/>
+    <dgm:txFillClrLst meth="repeat">
+      <a:schemeClr val="lt1"/>
+    </dgm:txFillClrLst>
+    <dgm:txEffectClrLst/>
+  </dgm:styleLbl>
+  <dgm:styleLbl name="alignImgPlace1">
+    <dgm:fillClrLst meth="repeat">
+      <a:schemeClr val="accent2">
+        <a:tint val="50000"/>
+      </a:schemeClr>
+    </dgm:fillClrLst>
+    <dgm:linClrLst meth="repeat">
+      <a:schemeClr val="lt1"/>
+    </dgm:linClrLst>
+    <dgm:effectClrLst/>
+    <dgm:txLinClrLst/>
+    <dgm:txFillClrLst meth="repeat">
+      <a:schemeClr val="lt1"/>
+    </dgm:txFillClrLst>
+    <dgm:txEffectClrLst/>
+  </dgm:styleLbl>
+  <dgm:styleLbl name="bgImgPlace1">
+    <dgm:fillClrLst meth="repeat">
+      <a:schemeClr val="accent2">
+        <a:tint val="50000"/>
+      </a:schemeClr>
+    </dgm:fillClrLst>
+    <dgm:linClrLst meth="repeat">
+      <a:schemeClr val="lt1"/>
+    </dgm:linClrLst>
+    <dgm:effectClrLst/>
+    <dgm:txLinClrLst/>
+    <dgm:txFillClrLst meth="repeat">
+      <a:schemeClr val="lt1"/>
+    </dgm:txFillClrLst>
+    <dgm:txEffectClrLst/>
+  </dgm:styleLbl>
+  <dgm:styleLbl name="sibTrans2D1">
+    <dgm:fillClrLst meth="repeat">
+      <a:schemeClr val="accent2">
+        <a:tint val="60000"/>
+      </a:schemeClr>
+    </dgm:fillClrLst>
+    <dgm:linClrLst meth="repeat">
+      <a:schemeClr val="accent2">
+        <a:tint val="60000"/>
+      </a:schemeClr>
+    </dgm:linClrLst>
+    <dgm:effectClrLst/>
+    <dgm:txLinClrLst/>
+    <dgm:txFillClrLst/>
+    <dgm:txEffectClrLst/>
+  </dgm:styleLbl>
+  <dgm:styleLbl name="fgSibTrans2D1">
+    <dgm:fillClrLst meth="repeat">
+      <a:schemeClr val="accent2">
+        <a:tint val="60000"/>
+      </a:schemeClr>
+    </dgm:fillClrLst>
+    <dgm:linClrLst meth="repeat">
+      <a:schemeClr val="accent2">
+        <a:tint val="60000"/>
+      </a:schemeClr>
+    </dgm:linClrLst>
+    <dgm:effectClrLst/>
+    <dgm:txLinClrLst/>
+    <dgm:txFillClrLst/>
+    <dgm:txEffectClrLst/>
+  </dgm:styleLbl>
+  <dgm:styleLbl name="bgSibTrans2D1">
+    <dgm:fillClrLst meth="repeat">
+      <a:schemeClr val="accent2">
+        <a:tint val="60000"/>
+      </a:schemeClr>
+    </dgm:fillClrLst>
+    <dgm:linClrLst meth="repeat">
+      <a:schemeClr val="accent2">
+        <a:tint val="60000"/>
+      </a:schemeClr>
+    </dgm:linClrLst>
+    <dgm:effectClrLst/>
+    <dgm:txLinClrLst/>
+    <dgm:txFillClrLst/>
+    <dgm:txEffectClrLst/>
+  </dgm:styleLbl>
+  <dgm:styleLbl name="sibTrans1D1">
+    <dgm:fillClrLst meth="repeat">
+      <a:schemeClr val="accent2"/>
+    </dgm:fillClrLst>
+    <dgm:linClrLst meth="repeat">
+      <a:schemeClr val="accent2"/>
+    </dgm:linClrLst>
+    <dgm:effectClrLst/>
+    <dgm:txLinClrLst/>
+    <dgm:txFillClrLst meth="repeat">
+      <a:schemeClr val="tx1"/>
+    </dgm:txFillClrLst>
+    <dgm:txEffectClrLst/>
+  </dgm:styleLbl>
+  <dgm:styleLbl name="callout">
+    <dgm:fillClrLst meth="repeat">
+      <a:schemeClr val="accent2"/>
+    </dgm:fillClrLst>
+    <dgm:linClrLst meth="repeat">
+      <a:schemeClr val="accent2">
+        <a:tint val="50000"/>
+      </a:schemeClr>
+    </dgm:linClrLst>
+    <dgm:effectClrLst/>
+    <dgm:txLinClrLst/>
+    <dgm:txFillClrLst meth="repeat">
+      <a:schemeClr val="tx1"/>
+    </dgm:txFillClrLst>
+    <dgm:txEffectClrLst/>
+  </dgm:styleLbl>
+  <dgm:styleLbl name="asst0">
+    <dgm:fillClrLst meth="repeat">
+      <a:schemeClr val="accent2"/>
+    </dgm:fillClrLst>
+    <dgm:linClrLst meth="repeat">
+      <a:schemeClr val="lt1"/>
+    </dgm:linClrLst>
+    <dgm:effectClrLst/>
+    <dgm:txLinClrLst/>
+    <dgm:txFillClrLst/>
+    <dgm:txEffectClrLst/>
+  </dgm:styleLbl>
+  <dgm:styleLbl name="asst1">
+    <dgm:fillClrLst meth="repeat">
+      <a:schemeClr val="accent2"/>
+    </dgm:fillClrLst>
+    <dgm:linClrLst meth="repeat">
+      <a:schemeClr val="lt1"/>
+    </dgm:linClrLst>
+    <dgm:effectClrLst/>
+    <dgm:txLinClrLst/>
+    <dgm:txFillClrLst/>
+    <dgm:txEffectClrLst/>
+  </dgm:styleLbl>
+  <dgm:styleLbl name="asst2">
+    <dgm:fillClrLst meth="repeat">
+      <a:schemeClr val="accent2"/>
+    </dgm:fillClrLst>
+    <dgm:linClrLst meth="repeat">
+      <a:schemeClr val="lt1"/>
+    </dgm:linClrLst>
+    <dgm:effectClrLst/>
+    <dgm:txLinClrLst/>
+    <dgm:txFillClrLst/>
+    <dgm:txEffectClrLst/>
+  </dgm:styleLbl>
+  <dgm:styleLbl name="asst3">
+    <dgm:fillClrLst meth="repeat">
+      <a:schemeClr val="accent2"/>
+    </dgm:fillClrLst>
+    <dgm:linClrLst meth="repeat">
+      <a:schemeClr val="lt1"/>
+    </dgm:linClrLst>
+    <dgm:effectClrLst/>
+    <dgm:txLinClrLst/>
+    <dgm:txFillClrLst/>
+    <dgm:txEffectClrLst/>
+  </dgm:styleLbl>
+  <dgm:styleLbl name="asst4">
+    <dgm:fillClrLst meth="repeat">
+      <a:schemeClr val="accent2"/>
+    </dgm:fillClrLst>
+    <dgm:linClrLst meth="repeat">
+      <a:schemeClr val="lt1"/>
+    </dgm:linClrLst>
+    <dgm:effectClrLst/>
+    <dgm:txLinClrLst/>
+    <dgm:txFillClrLst/>
+    <dgm:txEffectClrLst/>
+  </dgm:styleLbl>
+  <dgm:styleLbl name="parChTrans2D1">
+    <dgm:fillClrLst meth="repeat">
+      <a:schemeClr val="accent2">
+        <a:tint val="60000"/>
+      </a:schemeClr>
+    </dgm:fillClrLst>
+    <dgm:linClrLst meth="repeat">
+      <a:schemeClr val="accent2">
+        <a:tint val="60000"/>
+      </a:schemeClr>
+    </dgm:linClrLst>
+    <dgm:effectClrLst/>
+    <dgm:txLinClrLst/>
+    <dgm:txFillClrLst meth="repeat">
+      <a:schemeClr val="lt1"/>
+    </dgm:txFillClrLst>
+    <dgm:txEffectClrLst/>
+  </dgm:styleLbl>
+  <dgm:styleLbl name="parChTrans2D2">
+    <dgm:fillClrLst meth="repeat">
+      <a:schemeClr val="accent2"/>
+    </dgm:fillClrLst>
+    <dgm:linClrLst meth="repeat">
+      <a:schemeClr val="accent2"/>
+    </dgm:linClrLst>
+    <dgm:effectClrLst/>
+    <dgm:txLinClrLst/>
+    <dgm:txFillClrLst meth="repeat">
+      <a:schemeClr val="lt1"/>
+    </dgm:txFillClrLst>
+    <dgm:txEffectClrLst/>
+  </dgm:styleLbl>
+  <dgm:styleLbl name="parChTrans2D3">
+    <dgm:fillClrLst meth="repeat">
+      <a:schemeClr val="accent2"/>
+    </dgm:fillClrLst>
+    <dgm:linClrLst meth="repeat">
+      <a:schemeClr val="accent2"/>
+    </dgm:linClrLst>
+    <dgm:effectClrLst/>
+    <dgm:txLinClrLst/>
+    <dgm:txFillClrLst meth="repeat">
+      <a:schemeClr val="lt1"/>
+    </dgm:txFillClrLst>
+    <dgm:txEffectClrLst/>
+  </dgm:styleLbl>
+  <dgm:styleLbl name="parChTrans2D4">
+    <dgm:fillClrLst meth="repeat">
+      <a:schemeClr val="accent2"/>
+    </dgm:fillClrLst>
+    <dgm:linClrLst meth="repeat">
+      <a:schemeClr val="accent2"/>
+    </dgm:linClrLst>
+    <dgm:effectClrLst/>
+    <dgm:txLinClrLst/>
+    <dgm:txFillClrLst meth="repeat">
+      <a:schemeClr val="lt1"/>
+    </dgm:txFillClrLst>
+    <dgm:txEffectClrLst/>
+  </dgm:styleLbl>
+  <dgm:styleLbl name="parChTrans1D1">
+    <dgm:fillClrLst meth="repeat">
+      <a:schemeClr val="accent2"/>
+    </dgm:fillClrLst>
+    <dgm:linClrLst meth="repeat">
+      <a:schemeClr val="accent2">
+        <a:shade val="60000"/>
+      </a:schemeClr>
+    </dgm:linClrLst>
+    <dgm:effectClrLst/>
+    <dgm:txLinClrLst/>
+    <dgm:txFillClrLst meth="repeat">
+      <a:schemeClr val="tx1"/>
+    </dgm:txFillClrLst>
+    <dgm:txEffectClrLst/>
+  </dgm:styleLbl>
+  <dgm:styleLbl name="parChTrans1D2">
+    <dgm:fillClrLst meth="repeat">
+      <a:schemeClr val="accent2"/>
+    </dgm:fillClrLst>
+    <dgm:linClrLst meth="repeat">
+      <a:schemeClr val="accent2">
+        <a:shade val="60000"/>
+      </a:schemeClr>
+    </dgm:linClrLst>
+    <dgm:effectClrLst/>
+    <dgm:txLinClrLst/>
+    <dgm:txFillClrLst meth="repeat">
+      <a:schemeClr val="tx1"/>
+    </dgm:txFillClrLst>
+    <dgm:txEffectClrLst/>
+  </dgm:styleLbl>
+  <dgm:styleLbl name="parChTrans1D3">
+    <dgm:fillClrLst meth="repeat">
+      <a:schemeClr val="accent2"/>
+    </dgm:fillClrLst>
+    <dgm:linClrLst meth="repeat">
+      <a:schemeClr val="accent2">
+        <a:shade val="80000"/>
+      </a:schemeClr>
+    </dgm:linClrLst>
+    <dgm:effectClrLst/>
+    <dgm:txLinClrLst/>
+    <dgm:txFillClrLst meth="repeat">
+      <a:schemeClr val="tx1"/>
+    </dgm:txFillClrLst>
+    <dgm:txEffectClrLst/>
+  </dgm:styleLbl>
+  <dgm:styleLbl name="parChTrans1D4">
+    <dgm:fillClrLst meth="repeat">
+      <a:schemeClr val="accent2"/>
+    </dgm:fillClrLst>
+    <dgm:linClrLst meth="repeat">
+      <a:schemeClr val="accent2">
+        <a:shade val="80000"/>
+      </a:schemeClr>
+    </dgm:linClrLst>
+    <dgm:effectClrLst/>
+    <dgm:txLinClrLst/>
+    <dgm:txFillClrLst meth="repeat">
+      <a:schemeClr val="tx1"/>
+    </dgm:txFillClrLst>
+    <dgm:txEffectClrLst/>
+  </dgm:styleLbl>
+  <dgm:styleLbl name="fgAcc1">
+    <dgm:fillClrLst meth="repeat">
+      <a:schemeClr val="lt1">
+        <a:alpha val="90000"/>
+      </a:schemeClr>
+    </dgm:fillClrLst>
+    <dgm:linClrLst meth="repeat">
+      <a:schemeClr val="accent2"/>
+    </dgm:linClrLst>
+    <dgm:effectClrLst/>
+    <dgm:txLinClrLst/>
+    <dgm:txFillClrLst meth="repeat">
+      <a:schemeClr val="dk1"/>
+    </dgm:txFillClrLst>
+    <dgm:txEffectClrLst/>
+  </dgm:styleLbl>
+  <dgm:styleLbl name="conFgAcc1">
+    <dgm:fillClrLst meth="repeat">
+      <a:schemeClr val="lt1">
+        <a:alpha val="90000"/>
+      </a:schemeClr>
+    </dgm:fillClrLst>
+    <dgm:linClrLst meth="repeat">
+      <a:schemeClr val="accent2"/>
+    </dgm:linClrLst>
+    <dgm:effectClrLst/>
+    <dgm:txLinClrLst/>
+    <dgm:txFillClrLst meth="repeat">
+      <a:schemeClr val="dk1"/>
+    </dgm:txFillClrLst>
+    <dgm:txEffectClrLst/>
+  </dgm:styleLbl>
+  <dgm:styleLbl name="alignAcc1">
+    <dgm:fillClrLst meth="repeat">
+      <a:schemeClr val="lt1">
+        <a:alpha val="90000"/>
+      </a:schemeClr>
+    </dgm:fillClrLst>
+    <dgm:linClrLst meth="repeat">
+      <a:schemeClr val="accent2"/>
+    </dgm:linClrLst>
+    <dgm:effectClrLst/>
+    <dgm:txLinClrLst/>
+    <dgm:txFillClrLst meth="repeat">
+      <a:schemeClr val="dk1"/>
+    </dgm:txFillClrLst>
+    <dgm:txEffectClrLst/>
+  </dgm:styleLbl>
+  <dgm:styleLbl name="trAlignAcc1">
+    <dgm:fillClrLst meth="repeat">
+      <a:schemeClr val="lt1">
+        <a:alpha val="40000"/>
+      </a:schemeClr>
+    </dgm:fillClrLst>
+    <dgm:linClrLst meth="repeat">
+      <a:schemeClr val="accent2"/>
+    </dgm:linClrLst>
+    <dgm:effectClrLst/>
+    <dgm:txLinClrLst/>
+    <dgm:txFillClrLst meth="repeat">
+      <a:schemeClr val="dk1"/>
+    </dgm:txFillClrLst>
+    <dgm:txEffectClrLst/>
+  </dgm:styleLbl>
+  <dgm:styleLbl name="bgAcc1">
+    <dgm:fillClrLst meth="repeat">
+      <a:schemeClr val="lt1">
+        <a:alpha val="90000"/>
+      </a:schemeClr>
+    </dgm:fillClrLst>
+    <dgm:linClrLst meth="repeat">
+      <a:schemeClr val="accent2"/>
+    </dgm:linClrLst>
+    <dgm:effectClrLst/>
+    <dgm:txLinClrLst/>
+    <dgm:txFillClrLst meth="repeat">
+      <a:schemeClr val="dk1"/>
+    </dgm:txFillClrLst>
+    <dgm:txEffectClrLst/>
+  </dgm:styleLbl>
+  <dgm:styleLbl name="solidFgAcc1">
+    <dgm:fillClrLst meth="repeat">
+      <a:schemeClr val="lt1"/>
+    </dgm:fillClrLst>
+    <dgm:linClrLst meth="repeat">
+      <a:schemeClr val="accent2"/>
+    </dgm:linClrLst>
+    <dgm:effectClrLst/>
+    <dgm:txLinClrLst/>
+    <dgm:txFillClrLst meth="repeat">
+      <a:schemeClr val="dk1"/>
+    </dgm:txFillClrLst>
+    <dgm:txEffectClrLst/>
+  </dgm:styleLbl>
+  <dgm:styleLbl name="solidAlignAcc1">
+    <dgm:fillClrLst meth="repeat">
+      <a:schemeClr val="lt1"/>
+    </dgm:fillClrLst>
+    <dgm:linClrLst meth="repeat">
+      <a:schemeClr val="accent2"/>
+    </dgm:linClrLst>
+    <dgm:effectClrLst/>
+    <dgm:txLinClrLst/>
+    <dgm:txFillClrLst meth="repeat">
+      <a:schemeClr val="dk1"/>
+    </dgm:txFillClrLst>
+    <dgm:txEffectClrLst/>
+  </dgm:styleLbl>
+  <dgm:styleLbl name="solidBgAcc1">
+    <dgm:fillClrLst meth="repeat">
+      <a:schemeClr val="lt1"/>
+    </dgm:fillClrLst>
+    <dgm:linClrLst meth="repeat">
+      <a:schemeClr val="accent2"/>
+    </dgm:linClrLst>
+    <dgm:effectClrLst/>
+    <dgm:txLinClrLst/>
+    <dgm:txFillClrLst meth="repeat">
+      <a:schemeClr val="dk1"/>
+    </dgm:txFillClrLst>
+    <dgm:txEffectClrLst/>
+  </dgm:styleLbl>
+  <dgm:styleLbl name="fgAccFollowNode1">
+    <dgm:fillClrLst meth="repeat">
+      <a:schemeClr val="accent2">
+        <a:alpha val="90000"/>
+        <a:tint val="40000"/>
+      </a:schemeClr>
+    </dgm:fillClrLst>
+    <dgm:linClrLst meth="repeat">
+      <a:schemeClr val="accent2">
+        <a:alpha val="90000"/>
+        <a:tint val="40000"/>
+      </a:schemeClr>
+    </dgm:linClrLst>
+    <dgm:effectClrLst/>
+    <dgm:txLinClrLst/>
+    <dgm:txFillClrLst meth="repeat">
+      <a:schemeClr val="dk1"/>
+    </dgm:txFillClrLst>
+    <dgm:txEffectClrLst/>
+  </dgm:styleLbl>
+  <dgm:styleLbl name="alignAccFollowNode1">
+    <dgm:fillClrLst meth="repeat">
+      <a:schemeClr val="accent2">
+        <a:alpha val="90000"/>
+        <a:tint val="40000"/>
+      </a:schemeClr>
+    </dgm:fillClrLst>
+    <dgm:linClrLst meth="repeat">
+      <a:schemeClr val="accent2">
+        <a:alpha val="90000"/>
+        <a:tint val="40000"/>
+      </a:schemeClr>
+    </dgm:linClrLst>
+    <dgm:effectClrLst/>
+    <dgm:txLinClrLst/>
+    <dgm:txFillClrLst meth="repeat">
+      <a:schemeClr val="dk1"/>
+    </dgm:txFillClrLst>
+    <dgm:txEffectClrLst/>
+  </dgm:styleLbl>
+  <dgm:styleLbl name="bgAccFollowNode1">
+    <dgm:fillClrLst meth="repeat">
+      <a:schemeClr val="accent2">
+        <a:alpha val="90000"/>
+        <a:tint val="40000"/>
+      </a:schemeClr>
+    </dgm:fillClrLst>
+    <dgm:linClrLst meth="repeat">
+      <a:schemeClr val="accent2">
+        <a:alpha val="90000"/>
+        <a:tint val="40000"/>
+      </a:schemeClr>
+    </dgm:linClrLst>
+    <dgm:effectClrLst/>
+    <dgm:txLinClrLst/>
+    <dgm:txFillClrLst meth="repeat">
+      <a:schemeClr val="dk1"/>
+    </dgm:txFillClrLst>
+    <dgm:txEffectClrLst/>
+  </dgm:styleLbl>
+  <dgm:styleLbl name="fgAcc0">
+    <dgm:fillClrLst meth="repeat">
+      <a:schemeClr val="lt1">
+        <a:alpha val="90000"/>
+      </a:schemeClr>
+    </dgm:fillClrLst>
+    <dgm:linClrLst meth="repeat">
+      <a:schemeClr val="accent2"/>
+    </dgm:linClrLst>
+    <dgm:effectClrLst/>
+    <dgm:txLinClrLst/>
+    <dgm:txFillClrLst meth="repeat">
+      <a:schemeClr val="dk1"/>
+    </dgm:txFillClrLst>
+    <dgm:txEffectClrLst/>
+  </dgm:styleLbl>
+  <dgm:styleLbl name="fgAcc2">
+    <dgm:fillClrLst meth="repeat">
+      <a:schemeClr val="lt1">
+        <a:alpha val="90000"/>
+      </a:schemeClr>
+    </dgm:fillClrLst>
+    <dgm:linClrLst meth="repeat">
+      <a:schemeClr val="accent2"/>
+    </dgm:linClrLst>
+    <dgm:effectClrLst/>
+    <dgm:txLinClrLst/>
+    <dgm:txFillClrLst meth="repeat">
+      <a:schemeClr val="dk1"/>
+    </dgm:txFillClrLst>
+    <dgm:txEffectClrLst/>
+  </dgm:styleLbl>
+  <dgm:styleLbl name="fgAcc3">
+    <dgm:fillClrLst meth="repeat">
+      <a:schemeClr val="lt1">
+        <a:alpha val="90000"/>
+      </a:schemeClr>
+    </dgm:fillClrLst>
+    <dgm:linClrLst meth="repeat">
+      <a:schemeClr val="accent2"/>
+    </dgm:linClrLst>
+    <dgm:effectClrLst/>
+    <dgm:txLinClrLst/>
+    <dgm:txFillClrLst meth="repeat">
+      <a:schemeClr val="dk1"/>
+    </dgm:txFillClrLst>
+    <dgm:txEffectClrLst/>
+  </dgm:styleLbl>
+  <dgm:styleLbl name="fgAcc4">
+    <dgm:fillClrLst meth="repeat">
+      <a:schemeClr val="lt1">
+        <a:alpha val="90000"/>
+      </a:schemeClr>
+    </dgm:fillClrLst>
+    <dgm:linClrLst meth="repeat">
+      <a:schemeClr val="accent2"/>
+    </dgm:linClrLst>
+    <dgm:effectClrLst/>
+    <dgm:txLinClrLst/>
+    <dgm:txFillClrLst meth="repeat">
+      <a:schemeClr val="dk1"/>
+    </dgm:txFillClrLst>
+    <dgm:txEffectClrLst/>
+  </dgm:styleLbl>
+  <dgm:styleLbl name="bgShp">
+    <dgm:fillClrLst meth="repeat">
+      <a:schemeClr val="accent2">
+        <a:tint val="40000"/>
+      </a:schemeClr>
+    </dgm:fillClrLst>
+    <dgm:linClrLst meth="repeat">
+      <a:schemeClr val="accent2"/>
+    </dgm:linClrLst>
+    <dgm:effectClrLst/>
+    <dgm:txLinClrLst/>
+    <dgm:txFillClrLst meth="repeat">
+      <a:schemeClr val="dk1"/>
+    </dgm:txFillClrLst>
+    <dgm:txEffectClrLst/>
+  </dgm:styleLbl>
+  <dgm:styleLbl name="dkBgShp">
+    <dgm:fillClrLst meth="repeat">
+      <a:schemeClr val="accent2">
+        <a:shade val="80000"/>
+      </a:schemeClr>
+    </dgm:fillClrLst>
+    <dgm:linClrLst meth="repeat">
+      <a:schemeClr val="accent2"/>
+    </dgm:linClrLst>
+    <dgm:effectClrLst/>
+    <dgm:txLinClrLst/>
+    <dgm:txFillClrLst meth="repeat">
+      <a:schemeClr val="lt1"/>
+    </dgm:txFillClrLst>
+    <dgm:txEffectClrLst/>
+  </dgm:styleLbl>
+  <dgm:styleLbl name="trBgShp">
+    <dgm:fillClrLst meth="repeat">
+      <a:schemeClr val="accent2">
+        <a:tint val="50000"/>
+        <a:alpha val="40000"/>
+      </a:schemeClr>
+    </dgm:fillClrLst>
+    <dgm:linClrLst meth="repeat">
+      <a:schemeClr val="accent2"/>
+    </dgm:linClrLst>
+    <dgm:effectClrLst/>
+    <dgm:txLinClrLst/>
+    <dgm:txFillClrLst meth="repeat">
+      <a:schemeClr val="lt1"/>
+    </dgm:txFillClrLst>
+    <dgm:txEffectClrLst/>
+  </dgm:styleLbl>
+  <dgm:styleLbl name="fgShp">
+    <dgm:fillClrLst meth="repeat">
+      <a:schemeClr val="accent2">
+        <a:tint val="60000"/>
+      </a:schemeClr>
+    </dgm:fillClrLst>
+    <dgm:linClrLst meth="repeat">
+      <a:schemeClr val="lt1"/>
+    </dgm:linClrLst>
+    <dgm:effectClrLst/>
+    <dgm:txLinClrLst/>
+    <dgm:txFillClrLst meth="repeat">
+      <a:schemeClr val="dk1"/>
+    </dgm:txFillClrLst>
+    <dgm:txEffectClrLst/>
+  </dgm:styleLbl>
+  <dgm:styleLbl name="revTx">
+    <dgm:fillClrLst meth="repeat">
+      <a:schemeClr val="lt1">
+        <a:alpha val="0"/>
+      </a:schemeClr>
+    </dgm:fillClrLst>
+    <dgm:linClrLst meth="repeat">
+      <a:schemeClr val="dk1">
+        <a:alpha val="0"/>
+      </a:schemeClr>
+    </dgm:linClrLst>
+    <dgm:effectClrLst/>
+    <dgm:txLinClrLst/>
+    <dgm:txFillClrLst meth="repeat">
+      <a:schemeClr val="tx1"/>
+    </dgm:txFillClrLst>
+    <dgm:txEffectClrLst/>
+  </dgm:styleLbl>
+</dgm:colorsDef>
+</file>
+
+<file path=ppt/diagrams/colors6.xml><?xml version="1.0" encoding="utf-8"?>
 <dgm:colorsDef xmlns:dgm="http://schemas.openxmlformats.org/drawingml/2006/diagram" xmlns:a="http://schemas.openxmlformats.org/drawingml/2006/main" uniqueId="urn:microsoft.com/office/officeart/2005/8/colors/accent2_2">
   <dgm:title val=""/>
   <dgm:desc val=""/>
@@ -5369,6 +6116,433 @@
 <file path=ppt/diagrams/data4.xml><?xml version="1.0" encoding="utf-8"?>
 <dgm:dataModel xmlns:dgm="http://schemas.openxmlformats.org/drawingml/2006/diagram" xmlns:a="http://schemas.openxmlformats.org/drawingml/2006/main">
   <dgm:ptLst>
+    <dgm:pt modelId="{541ABBF8-44C1-40F1-9F31-752600542949}" type="doc">
+      <dgm:prSet loTypeId="urn:microsoft.com/office/officeart/2005/8/layout/vProcess5" loCatId="process" qsTypeId="urn:microsoft.com/office/officeart/2005/8/quickstyle/simple1" qsCatId="simple" csTypeId="urn:microsoft.com/office/officeart/2005/8/colors/accent2_2" csCatId="accent2" phldr="1"/>
+      <dgm:spPr/>
+      <dgm:t>
+        <a:bodyPr/>
+        <a:lstStyle/>
+        <a:p>
+          <a:endParaRPr lang="en-US"/>
+        </a:p>
+      </dgm:t>
+    </dgm:pt>
+    <dgm:pt modelId="{DF5DCB27-FD7C-4A61-98A9-D524796CED2A}">
+      <dgm:prSet/>
+      <dgm:spPr/>
+      <dgm:t>
+        <a:bodyPr/>
+        <a:lstStyle/>
+        <a:p>
+          <a:pPr rtl="0"/>
+          <a:r>
+            <a:rPr lang="en-US" dirty="0" smtClean="0">
+              <a:solidFill>
+                <a:schemeClr val="tx2"/>
+              </a:solidFill>
+            </a:rPr>
+            <a:t>dynamic creation of actors</a:t>
+          </a:r>
+          <a:endParaRPr lang="en-US" dirty="0">
+            <a:solidFill>
+              <a:schemeClr val="tx2"/>
+            </a:solidFill>
+          </a:endParaRPr>
+        </a:p>
+      </dgm:t>
+    </dgm:pt>
+    <dgm:pt modelId="{32A46A8A-7C27-4A78-8B3F-1B5A5F515058}" type="parTrans" cxnId="{4CD36FAA-6ECB-4F1C-A531-44AA702F22D3}">
+      <dgm:prSet/>
+      <dgm:spPr/>
+      <dgm:t>
+        <a:bodyPr/>
+        <a:lstStyle/>
+        <a:p>
+          <a:endParaRPr lang="en-US"/>
+        </a:p>
+      </dgm:t>
+    </dgm:pt>
+    <dgm:pt modelId="{7DD55F45-D3A3-4867-9A01-A8B956D6A7E1}" type="sibTrans" cxnId="{4CD36FAA-6ECB-4F1C-A531-44AA702F22D3}">
+      <dgm:prSet/>
+      <dgm:spPr/>
+      <dgm:t>
+        <a:bodyPr/>
+        <a:lstStyle/>
+        <a:p>
+          <a:endParaRPr lang="en-US"/>
+        </a:p>
+      </dgm:t>
+    </dgm:pt>
+    <dgm:pt modelId="{BF46AF84-6923-4D68-84C6-37BDA00586F4}">
+      <dgm:prSet/>
+      <dgm:spPr/>
+      <dgm:t>
+        <a:bodyPr/>
+        <a:lstStyle/>
+        <a:p>
+          <a:pPr rtl="0"/>
+          <a:r>
+            <a:rPr lang="en-US" dirty="0" smtClean="0">
+              <a:solidFill>
+                <a:schemeClr val="tx2"/>
+              </a:solidFill>
+            </a:rPr>
+            <a:t>inclusion of actor addresses in messages</a:t>
+          </a:r>
+          <a:endParaRPr lang="en-US" dirty="0">
+            <a:solidFill>
+              <a:schemeClr val="tx2"/>
+            </a:solidFill>
+          </a:endParaRPr>
+        </a:p>
+      </dgm:t>
+    </dgm:pt>
+    <dgm:pt modelId="{DB07A1EF-4B39-4948-A09D-B075C24BFF62}" type="parTrans" cxnId="{6E7CB06A-35BD-4363-9F28-0AE3F85C262A}">
+      <dgm:prSet/>
+      <dgm:spPr/>
+      <dgm:t>
+        <a:bodyPr/>
+        <a:lstStyle/>
+        <a:p>
+          <a:endParaRPr lang="en-US"/>
+        </a:p>
+      </dgm:t>
+    </dgm:pt>
+    <dgm:pt modelId="{7777FCEF-13DD-49E4-8EDC-A2CCCF01573A}" type="sibTrans" cxnId="{6E7CB06A-35BD-4363-9F28-0AE3F85C262A}">
+      <dgm:prSet/>
+      <dgm:spPr/>
+      <dgm:t>
+        <a:bodyPr/>
+        <a:lstStyle/>
+        <a:p>
+          <a:endParaRPr lang="en-US"/>
+        </a:p>
+      </dgm:t>
+    </dgm:pt>
+    <dgm:pt modelId="{FE041F02-4362-487F-AC22-4C979BC40B3E}">
+      <dgm:prSet/>
+      <dgm:spPr/>
+      <dgm:t>
+        <a:bodyPr/>
+        <a:lstStyle/>
+        <a:p>
+          <a:pPr rtl="0"/>
+          <a:r>
+            <a:rPr lang="en-US" dirty="0" smtClean="0">
+              <a:solidFill>
+                <a:schemeClr val="tx2"/>
+              </a:solidFill>
+            </a:rPr>
+            <a:t>interaction only through direct asynchronous message passing </a:t>
+          </a:r>
+          <a:endParaRPr lang="en-US" dirty="0">
+            <a:solidFill>
+              <a:schemeClr val="tx2"/>
+            </a:solidFill>
+          </a:endParaRPr>
+        </a:p>
+      </dgm:t>
+    </dgm:pt>
+    <dgm:pt modelId="{DAAC4CFE-57F7-4D72-8F58-5597C090B545}" type="parTrans" cxnId="{EA2AD2E1-A64C-4F31-89DD-0BF5CCF9F0FF}">
+      <dgm:prSet/>
+      <dgm:spPr/>
+      <dgm:t>
+        <a:bodyPr/>
+        <a:lstStyle/>
+        <a:p>
+          <a:endParaRPr lang="en-US"/>
+        </a:p>
+      </dgm:t>
+    </dgm:pt>
+    <dgm:pt modelId="{F5CAB6D8-BFCF-42BB-B2B1-83CC2D4A4AF8}" type="sibTrans" cxnId="{EA2AD2E1-A64C-4F31-89DD-0BF5CCF9F0FF}">
+      <dgm:prSet/>
+      <dgm:spPr/>
+      <dgm:t>
+        <a:bodyPr/>
+        <a:lstStyle/>
+        <a:p>
+          <a:endParaRPr lang="en-US"/>
+        </a:p>
+      </dgm:t>
+    </dgm:pt>
+    <dgm:pt modelId="{C15F8DF1-D967-4513-A0FC-C8DE1B878A84}">
+      <dgm:prSet/>
+      <dgm:spPr/>
+      <dgm:t>
+        <a:bodyPr/>
+        <a:lstStyle/>
+        <a:p>
+          <a:pPr rtl="0"/>
+          <a:r>
+            <a:rPr lang="en-US" dirty="0" smtClean="0">
+              <a:solidFill>
+                <a:schemeClr val="tx2"/>
+              </a:solidFill>
+            </a:rPr>
+            <a:t>no restriction on message arrival order</a:t>
+          </a:r>
+          <a:endParaRPr lang="en-US" dirty="0">
+            <a:solidFill>
+              <a:schemeClr val="tx2"/>
+            </a:solidFill>
+          </a:endParaRPr>
+        </a:p>
+      </dgm:t>
+    </dgm:pt>
+    <dgm:pt modelId="{E4E64C81-2BC6-4B4C-BD9C-B82B02BA2E70}" type="parTrans" cxnId="{41935F1C-BE5C-47A3-8024-D7C0B1CC0383}">
+      <dgm:prSet/>
+      <dgm:spPr/>
+      <dgm:t>
+        <a:bodyPr/>
+        <a:lstStyle/>
+        <a:p>
+          <a:endParaRPr lang="en-US"/>
+        </a:p>
+      </dgm:t>
+    </dgm:pt>
+    <dgm:pt modelId="{FEBEBBE1-D807-4314-ABD8-222579FD076C}" type="sibTrans" cxnId="{41935F1C-BE5C-47A3-8024-D7C0B1CC0383}">
+      <dgm:prSet/>
+      <dgm:spPr/>
+      <dgm:t>
+        <a:bodyPr/>
+        <a:lstStyle/>
+        <a:p>
+          <a:endParaRPr lang="en-US"/>
+        </a:p>
+      </dgm:t>
+    </dgm:pt>
+    <dgm:pt modelId="{FADC7E14-6EF9-4BBB-BE19-FE73D1C9823A}" type="pres">
+      <dgm:prSet presAssocID="{541ABBF8-44C1-40F1-9F31-752600542949}" presName="outerComposite" presStyleCnt="0">
+        <dgm:presLayoutVars>
+          <dgm:chMax val="5"/>
+          <dgm:dir/>
+          <dgm:resizeHandles val="exact"/>
+        </dgm:presLayoutVars>
+      </dgm:prSet>
+      <dgm:spPr/>
+      <dgm:t>
+        <a:bodyPr/>
+        <a:lstStyle/>
+        <a:p>
+          <a:endParaRPr lang="en-US"/>
+        </a:p>
+      </dgm:t>
+    </dgm:pt>
+    <dgm:pt modelId="{CA07782F-F0A1-44C3-BF8F-CA5B2D40B09B}" type="pres">
+      <dgm:prSet presAssocID="{541ABBF8-44C1-40F1-9F31-752600542949}" presName="dummyMaxCanvas" presStyleCnt="0">
+        <dgm:presLayoutVars/>
+      </dgm:prSet>
+      <dgm:spPr/>
+    </dgm:pt>
+    <dgm:pt modelId="{B56380F7-843D-48FD-AC1A-D1DBEDCF1B07}" type="pres">
+      <dgm:prSet presAssocID="{541ABBF8-44C1-40F1-9F31-752600542949}" presName="FourNodes_1" presStyleLbl="node1" presStyleIdx="0" presStyleCnt="4">
+        <dgm:presLayoutVars>
+          <dgm:bulletEnabled val="1"/>
+        </dgm:presLayoutVars>
+      </dgm:prSet>
+      <dgm:spPr/>
+      <dgm:t>
+        <a:bodyPr/>
+        <a:lstStyle/>
+        <a:p>
+          <a:endParaRPr lang="en-US"/>
+        </a:p>
+      </dgm:t>
+    </dgm:pt>
+    <dgm:pt modelId="{FE590F36-70C5-4FE2-B49A-24F07CF41702}" type="pres">
+      <dgm:prSet presAssocID="{541ABBF8-44C1-40F1-9F31-752600542949}" presName="FourNodes_2" presStyleLbl="node1" presStyleIdx="1" presStyleCnt="4">
+        <dgm:presLayoutVars>
+          <dgm:bulletEnabled val="1"/>
+        </dgm:presLayoutVars>
+      </dgm:prSet>
+      <dgm:spPr/>
+      <dgm:t>
+        <a:bodyPr/>
+        <a:lstStyle/>
+        <a:p>
+          <a:endParaRPr lang="en-US"/>
+        </a:p>
+      </dgm:t>
+    </dgm:pt>
+    <dgm:pt modelId="{226C28B7-1C0F-49EC-B073-1B4B6DC5D86B}" type="pres">
+      <dgm:prSet presAssocID="{541ABBF8-44C1-40F1-9F31-752600542949}" presName="FourNodes_3" presStyleLbl="node1" presStyleIdx="2" presStyleCnt="4">
+        <dgm:presLayoutVars>
+          <dgm:bulletEnabled val="1"/>
+        </dgm:presLayoutVars>
+      </dgm:prSet>
+      <dgm:spPr/>
+      <dgm:t>
+        <a:bodyPr/>
+        <a:lstStyle/>
+        <a:p>
+          <a:endParaRPr lang="en-US"/>
+        </a:p>
+      </dgm:t>
+    </dgm:pt>
+    <dgm:pt modelId="{A6C7CB61-6D7A-46EB-8DF6-8347375DF2F5}" type="pres">
+      <dgm:prSet presAssocID="{541ABBF8-44C1-40F1-9F31-752600542949}" presName="FourNodes_4" presStyleLbl="node1" presStyleIdx="3" presStyleCnt="4">
+        <dgm:presLayoutVars>
+          <dgm:bulletEnabled val="1"/>
+        </dgm:presLayoutVars>
+      </dgm:prSet>
+      <dgm:spPr/>
+      <dgm:t>
+        <a:bodyPr/>
+        <a:lstStyle/>
+        <a:p>
+          <a:endParaRPr lang="en-US"/>
+        </a:p>
+      </dgm:t>
+    </dgm:pt>
+    <dgm:pt modelId="{4C6629DC-ED83-4C24-918E-02A809AE514C}" type="pres">
+      <dgm:prSet presAssocID="{541ABBF8-44C1-40F1-9F31-752600542949}" presName="FourConn_1-2" presStyleLbl="fgAccFollowNode1" presStyleIdx="0" presStyleCnt="3">
+        <dgm:presLayoutVars>
+          <dgm:bulletEnabled val="1"/>
+        </dgm:presLayoutVars>
+      </dgm:prSet>
+      <dgm:spPr/>
+      <dgm:t>
+        <a:bodyPr/>
+        <a:lstStyle/>
+        <a:p>
+          <a:endParaRPr lang="en-US"/>
+        </a:p>
+      </dgm:t>
+    </dgm:pt>
+    <dgm:pt modelId="{F2539A5F-1E25-4AC9-8B24-A0563841837E}" type="pres">
+      <dgm:prSet presAssocID="{541ABBF8-44C1-40F1-9F31-752600542949}" presName="FourConn_2-3" presStyleLbl="fgAccFollowNode1" presStyleIdx="1" presStyleCnt="3">
+        <dgm:presLayoutVars>
+          <dgm:bulletEnabled val="1"/>
+        </dgm:presLayoutVars>
+      </dgm:prSet>
+      <dgm:spPr/>
+      <dgm:t>
+        <a:bodyPr/>
+        <a:lstStyle/>
+        <a:p>
+          <a:endParaRPr lang="en-US"/>
+        </a:p>
+      </dgm:t>
+    </dgm:pt>
+    <dgm:pt modelId="{F04B7FFE-5806-44C7-86F3-D924A32EA1F0}" type="pres">
+      <dgm:prSet presAssocID="{541ABBF8-44C1-40F1-9F31-752600542949}" presName="FourConn_3-4" presStyleLbl="fgAccFollowNode1" presStyleIdx="2" presStyleCnt="3">
+        <dgm:presLayoutVars>
+          <dgm:bulletEnabled val="1"/>
+        </dgm:presLayoutVars>
+      </dgm:prSet>
+      <dgm:spPr/>
+      <dgm:t>
+        <a:bodyPr/>
+        <a:lstStyle/>
+        <a:p>
+          <a:endParaRPr lang="en-US"/>
+        </a:p>
+      </dgm:t>
+    </dgm:pt>
+    <dgm:pt modelId="{F5AB6F67-7DDB-45B5-8A02-C7F07347A120}" type="pres">
+      <dgm:prSet presAssocID="{541ABBF8-44C1-40F1-9F31-752600542949}" presName="FourNodes_1_text" presStyleLbl="node1" presStyleIdx="3" presStyleCnt="4">
+        <dgm:presLayoutVars>
+          <dgm:bulletEnabled val="1"/>
+        </dgm:presLayoutVars>
+      </dgm:prSet>
+      <dgm:spPr/>
+      <dgm:t>
+        <a:bodyPr/>
+        <a:lstStyle/>
+        <a:p>
+          <a:endParaRPr lang="en-US"/>
+        </a:p>
+      </dgm:t>
+    </dgm:pt>
+    <dgm:pt modelId="{46B9EF4A-697D-4F93-A38F-E68DB7E4476D}" type="pres">
+      <dgm:prSet presAssocID="{541ABBF8-44C1-40F1-9F31-752600542949}" presName="FourNodes_2_text" presStyleLbl="node1" presStyleIdx="3" presStyleCnt="4">
+        <dgm:presLayoutVars>
+          <dgm:bulletEnabled val="1"/>
+        </dgm:presLayoutVars>
+      </dgm:prSet>
+      <dgm:spPr/>
+      <dgm:t>
+        <a:bodyPr/>
+        <a:lstStyle/>
+        <a:p>
+          <a:endParaRPr lang="en-US"/>
+        </a:p>
+      </dgm:t>
+    </dgm:pt>
+    <dgm:pt modelId="{E0EE6CE4-2FAF-4F38-B231-42E0C040EC52}" type="pres">
+      <dgm:prSet presAssocID="{541ABBF8-44C1-40F1-9F31-752600542949}" presName="FourNodes_3_text" presStyleLbl="node1" presStyleIdx="3" presStyleCnt="4">
+        <dgm:presLayoutVars>
+          <dgm:bulletEnabled val="1"/>
+        </dgm:presLayoutVars>
+      </dgm:prSet>
+      <dgm:spPr/>
+      <dgm:t>
+        <a:bodyPr/>
+        <a:lstStyle/>
+        <a:p>
+          <a:endParaRPr lang="en-US"/>
+        </a:p>
+      </dgm:t>
+    </dgm:pt>
+    <dgm:pt modelId="{549D0853-5AE8-4679-9E98-A83B0A72AB78}" type="pres">
+      <dgm:prSet presAssocID="{541ABBF8-44C1-40F1-9F31-752600542949}" presName="FourNodes_4_text" presStyleLbl="node1" presStyleIdx="3" presStyleCnt="4">
+        <dgm:presLayoutVars>
+          <dgm:bulletEnabled val="1"/>
+        </dgm:presLayoutVars>
+      </dgm:prSet>
+      <dgm:spPr/>
+      <dgm:t>
+        <a:bodyPr/>
+        <a:lstStyle/>
+        <a:p>
+          <a:endParaRPr lang="en-US"/>
+        </a:p>
+      </dgm:t>
+    </dgm:pt>
+  </dgm:ptLst>
+  <dgm:cxnLst>
+    <dgm:cxn modelId="{23C7D90A-5587-4D46-B0D6-A3B981D608BE}" type="presOf" srcId="{7777FCEF-13DD-49E4-8EDC-A2CCCF01573A}" destId="{F2539A5F-1E25-4AC9-8B24-A0563841837E}" srcOrd="0" destOrd="0" presId="urn:microsoft.com/office/officeart/2005/8/layout/vProcess5"/>
+    <dgm:cxn modelId="{72DEE5BB-164B-CB4A-9591-8F39D2F979DD}" type="presOf" srcId="{C15F8DF1-D967-4513-A0FC-C8DE1B878A84}" destId="{549D0853-5AE8-4679-9E98-A83B0A72AB78}" srcOrd="1" destOrd="0" presId="urn:microsoft.com/office/officeart/2005/8/layout/vProcess5"/>
+    <dgm:cxn modelId="{99517F02-D3EF-7343-AA10-8CFC91E203F3}" type="presOf" srcId="{BF46AF84-6923-4D68-84C6-37BDA00586F4}" destId="{46B9EF4A-697D-4F93-A38F-E68DB7E4476D}" srcOrd="1" destOrd="0" presId="urn:microsoft.com/office/officeart/2005/8/layout/vProcess5"/>
+    <dgm:cxn modelId="{29B2A27A-7436-6541-8774-C22599464683}" type="presOf" srcId="{7DD55F45-D3A3-4867-9A01-A8B956D6A7E1}" destId="{4C6629DC-ED83-4C24-918E-02A809AE514C}" srcOrd="0" destOrd="0" presId="urn:microsoft.com/office/officeart/2005/8/layout/vProcess5"/>
+    <dgm:cxn modelId="{4CD36FAA-6ECB-4F1C-A531-44AA702F22D3}" srcId="{541ABBF8-44C1-40F1-9F31-752600542949}" destId="{DF5DCB27-FD7C-4A61-98A9-D524796CED2A}" srcOrd="0" destOrd="0" parTransId="{32A46A8A-7C27-4A78-8B3F-1B5A5F515058}" sibTransId="{7DD55F45-D3A3-4867-9A01-A8B956D6A7E1}"/>
+    <dgm:cxn modelId="{54A0B034-3776-ED44-8BD6-572827A63C05}" type="presOf" srcId="{DF5DCB27-FD7C-4A61-98A9-D524796CED2A}" destId="{F5AB6F67-7DDB-45B5-8A02-C7F07347A120}" srcOrd="1" destOrd="0" presId="urn:microsoft.com/office/officeart/2005/8/layout/vProcess5"/>
+    <dgm:cxn modelId="{5B24A56D-9A9A-3C47-A584-7A09846F0066}" type="presOf" srcId="{DF5DCB27-FD7C-4A61-98A9-D524796CED2A}" destId="{B56380F7-843D-48FD-AC1A-D1DBEDCF1B07}" srcOrd="0" destOrd="0" presId="urn:microsoft.com/office/officeart/2005/8/layout/vProcess5"/>
+    <dgm:cxn modelId="{6E7CB06A-35BD-4363-9F28-0AE3F85C262A}" srcId="{541ABBF8-44C1-40F1-9F31-752600542949}" destId="{BF46AF84-6923-4D68-84C6-37BDA00586F4}" srcOrd="1" destOrd="0" parTransId="{DB07A1EF-4B39-4948-A09D-B075C24BFF62}" sibTransId="{7777FCEF-13DD-49E4-8EDC-A2CCCF01573A}"/>
+    <dgm:cxn modelId="{54473F8F-F95D-7E4A-8652-7F6F80F20ECC}" type="presOf" srcId="{FE041F02-4362-487F-AC22-4C979BC40B3E}" destId="{226C28B7-1C0F-49EC-B073-1B4B6DC5D86B}" srcOrd="0" destOrd="0" presId="urn:microsoft.com/office/officeart/2005/8/layout/vProcess5"/>
+    <dgm:cxn modelId="{96FB318D-4F2B-CA48-8841-E6556AB2CC23}" type="presOf" srcId="{C15F8DF1-D967-4513-A0FC-C8DE1B878A84}" destId="{A6C7CB61-6D7A-46EB-8DF6-8347375DF2F5}" srcOrd="0" destOrd="0" presId="urn:microsoft.com/office/officeart/2005/8/layout/vProcess5"/>
+    <dgm:cxn modelId="{C733A2B7-8640-7440-8AB2-14F0DEDEF9CF}" type="presOf" srcId="{541ABBF8-44C1-40F1-9F31-752600542949}" destId="{FADC7E14-6EF9-4BBB-BE19-FE73D1C9823A}" srcOrd="0" destOrd="0" presId="urn:microsoft.com/office/officeart/2005/8/layout/vProcess5"/>
+    <dgm:cxn modelId="{E0B46ABC-8E46-154E-9ECA-E4B51C46D3E1}" type="presOf" srcId="{BF46AF84-6923-4D68-84C6-37BDA00586F4}" destId="{FE590F36-70C5-4FE2-B49A-24F07CF41702}" srcOrd="0" destOrd="0" presId="urn:microsoft.com/office/officeart/2005/8/layout/vProcess5"/>
+    <dgm:cxn modelId="{E288A045-E633-D541-AF15-2FBD5FE23741}" type="presOf" srcId="{FE041F02-4362-487F-AC22-4C979BC40B3E}" destId="{E0EE6CE4-2FAF-4F38-B231-42E0C040EC52}" srcOrd="1" destOrd="0" presId="urn:microsoft.com/office/officeart/2005/8/layout/vProcess5"/>
+    <dgm:cxn modelId="{41935F1C-BE5C-47A3-8024-D7C0B1CC0383}" srcId="{541ABBF8-44C1-40F1-9F31-752600542949}" destId="{C15F8DF1-D967-4513-A0FC-C8DE1B878A84}" srcOrd="3" destOrd="0" parTransId="{E4E64C81-2BC6-4B4C-BD9C-B82B02BA2E70}" sibTransId="{FEBEBBE1-D807-4314-ABD8-222579FD076C}"/>
+    <dgm:cxn modelId="{EA2AD2E1-A64C-4F31-89DD-0BF5CCF9F0FF}" srcId="{541ABBF8-44C1-40F1-9F31-752600542949}" destId="{FE041F02-4362-487F-AC22-4C979BC40B3E}" srcOrd="2" destOrd="0" parTransId="{DAAC4CFE-57F7-4D72-8F58-5597C090B545}" sibTransId="{F5CAB6D8-BFCF-42BB-B2B1-83CC2D4A4AF8}"/>
+    <dgm:cxn modelId="{D5BA87C5-600E-414D-9950-F5729B595755}" type="presOf" srcId="{F5CAB6D8-BFCF-42BB-B2B1-83CC2D4A4AF8}" destId="{F04B7FFE-5806-44C7-86F3-D924A32EA1F0}" srcOrd="0" destOrd="0" presId="urn:microsoft.com/office/officeart/2005/8/layout/vProcess5"/>
+    <dgm:cxn modelId="{CF57484F-9C10-864D-95EA-509B8ACF7383}" type="presParOf" srcId="{FADC7E14-6EF9-4BBB-BE19-FE73D1C9823A}" destId="{CA07782F-F0A1-44C3-BF8F-CA5B2D40B09B}" srcOrd="0" destOrd="0" presId="urn:microsoft.com/office/officeart/2005/8/layout/vProcess5"/>
+    <dgm:cxn modelId="{B5D08F39-FF40-E241-A609-8F9D0DEE3AD2}" type="presParOf" srcId="{FADC7E14-6EF9-4BBB-BE19-FE73D1C9823A}" destId="{B56380F7-843D-48FD-AC1A-D1DBEDCF1B07}" srcOrd="1" destOrd="0" presId="urn:microsoft.com/office/officeart/2005/8/layout/vProcess5"/>
+    <dgm:cxn modelId="{A7B43636-7550-9149-AD4B-F4B4502A479F}" type="presParOf" srcId="{FADC7E14-6EF9-4BBB-BE19-FE73D1C9823A}" destId="{FE590F36-70C5-4FE2-B49A-24F07CF41702}" srcOrd="2" destOrd="0" presId="urn:microsoft.com/office/officeart/2005/8/layout/vProcess5"/>
+    <dgm:cxn modelId="{59AE9014-9851-E440-A244-B254BA9D3251}" type="presParOf" srcId="{FADC7E14-6EF9-4BBB-BE19-FE73D1C9823A}" destId="{226C28B7-1C0F-49EC-B073-1B4B6DC5D86B}" srcOrd="3" destOrd="0" presId="urn:microsoft.com/office/officeart/2005/8/layout/vProcess5"/>
+    <dgm:cxn modelId="{22DABE15-E761-A24F-8263-4F827E156E60}" type="presParOf" srcId="{FADC7E14-6EF9-4BBB-BE19-FE73D1C9823A}" destId="{A6C7CB61-6D7A-46EB-8DF6-8347375DF2F5}" srcOrd="4" destOrd="0" presId="urn:microsoft.com/office/officeart/2005/8/layout/vProcess5"/>
+    <dgm:cxn modelId="{838FB465-01C7-A14D-BE5B-F03F9596FBC7}" type="presParOf" srcId="{FADC7E14-6EF9-4BBB-BE19-FE73D1C9823A}" destId="{4C6629DC-ED83-4C24-918E-02A809AE514C}" srcOrd="5" destOrd="0" presId="urn:microsoft.com/office/officeart/2005/8/layout/vProcess5"/>
+    <dgm:cxn modelId="{65BD9697-2293-054D-A05B-2753011CDAE1}" type="presParOf" srcId="{FADC7E14-6EF9-4BBB-BE19-FE73D1C9823A}" destId="{F2539A5F-1E25-4AC9-8B24-A0563841837E}" srcOrd="6" destOrd="0" presId="urn:microsoft.com/office/officeart/2005/8/layout/vProcess5"/>
+    <dgm:cxn modelId="{3E555F55-578D-704B-816A-196DA5DCDD6F}" type="presParOf" srcId="{FADC7E14-6EF9-4BBB-BE19-FE73D1C9823A}" destId="{F04B7FFE-5806-44C7-86F3-D924A32EA1F0}" srcOrd="7" destOrd="0" presId="urn:microsoft.com/office/officeart/2005/8/layout/vProcess5"/>
+    <dgm:cxn modelId="{0D3686EE-A335-AC4E-A970-967E806BC5B2}" type="presParOf" srcId="{FADC7E14-6EF9-4BBB-BE19-FE73D1C9823A}" destId="{F5AB6F67-7DDB-45B5-8A02-C7F07347A120}" srcOrd="8" destOrd="0" presId="urn:microsoft.com/office/officeart/2005/8/layout/vProcess5"/>
+    <dgm:cxn modelId="{4B1D3AFC-27A5-5540-8401-0AACF280A56A}" type="presParOf" srcId="{FADC7E14-6EF9-4BBB-BE19-FE73D1C9823A}" destId="{46B9EF4A-697D-4F93-A38F-E68DB7E4476D}" srcOrd="9" destOrd="0" presId="urn:microsoft.com/office/officeart/2005/8/layout/vProcess5"/>
+    <dgm:cxn modelId="{F23A846E-6D43-0845-A5E4-3D2556316665}" type="presParOf" srcId="{FADC7E14-6EF9-4BBB-BE19-FE73D1C9823A}" destId="{E0EE6CE4-2FAF-4F38-B231-42E0C040EC52}" srcOrd="10" destOrd="0" presId="urn:microsoft.com/office/officeart/2005/8/layout/vProcess5"/>
+    <dgm:cxn modelId="{BFCCC805-1AF0-2D4D-86CA-88AFDF7B54E1}" type="presParOf" srcId="{FADC7E14-6EF9-4BBB-BE19-FE73D1C9823A}" destId="{549D0853-5AE8-4679-9E98-A83B0A72AB78}" srcOrd="11" destOrd="0" presId="urn:microsoft.com/office/officeart/2005/8/layout/vProcess5"/>
+  </dgm:cxnLst>
+  <dgm:bg/>
+  <dgm:whole/>
+  <dgm:extLst>
+    <a:ext uri="http://schemas.microsoft.com/office/drawing/2008/diagram">
+      <dsp:dataModelExt xmlns:dsp="http://schemas.microsoft.com/office/drawing/2008/diagram" relId="rId6" minVer="http://schemas.openxmlformats.org/drawingml/2006/diagram"/>
+    </a:ext>
+  </dgm:extLst>
+</dgm:dataModel>
+</file>
+
+<file path=ppt/diagrams/data5.xml><?xml version="1.0" encoding="utf-8"?>
+<dgm:dataModel xmlns:dgm="http://schemas.openxmlformats.org/drawingml/2006/diagram" xmlns:a="http://schemas.openxmlformats.org/drawingml/2006/main">
+  <dgm:ptLst>
     <dgm:pt modelId="{43CE70ED-ABC1-4D94-96F9-0CA7188C11CC}" type="doc">
       <dgm:prSet loTypeId="urn:microsoft.com/office/officeart/2008/layout/BubblePictureList" loCatId="picture" qsTypeId="urn:microsoft.com/office/officeart/2005/8/quickstyle/simple5" qsCatId="simple" csTypeId="urn:microsoft.com/office/officeart/2005/8/colors/accent2_2" csCatId="accent2" phldr="1"/>
       <dgm:spPr/>
@@ -5859,7 +7033,7 @@
 </dgm:dataModel>
 </file>
 
-<file path=ppt/diagrams/data5.xml><?xml version="1.0" encoding="utf-8"?>
+<file path=ppt/diagrams/data6.xml><?xml version="1.0" encoding="utf-8"?>
 <dgm:dataModel xmlns:dgm="http://schemas.openxmlformats.org/drawingml/2006/diagram" xmlns:a="http://schemas.openxmlformats.org/drawingml/2006/main">
   <dgm:ptLst>
     <dgm:pt modelId="{52E00047-A06B-42A1-8BED-6C876EBF5FA1}" type="doc">
@@ -6113,6 +7287,588 @@
       <dsp:cNvGrpSpPr/>
     </dsp:nvGrpSpPr>
     <dsp:grpSpPr/>
+    <dsp:sp modelId="{B56380F7-843D-48FD-AC1A-D1DBEDCF1B07}">
+      <dsp:nvSpPr>
+        <dsp:cNvPr id="0" name=""/>
+        <dsp:cNvSpPr/>
+      </dsp:nvSpPr>
+      <dsp:spPr>
+        <a:xfrm>
+          <a:off x="0" y="0"/>
+          <a:ext cx="5852160" cy="1126680"/>
+        </a:xfrm>
+        <a:prstGeom prst="roundRect">
+          <a:avLst>
+            <a:gd name="adj" fmla="val 10000"/>
+          </a:avLst>
+        </a:prstGeom>
+        <a:solidFill>
+          <a:schemeClr val="accent2">
+            <a:hueOff val="0"/>
+            <a:satOff val="0"/>
+            <a:lumOff val="0"/>
+            <a:alphaOff val="0"/>
+          </a:schemeClr>
+        </a:solidFill>
+        <a:ln w="10795" cap="flat" cmpd="sng" algn="ctr">
+          <a:solidFill>
+            <a:schemeClr val="lt1">
+              <a:hueOff val="0"/>
+              <a:satOff val="0"/>
+              <a:lumOff val="0"/>
+              <a:alphaOff val="0"/>
+            </a:schemeClr>
+          </a:solidFill>
+          <a:prstDash val="solid"/>
+        </a:ln>
+        <a:effectLst/>
+      </dsp:spPr>
+      <dsp:style>
+        <a:lnRef idx="2">
+          <a:scrgbClr r="0" g="0" b="0"/>
+        </a:lnRef>
+        <a:fillRef idx="1">
+          <a:scrgbClr r="0" g="0" b="0"/>
+        </a:fillRef>
+        <a:effectRef idx="0">
+          <a:scrgbClr r="0" g="0" b="0"/>
+        </a:effectRef>
+        <a:fontRef idx="minor">
+          <a:schemeClr val="lt1"/>
+        </a:fontRef>
+      </dsp:style>
+      <dsp:txBody>
+        <a:bodyPr spcFirstLastPara="0" vert="horz" wrap="square" lIns="99060" tIns="99060" rIns="99060" bIns="99060" numCol="1" spcCol="1270" anchor="ctr" anchorCtr="0">
+          <a:noAutofit/>
+        </a:bodyPr>
+        <a:lstStyle/>
+        <a:p>
+          <a:pPr lvl="0" algn="l" defTabSz="1155700" rtl="0">
+            <a:lnSpc>
+              <a:spcPct val="90000"/>
+            </a:lnSpc>
+            <a:spcBef>
+              <a:spcPct val="0"/>
+            </a:spcBef>
+            <a:spcAft>
+              <a:spcPct val="35000"/>
+            </a:spcAft>
+          </a:pPr>
+          <a:r>
+            <a:rPr lang="en-US" sz="2600" kern="1200" dirty="0" smtClean="0">
+              <a:solidFill>
+                <a:schemeClr val="tx2"/>
+              </a:solidFill>
+            </a:rPr>
+            <a:t>dynamic creation of actors</a:t>
+          </a:r>
+          <a:endParaRPr lang="en-US" sz="2600" kern="1200" dirty="0">
+            <a:solidFill>
+              <a:schemeClr val="tx2"/>
+            </a:solidFill>
+          </a:endParaRPr>
+        </a:p>
+      </dsp:txBody>
+      <dsp:txXfrm>
+        <a:off x="32999" y="32999"/>
+        <a:ext cx="4541180" cy="1060682"/>
+      </dsp:txXfrm>
+    </dsp:sp>
+    <dsp:sp modelId="{FE590F36-70C5-4FE2-B49A-24F07CF41702}">
+      <dsp:nvSpPr>
+        <dsp:cNvPr id="0" name=""/>
+        <dsp:cNvSpPr/>
+      </dsp:nvSpPr>
+      <dsp:spPr>
+        <a:xfrm>
+          <a:off x="490118" y="1331531"/>
+          <a:ext cx="5852160" cy="1126680"/>
+        </a:xfrm>
+        <a:prstGeom prst="roundRect">
+          <a:avLst>
+            <a:gd name="adj" fmla="val 10000"/>
+          </a:avLst>
+        </a:prstGeom>
+        <a:solidFill>
+          <a:schemeClr val="accent2">
+            <a:hueOff val="0"/>
+            <a:satOff val="0"/>
+            <a:lumOff val="0"/>
+            <a:alphaOff val="0"/>
+          </a:schemeClr>
+        </a:solidFill>
+        <a:ln w="10795" cap="flat" cmpd="sng" algn="ctr">
+          <a:solidFill>
+            <a:schemeClr val="lt1">
+              <a:hueOff val="0"/>
+              <a:satOff val="0"/>
+              <a:lumOff val="0"/>
+              <a:alphaOff val="0"/>
+            </a:schemeClr>
+          </a:solidFill>
+          <a:prstDash val="solid"/>
+        </a:ln>
+        <a:effectLst/>
+      </dsp:spPr>
+      <dsp:style>
+        <a:lnRef idx="2">
+          <a:scrgbClr r="0" g="0" b="0"/>
+        </a:lnRef>
+        <a:fillRef idx="1">
+          <a:scrgbClr r="0" g="0" b="0"/>
+        </a:fillRef>
+        <a:effectRef idx="0">
+          <a:scrgbClr r="0" g="0" b="0"/>
+        </a:effectRef>
+        <a:fontRef idx="minor">
+          <a:schemeClr val="lt1"/>
+        </a:fontRef>
+      </dsp:style>
+      <dsp:txBody>
+        <a:bodyPr spcFirstLastPara="0" vert="horz" wrap="square" lIns="99060" tIns="99060" rIns="99060" bIns="99060" numCol="1" spcCol="1270" anchor="ctr" anchorCtr="0">
+          <a:noAutofit/>
+        </a:bodyPr>
+        <a:lstStyle/>
+        <a:p>
+          <a:pPr lvl="0" algn="l" defTabSz="1155700" rtl="0">
+            <a:lnSpc>
+              <a:spcPct val="90000"/>
+            </a:lnSpc>
+            <a:spcBef>
+              <a:spcPct val="0"/>
+            </a:spcBef>
+            <a:spcAft>
+              <a:spcPct val="35000"/>
+            </a:spcAft>
+          </a:pPr>
+          <a:r>
+            <a:rPr lang="en-US" sz="2600" kern="1200" dirty="0" smtClean="0">
+              <a:solidFill>
+                <a:schemeClr val="tx2"/>
+              </a:solidFill>
+            </a:rPr>
+            <a:t>inclusion of actor addresses in messages</a:t>
+          </a:r>
+          <a:endParaRPr lang="en-US" sz="2600" kern="1200" dirty="0">
+            <a:solidFill>
+              <a:schemeClr val="tx2"/>
+            </a:solidFill>
+          </a:endParaRPr>
+        </a:p>
+      </dsp:txBody>
+      <dsp:txXfrm>
+        <a:off x="523117" y="1364530"/>
+        <a:ext cx="4563701" cy="1060682"/>
+      </dsp:txXfrm>
+    </dsp:sp>
+    <dsp:sp modelId="{226C28B7-1C0F-49EC-B073-1B4B6DC5D86B}">
+      <dsp:nvSpPr>
+        <dsp:cNvPr id="0" name=""/>
+        <dsp:cNvSpPr/>
+      </dsp:nvSpPr>
+      <dsp:spPr>
+        <a:xfrm>
+          <a:off x="972921" y="2663063"/>
+          <a:ext cx="5852160" cy="1126680"/>
+        </a:xfrm>
+        <a:prstGeom prst="roundRect">
+          <a:avLst>
+            <a:gd name="adj" fmla="val 10000"/>
+          </a:avLst>
+        </a:prstGeom>
+        <a:solidFill>
+          <a:schemeClr val="accent2">
+            <a:hueOff val="0"/>
+            <a:satOff val="0"/>
+            <a:lumOff val="0"/>
+            <a:alphaOff val="0"/>
+          </a:schemeClr>
+        </a:solidFill>
+        <a:ln w="10795" cap="flat" cmpd="sng" algn="ctr">
+          <a:solidFill>
+            <a:schemeClr val="lt1">
+              <a:hueOff val="0"/>
+              <a:satOff val="0"/>
+              <a:lumOff val="0"/>
+              <a:alphaOff val="0"/>
+            </a:schemeClr>
+          </a:solidFill>
+          <a:prstDash val="solid"/>
+        </a:ln>
+        <a:effectLst/>
+      </dsp:spPr>
+      <dsp:style>
+        <a:lnRef idx="2">
+          <a:scrgbClr r="0" g="0" b="0"/>
+        </a:lnRef>
+        <a:fillRef idx="1">
+          <a:scrgbClr r="0" g="0" b="0"/>
+        </a:fillRef>
+        <a:effectRef idx="0">
+          <a:scrgbClr r="0" g="0" b="0"/>
+        </a:effectRef>
+        <a:fontRef idx="minor">
+          <a:schemeClr val="lt1"/>
+        </a:fontRef>
+      </dsp:style>
+      <dsp:txBody>
+        <a:bodyPr spcFirstLastPara="0" vert="horz" wrap="square" lIns="99060" tIns="99060" rIns="99060" bIns="99060" numCol="1" spcCol="1270" anchor="ctr" anchorCtr="0">
+          <a:noAutofit/>
+        </a:bodyPr>
+        <a:lstStyle/>
+        <a:p>
+          <a:pPr lvl="0" algn="l" defTabSz="1155700" rtl="0">
+            <a:lnSpc>
+              <a:spcPct val="90000"/>
+            </a:lnSpc>
+            <a:spcBef>
+              <a:spcPct val="0"/>
+            </a:spcBef>
+            <a:spcAft>
+              <a:spcPct val="35000"/>
+            </a:spcAft>
+          </a:pPr>
+          <a:r>
+            <a:rPr lang="en-US" sz="2600" kern="1200" dirty="0" smtClean="0">
+              <a:solidFill>
+                <a:schemeClr val="tx2"/>
+              </a:solidFill>
+            </a:rPr>
+            <a:t>interaction only through direct asynchronous message passing </a:t>
+          </a:r>
+          <a:endParaRPr lang="en-US" sz="2600" kern="1200" dirty="0">
+            <a:solidFill>
+              <a:schemeClr val="tx2"/>
+            </a:solidFill>
+          </a:endParaRPr>
+        </a:p>
+      </dsp:txBody>
+      <dsp:txXfrm>
+        <a:off x="1005920" y="2696062"/>
+        <a:ext cx="4571016" cy="1060682"/>
+      </dsp:txXfrm>
+    </dsp:sp>
+    <dsp:sp modelId="{A6C7CB61-6D7A-46EB-8DF6-8347375DF2F5}">
+      <dsp:nvSpPr>
+        <dsp:cNvPr id="0" name=""/>
+        <dsp:cNvSpPr/>
+      </dsp:nvSpPr>
+      <dsp:spPr>
+        <a:xfrm>
+          <a:off x="1463039" y="3994594"/>
+          <a:ext cx="5852160" cy="1126680"/>
+        </a:xfrm>
+        <a:prstGeom prst="roundRect">
+          <a:avLst>
+            <a:gd name="adj" fmla="val 10000"/>
+          </a:avLst>
+        </a:prstGeom>
+        <a:solidFill>
+          <a:schemeClr val="accent2">
+            <a:hueOff val="0"/>
+            <a:satOff val="0"/>
+            <a:lumOff val="0"/>
+            <a:alphaOff val="0"/>
+          </a:schemeClr>
+        </a:solidFill>
+        <a:ln w="10795" cap="flat" cmpd="sng" algn="ctr">
+          <a:solidFill>
+            <a:schemeClr val="lt1">
+              <a:hueOff val="0"/>
+              <a:satOff val="0"/>
+              <a:lumOff val="0"/>
+              <a:alphaOff val="0"/>
+            </a:schemeClr>
+          </a:solidFill>
+          <a:prstDash val="solid"/>
+        </a:ln>
+        <a:effectLst/>
+      </dsp:spPr>
+      <dsp:style>
+        <a:lnRef idx="2">
+          <a:scrgbClr r="0" g="0" b="0"/>
+        </a:lnRef>
+        <a:fillRef idx="1">
+          <a:scrgbClr r="0" g="0" b="0"/>
+        </a:fillRef>
+        <a:effectRef idx="0">
+          <a:scrgbClr r="0" g="0" b="0"/>
+        </a:effectRef>
+        <a:fontRef idx="minor">
+          <a:schemeClr val="lt1"/>
+        </a:fontRef>
+      </dsp:style>
+      <dsp:txBody>
+        <a:bodyPr spcFirstLastPara="0" vert="horz" wrap="square" lIns="99060" tIns="99060" rIns="99060" bIns="99060" numCol="1" spcCol="1270" anchor="ctr" anchorCtr="0">
+          <a:noAutofit/>
+        </a:bodyPr>
+        <a:lstStyle/>
+        <a:p>
+          <a:pPr lvl="0" algn="l" defTabSz="1155700" rtl="0">
+            <a:lnSpc>
+              <a:spcPct val="90000"/>
+            </a:lnSpc>
+            <a:spcBef>
+              <a:spcPct val="0"/>
+            </a:spcBef>
+            <a:spcAft>
+              <a:spcPct val="35000"/>
+            </a:spcAft>
+          </a:pPr>
+          <a:r>
+            <a:rPr lang="en-US" sz="2600" kern="1200" dirty="0" smtClean="0">
+              <a:solidFill>
+                <a:schemeClr val="tx2"/>
+              </a:solidFill>
+            </a:rPr>
+            <a:t>no restriction on message arrival order</a:t>
+          </a:r>
+          <a:endParaRPr lang="en-US" sz="2600" kern="1200" dirty="0">
+            <a:solidFill>
+              <a:schemeClr val="tx2"/>
+            </a:solidFill>
+          </a:endParaRPr>
+        </a:p>
+      </dsp:txBody>
+      <dsp:txXfrm>
+        <a:off x="1496038" y="4027593"/>
+        <a:ext cx="4563701" cy="1060682"/>
+      </dsp:txXfrm>
+    </dsp:sp>
+    <dsp:sp modelId="{4C6629DC-ED83-4C24-918E-02A809AE514C}">
+      <dsp:nvSpPr>
+        <dsp:cNvPr id="0" name=""/>
+        <dsp:cNvSpPr/>
+      </dsp:nvSpPr>
+      <dsp:spPr>
+        <a:xfrm>
+          <a:off x="5119817" y="862934"/>
+          <a:ext cx="732342" cy="732342"/>
+        </a:xfrm>
+        <a:prstGeom prst="downArrow">
+          <a:avLst>
+            <a:gd name="adj1" fmla="val 55000"/>
+            <a:gd name="adj2" fmla="val 45000"/>
+          </a:avLst>
+        </a:prstGeom>
+        <a:solidFill>
+          <a:schemeClr val="accent2">
+            <a:alpha val="90000"/>
+            <a:tint val="40000"/>
+            <a:hueOff val="0"/>
+            <a:satOff val="0"/>
+            <a:lumOff val="0"/>
+            <a:alphaOff val="0"/>
+          </a:schemeClr>
+        </a:solidFill>
+        <a:ln w="10795" cap="flat" cmpd="sng" algn="ctr">
+          <a:solidFill>
+            <a:schemeClr val="accent2">
+              <a:alpha val="90000"/>
+              <a:tint val="40000"/>
+              <a:hueOff val="0"/>
+              <a:satOff val="0"/>
+              <a:lumOff val="0"/>
+              <a:alphaOff val="0"/>
+            </a:schemeClr>
+          </a:solidFill>
+          <a:prstDash val="solid"/>
+        </a:ln>
+        <a:effectLst/>
+      </dsp:spPr>
+      <dsp:style>
+        <a:lnRef idx="2">
+          <a:scrgbClr r="0" g="0" b="0"/>
+        </a:lnRef>
+        <a:fillRef idx="1">
+          <a:scrgbClr r="0" g="0" b="0"/>
+        </a:fillRef>
+        <a:effectRef idx="0">
+          <a:scrgbClr r="0" g="0" b="0"/>
+        </a:effectRef>
+        <a:fontRef idx="minor"/>
+      </dsp:style>
+      <dsp:txBody>
+        <a:bodyPr spcFirstLastPara="0" vert="horz" wrap="square" lIns="41910" tIns="41910" rIns="41910" bIns="41910" numCol="1" spcCol="1270" anchor="ctr" anchorCtr="0">
+          <a:noAutofit/>
+        </a:bodyPr>
+        <a:lstStyle/>
+        <a:p>
+          <a:pPr lvl="0" algn="ctr" defTabSz="1466850">
+            <a:lnSpc>
+              <a:spcPct val="90000"/>
+            </a:lnSpc>
+            <a:spcBef>
+              <a:spcPct val="0"/>
+            </a:spcBef>
+            <a:spcAft>
+              <a:spcPct val="35000"/>
+            </a:spcAft>
+          </a:pPr>
+          <a:endParaRPr lang="en-US" sz="3300" kern="1200"/>
+        </a:p>
+      </dsp:txBody>
+      <dsp:txXfrm>
+        <a:off x="5284594" y="862934"/>
+        <a:ext cx="402788" cy="551087"/>
+      </dsp:txXfrm>
+    </dsp:sp>
+    <dsp:sp modelId="{F2539A5F-1E25-4AC9-8B24-A0563841837E}">
+      <dsp:nvSpPr>
+        <dsp:cNvPr id="0" name=""/>
+        <dsp:cNvSpPr/>
+      </dsp:nvSpPr>
+      <dsp:spPr>
+        <a:xfrm>
+          <a:off x="5609936" y="2194466"/>
+          <a:ext cx="732342" cy="732342"/>
+        </a:xfrm>
+        <a:prstGeom prst="downArrow">
+          <a:avLst>
+            <a:gd name="adj1" fmla="val 55000"/>
+            <a:gd name="adj2" fmla="val 45000"/>
+          </a:avLst>
+        </a:prstGeom>
+        <a:solidFill>
+          <a:schemeClr val="accent2">
+            <a:alpha val="90000"/>
+            <a:tint val="40000"/>
+            <a:hueOff val="0"/>
+            <a:satOff val="0"/>
+            <a:lumOff val="0"/>
+            <a:alphaOff val="0"/>
+          </a:schemeClr>
+        </a:solidFill>
+        <a:ln w="10795" cap="flat" cmpd="sng" algn="ctr">
+          <a:solidFill>
+            <a:schemeClr val="accent2">
+              <a:alpha val="90000"/>
+              <a:tint val="40000"/>
+              <a:hueOff val="0"/>
+              <a:satOff val="0"/>
+              <a:lumOff val="0"/>
+              <a:alphaOff val="0"/>
+            </a:schemeClr>
+          </a:solidFill>
+          <a:prstDash val="solid"/>
+        </a:ln>
+        <a:effectLst/>
+      </dsp:spPr>
+      <dsp:style>
+        <a:lnRef idx="2">
+          <a:scrgbClr r="0" g="0" b="0"/>
+        </a:lnRef>
+        <a:fillRef idx="1">
+          <a:scrgbClr r="0" g="0" b="0"/>
+        </a:fillRef>
+        <a:effectRef idx="0">
+          <a:scrgbClr r="0" g="0" b="0"/>
+        </a:effectRef>
+        <a:fontRef idx="minor"/>
+      </dsp:style>
+      <dsp:txBody>
+        <a:bodyPr spcFirstLastPara="0" vert="horz" wrap="square" lIns="41910" tIns="41910" rIns="41910" bIns="41910" numCol="1" spcCol="1270" anchor="ctr" anchorCtr="0">
+          <a:noAutofit/>
+        </a:bodyPr>
+        <a:lstStyle/>
+        <a:p>
+          <a:pPr lvl="0" algn="ctr" defTabSz="1466850">
+            <a:lnSpc>
+              <a:spcPct val="90000"/>
+            </a:lnSpc>
+            <a:spcBef>
+              <a:spcPct val="0"/>
+            </a:spcBef>
+            <a:spcAft>
+              <a:spcPct val="35000"/>
+            </a:spcAft>
+          </a:pPr>
+          <a:endParaRPr lang="en-US" sz="3300" kern="1200"/>
+        </a:p>
+      </dsp:txBody>
+      <dsp:txXfrm>
+        <a:off x="5774713" y="2194466"/>
+        <a:ext cx="402788" cy="551087"/>
+      </dsp:txXfrm>
+    </dsp:sp>
+    <dsp:sp modelId="{F04B7FFE-5806-44C7-86F3-D924A32EA1F0}">
+      <dsp:nvSpPr>
+        <dsp:cNvPr id="0" name=""/>
+        <dsp:cNvSpPr/>
+      </dsp:nvSpPr>
+      <dsp:spPr>
+        <a:xfrm>
+          <a:off x="6092739" y="3525997"/>
+          <a:ext cx="732342" cy="732342"/>
+        </a:xfrm>
+        <a:prstGeom prst="downArrow">
+          <a:avLst>
+            <a:gd name="adj1" fmla="val 55000"/>
+            <a:gd name="adj2" fmla="val 45000"/>
+          </a:avLst>
+        </a:prstGeom>
+        <a:solidFill>
+          <a:schemeClr val="accent2">
+            <a:alpha val="90000"/>
+            <a:tint val="40000"/>
+            <a:hueOff val="0"/>
+            <a:satOff val="0"/>
+            <a:lumOff val="0"/>
+            <a:alphaOff val="0"/>
+          </a:schemeClr>
+        </a:solidFill>
+        <a:ln w="10795" cap="flat" cmpd="sng" algn="ctr">
+          <a:solidFill>
+            <a:schemeClr val="accent2">
+              <a:alpha val="90000"/>
+              <a:tint val="40000"/>
+              <a:hueOff val="0"/>
+              <a:satOff val="0"/>
+              <a:lumOff val="0"/>
+              <a:alphaOff val="0"/>
+            </a:schemeClr>
+          </a:solidFill>
+          <a:prstDash val="solid"/>
+        </a:ln>
+        <a:effectLst/>
+      </dsp:spPr>
+      <dsp:style>
+        <a:lnRef idx="2">
+          <a:scrgbClr r="0" g="0" b="0"/>
+        </a:lnRef>
+        <a:fillRef idx="1">
+          <a:scrgbClr r="0" g="0" b="0"/>
+        </a:fillRef>
+        <a:effectRef idx="0">
+          <a:scrgbClr r="0" g="0" b="0"/>
+        </a:effectRef>
+        <a:fontRef idx="minor"/>
+      </dsp:style>
+      <dsp:txBody>
+        <a:bodyPr spcFirstLastPara="0" vert="horz" wrap="square" lIns="41910" tIns="41910" rIns="41910" bIns="41910" numCol="1" spcCol="1270" anchor="ctr" anchorCtr="0">
+          <a:noAutofit/>
+        </a:bodyPr>
+        <a:lstStyle/>
+        <a:p>
+          <a:pPr lvl="0" algn="ctr" defTabSz="1466850">
+            <a:lnSpc>
+              <a:spcPct val="90000"/>
+            </a:lnSpc>
+            <a:spcBef>
+              <a:spcPct val="0"/>
+            </a:spcBef>
+            <a:spcAft>
+              <a:spcPct val="35000"/>
+            </a:spcAft>
+          </a:pPr>
+          <a:endParaRPr lang="en-US" sz="3300" kern="1200"/>
+        </a:p>
+      </dsp:txBody>
+      <dsp:txXfrm>
+        <a:off x="6257516" y="3525997"/>
+        <a:ext cx="402788" cy="551087"/>
+      </dsp:txXfrm>
+    </dsp:sp>
   </dsp:spTree>
 </dsp:drawing>
 </file>
@@ -6125,6 +7881,1228 @@
       <dsp:cNvGrpSpPr/>
     </dsp:nvGrpSpPr>
     <dsp:grpSpPr/>
+    <dsp:sp modelId="{DAB28311-038B-45FC-8929-FF7258AF2DA7}">
+      <dsp:nvSpPr>
+        <dsp:cNvPr id="0" name=""/>
+        <dsp:cNvSpPr/>
+      </dsp:nvSpPr>
+      <dsp:spPr>
+        <a:xfrm>
+          <a:off x="147381" y="1039829"/>
+          <a:ext cx="2162257" cy="712562"/>
+        </a:xfrm>
+        <a:prstGeom prst="rect">
+          <a:avLst/>
+        </a:prstGeom>
+        <a:noFill/>
+        <a:ln>
+          <a:noFill/>
+        </a:ln>
+        <a:effectLst/>
+      </dsp:spPr>
+      <dsp:style>
+        <a:lnRef idx="0">
+          <a:scrgbClr r="0" g="0" b="0"/>
+        </a:lnRef>
+        <a:fillRef idx="0">
+          <a:scrgbClr r="0" g="0" b="0"/>
+        </a:fillRef>
+        <a:effectRef idx="0">
+          <a:scrgbClr r="0" g="0" b="0"/>
+        </a:effectRef>
+        <a:fontRef idx="minor"/>
+      </dsp:style>
+      <dsp:txBody>
+        <a:bodyPr spcFirstLastPara="0" vert="horz" wrap="square" lIns="45720" tIns="45720" rIns="45720" bIns="45720" numCol="1" spcCol="1270" anchor="ctr" anchorCtr="0">
+          <a:noAutofit/>
+        </a:bodyPr>
+        <a:lstStyle/>
+        <a:p>
+          <a:pPr lvl="0" algn="ctr" defTabSz="1600200">
+            <a:lnSpc>
+              <a:spcPct val="90000"/>
+            </a:lnSpc>
+            <a:spcBef>
+              <a:spcPct val="0"/>
+            </a:spcBef>
+            <a:spcAft>
+              <a:spcPct val="35000"/>
+            </a:spcAft>
+          </a:pPr>
+          <a:r>
+            <a:rPr lang="en-US" sz="3600" kern="1200" dirty="0" smtClean="0">
+              <a:solidFill>
+                <a:schemeClr val="tx2"/>
+              </a:solidFill>
+            </a:rPr>
+            <a:t>Everything</a:t>
+          </a:r>
+          <a:endParaRPr lang="en-US" sz="3600" kern="1200" dirty="0">
+            <a:solidFill>
+              <a:schemeClr val="tx2"/>
+            </a:solidFill>
+          </a:endParaRPr>
+        </a:p>
+      </dsp:txBody>
+      <dsp:txXfrm>
+        <a:off x="147381" y="1039829"/>
+        <a:ext cx="2162257" cy="712562"/>
+      </dsp:txXfrm>
+    </dsp:sp>
+    <dsp:sp modelId="{311A4562-3D0A-4421-A676-7540D5C85F5D}">
+      <dsp:nvSpPr>
+        <dsp:cNvPr id="0" name=""/>
+        <dsp:cNvSpPr/>
+      </dsp:nvSpPr>
+      <dsp:spPr>
+        <a:xfrm>
+          <a:off x="144924" y="823112"/>
+          <a:ext cx="171997" cy="171997"/>
+        </a:xfrm>
+        <a:prstGeom prst="ellipse">
+          <a:avLst/>
+        </a:prstGeom>
+        <a:solidFill>
+          <a:schemeClr val="accent2">
+            <a:hueOff val="0"/>
+            <a:satOff val="0"/>
+            <a:lumOff val="0"/>
+            <a:alphaOff val="0"/>
+          </a:schemeClr>
+        </a:solidFill>
+        <a:ln>
+          <a:noFill/>
+        </a:ln>
+        <a:effectLst/>
+        <a:scene3d>
+          <a:camera prst="orthographicFront"/>
+          <a:lightRig rig="threePt" dir="t">
+            <a:rot lat="0" lon="0" rev="7500000"/>
+          </a:lightRig>
+        </a:scene3d>
+        <a:sp3d prstMaterial="plastic">
+          <a:bevelT w="127000" h="25400" prst="relaxedInset"/>
+        </a:sp3d>
+      </dsp:spPr>
+      <dsp:style>
+        <a:lnRef idx="0">
+          <a:scrgbClr r="0" g="0" b="0"/>
+        </a:lnRef>
+        <a:fillRef idx="3">
+          <a:scrgbClr r="0" g="0" b="0"/>
+        </a:fillRef>
+        <a:effectRef idx="2">
+          <a:scrgbClr r="0" g="0" b="0"/>
+        </a:effectRef>
+        <a:fontRef idx="minor">
+          <a:schemeClr val="lt1"/>
+        </a:fontRef>
+      </dsp:style>
+    </dsp:sp>
+    <dsp:sp modelId="{C5ABDC77-009D-4807-830B-CC65290487AF}">
+      <dsp:nvSpPr>
+        <dsp:cNvPr id="0" name=""/>
+        <dsp:cNvSpPr/>
+      </dsp:nvSpPr>
+      <dsp:spPr>
+        <a:xfrm>
+          <a:off x="265322" y="582315"/>
+          <a:ext cx="171997" cy="171997"/>
+        </a:xfrm>
+        <a:prstGeom prst="ellipse">
+          <a:avLst/>
+        </a:prstGeom>
+        <a:solidFill>
+          <a:schemeClr val="accent2">
+            <a:hueOff val="0"/>
+            <a:satOff val="0"/>
+            <a:lumOff val="0"/>
+            <a:alphaOff val="0"/>
+          </a:schemeClr>
+        </a:solidFill>
+        <a:ln>
+          <a:noFill/>
+        </a:ln>
+        <a:effectLst/>
+        <a:scene3d>
+          <a:camera prst="orthographicFront"/>
+          <a:lightRig rig="threePt" dir="t">
+            <a:rot lat="0" lon="0" rev="7500000"/>
+          </a:lightRig>
+        </a:scene3d>
+        <a:sp3d prstMaterial="plastic">
+          <a:bevelT w="127000" h="25400" prst="relaxedInset"/>
+        </a:sp3d>
+      </dsp:spPr>
+      <dsp:style>
+        <a:lnRef idx="0">
+          <a:scrgbClr r="0" g="0" b="0"/>
+        </a:lnRef>
+        <a:fillRef idx="3">
+          <a:scrgbClr r="0" g="0" b="0"/>
+        </a:fillRef>
+        <a:effectRef idx="2">
+          <a:scrgbClr r="0" g="0" b="0"/>
+        </a:effectRef>
+        <a:fontRef idx="minor">
+          <a:schemeClr val="lt1"/>
+        </a:fontRef>
+      </dsp:style>
+    </dsp:sp>
+    <dsp:sp modelId="{0DD74683-1B22-4086-8302-5BF4B4594961}">
+      <dsp:nvSpPr>
+        <dsp:cNvPr id="0" name=""/>
+        <dsp:cNvSpPr/>
+      </dsp:nvSpPr>
+      <dsp:spPr>
+        <a:xfrm>
+          <a:off x="554278" y="630475"/>
+          <a:ext cx="270282" cy="270282"/>
+        </a:xfrm>
+        <a:prstGeom prst="ellipse">
+          <a:avLst/>
+        </a:prstGeom>
+        <a:solidFill>
+          <a:schemeClr val="accent2">
+            <a:hueOff val="0"/>
+            <a:satOff val="0"/>
+            <a:lumOff val="0"/>
+            <a:alphaOff val="0"/>
+          </a:schemeClr>
+        </a:solidFill>
+        <a:ln>
+          <a:noFill/>
+        </a:ln>
+        <a:effectLst/>
+        <a:scene3d>
+          <a:camera prst="orthographicFront"/>
+          <a:lightRig rig="threePt" dir="t">
+            <a:rot lat="0" lon="0" rev="7500000"/>
+          </a:lightRig>
+        </a:scene3d>
+        <a:sp3d prstMaterial="plastic">
+          <a:bevelT w="127000" h="25400" prst="relaxedInset"/>
+        </a:sp3d>
+      </dsp:spPr>
+      <dsp:style>
+        <a:lnRef idx="0">
+          <a:scrgbClr r="0" g="0" b="0"/>
+        </a:lnRef>
+        <a:fillRef idx="3">
+          <a:scrgbClr r="0" g="0" b="0"/>
+        </a:fillRef>
+        <a:effectRef idx="2">
+          <a:scrgbClr r="0" g="0" b="0"/>
+        </a:effectRef>
+        <a:fontRef idx="minor">
+          <a:schemeClr val="lt1"/>
+        </a:fontRef>
+      </dsp:style>
+    </dsp:sp>
+    <dsp:sp modelId="{1C9E7B99-13FC-4D72-AA39-5E1E64284A39}">
+      <dsp:nvSpPr>
+        <dsp:cNvPr id="0" name=""/>
+        <dsp:cNvSpPr/>
+      </dsp:nvSpPr>
+      <dsp:spPr>
+        <a:xfrm>
+          <a:off x="795075" y="365598"/>
+          <a:ext cx="171997" cy="171997"/>
+        </a:xfrm>
+        <a:prstGeom prst="ellipse">
+          <a:avLst/>
+        </a:prstGeom>
+        <a:solidFill>
+          <a:schemeClr val="accent2">
+            <a:hueOff val="0"/>
+            <a:satOff val="0"/>
+            <a:lumOff val="0"/>
+            <a:alphaOff val="0"/>
+          </a:schemeClr>
+        </a:solidFill>
+        <a:ln>
+          <a:noFill/>
+        </a:ln>
+        <a:effectLst/>
+        <a:scene3d>
+          <a:camera prst="orthographicFront"/>
+          <a:lightRig rig="threePt" dir="t">
+            <a:rot lat="0" lon="0" rev="7500000"/>
+          </a:lightRig>
+        </a:scene3d>
+        <a:sp3d prstMaterial="plastic">
+          <a:bevelT w="127000" h="25400" prst="relaxedInset"/>
+        </a:sp3d>
+      </dsp:spPr>
+      <dsp:style>
+        <a:lnRef idx="0">
+          <a:scrgbClr r="0" g="0" b="0"/>
+        </a:lnRef>
+        <a:fillRef idx="3">
+          <a:scrgbClr r="0" g="0" b="0"/>
+        </a:fillRef>
+        <a:effectRef idx="2">
+          <a:scrgbClr r="0" g="0" b="0"/>
+        </a:effectRef>
+        <a:fontRef idx="minor">
+          <a:schemeClr val="lt1"/>
+        </a:fontRef>
+      </dsp:style>
+    </dsp:sp>
+    <dsp:sp modelId="{3382167D-3C5E-4800-8A1C-F82F8D949528}">
+      <dsp:nvSpPr>
+        <dsp:cNvPr id="0" name=""/>
+        <dsp:cNvSpPr/>
+      </dsp:nvSpPr>
+      <dsp:spPr>
+        <a:xfrm>
+          <a:off x="1108111" y="269279"/>
+          <a:ext cx="171997" cy="171997"/>
+        </a:xfrm>
+        <a:prstGeom prst="ellipse">
+          <a:avLst/>
+        </a:prstGeom>
+        <a:solidFill>
+          <a:schemeClr val="accent2">
+            <a:hueOff val="0"/>
+            <a:satOff val="0"/>
+            <a:lumOff val="0"/>
+            <a:alphaOff val="0"/>
+          </a:schemeClr>
+        </a:solidFill>
+        <a:ln>
+          <a:noFill/>
+        </a:ln>
+        <a:effectLst/>
+        <a:scene3d>
+          <a:camera prst="orthographicFront"/>
+          <a:lightRig rig="threePt" dir="t">
+            <a:rot lat="0" lon="0" rev="7500000"/>
+          </a:lightRig>
+        </a:scene3d>
+        <a:sp3d prstMaterial="plastic">
+          <a:bevelT w="127000" h="25400" prst="relaxedInset"/>
+        </a:sp3d>
+      </dsp:spPr>
+      <dsp:style>
+        <a:lnRef idx="0">
+          <a:scrgbClr r="0" g="0" b="0"/>
+        </a:lnRef>
+        <a:fillRef idx="3">
+          <a:scrgbClr r="0" g="0" b="0"/>
+        </a:fillRef>
+        <a:effectRef idx="2">
+          <a:scrgbClr r="0" g="0" b="0"/>
+        </a:effectRef>
+        <a:fontRef idx="minor">
+          <a:schemeClr val="lt1"/>
+        </a:fontRef>
+      </dsp:style>
+    </dsp:sp>
+    <dsp:sp modelId="{82EEED91-CCBD-47AC-B4CF-24C3A94EAC42}">
+      <dsp:nvSpPr>
+        <dsp:cNvPr id="0" name=""/>
+        <dsp:cNvSpPr/>
+      </dsp:nvSpPr>
+      <dsp:spPr>
+        <a:xfrm>
+          <a:off x="1493386" y="437837"/>
+          <a:ext cx="171997" cy="171997"/>
+        </a:xfrm>
+        <a:prstGeom prst="ellipse">
+          <a:avLst/>
+        </a:prstGeom>
+        <a:solidFill>
+          <a:schemeClr val="accent2">
+            <a:hueOff val="0"/>
+            <a:satOff val="0"/>
+            <a:lumOff val="0"/>
+            <a:alphaOff val="0"/>
+          </a:schemeClr>
+        </a:solidFill>
+        <a:ln>
+          <a:noFill/>
+        </a:ln>
+        <a:effectLst/>
+        <a:scene3d>
+          <a:camera prst="orthographicFront"/>
+          <a:lightRig rig="threePt" dir="t">
+            <a:rot lat="0" lon="0" rev="7500000"/>
+          </a:lightRig>
+        </a:scene3d>
+        <a:sp3d prstMaterial="plastic">
+          <a:bevelT w="127000" h="25400" prst="relaxedInset"/>
+        </a:sp3d>
+      </dsp:spPr>
+      <dsp:style>
+        <a:lnRef idx="0">
+          <a:scrgbClr r="0" g="0" b="0"/>
+        </a:lnRef>
+        <a:fillRef idx="3">
+          <a:scrgbClr r="0" g="0" b="0"/>
+        </a:fillRef>
+        <a:effectRef idx="2">
+          <a:scrgbClr r="0" g="0" b="0"/>
+        </a:effectRef>
+        <a:fontRef idx="minor">
+          <a:schemeClr val="lt1"/>
+        </a:fontRef>
+      </dsp:style>
+    </dsp:sp>
+    <dsp:sp modelId="{3AFE6E28-4143-4E44-BDC5-6912FC08476C}">
+      <dsp:nvSpPr>
+        <dsp:cNvPr id="0" name=""/>
+        <dsp:cNvSpPr/>
+      </dsp:nvSpPr>
+      <dsp:spPr>
+        <a:xfrm>
+          <a:off x="1734183" y="558236"/>
+          <a:ext cx="270282" cy="270282"/>
+        </a:xfrm>
+        <a:prstGeom prst="ellipse">
+          <a:avLst/>
+        </a:prstGeom>
+        <a:solidFill>
+          <a:schemeClr val="accent2">
+            <a:hueOff val="0"/>
+            <a:satOff val="0"/>
+            <a:lumOff val="0"/>
+            <a:alphaOff val="0"/>
+          </a:schemeClr>
+        </a:solidFill>
+        <a:ln>
+          <a:noFill/>
+        </a:ln>
+        <a:effectLst/>
+        <a:scene3d>
+          <a:camera prst="orthographicFront"/>
+          <a:lightRig rig="threePt" dir="t">
+            <a:rot lat="0" lon="0" rev="7500000"/>
+          </a:lightRig>
+        </a:scene3d>
+        <a:sp3d prstMaterial="plastic">
+          <a:bevelT w="127000" h="25400" prst="relaxedInset"/>
+        </a:sp3d>
+      </dsp:spPr>
+      <dsp:style>
+        <a:lnRef idx="0">
+          <a:scrgbClr r="0" g="0" b="0"/>
+        </a:lnRef>
+        <a:fillRef idx="3">
+          <a:scrgbClr r="0" g="0" b="0"/>
+        </a:fillRef>
+        <a:effectRef idx="2">
+          <a:scrgbClr r="0" g="0" b="0"/>
+        </a:effectRef>
+        <a:fontRef idx="minor">
+          <a:schemeClr val="lt1"/>
+        </a:fontRef>
+      </dsp:style>
+    </dsp:sp>
+    <dsp:sp modelId="{F5E56393-E667-4366-B7B7-3C0C77BCB08E}">
+      <dsp:nvSpPr>
+        <dsp:cNvPr id="0" name=""/>
+        <dsp:cNvSpPr/>
+      </dsp:nvSpPr>
+      <dsp:spPr>
+        <a:xfrm>
+          <a:off x="2071299" y="823112"/>
+          <a:ext cx="171997" cy="171997"/>
+        </a:xfrm>
+        <a:prstGeom prst="ellipse">
+          <a:avLst/>
+        </a:prstGeom>
+        <a:solidFill>
+          <a:schemeClr val="accent2">
+            <a:hueOff val="0"/>
+            <a:satOff val="0"/>
+            <a:lumOff val="0"/>
+            <a:alphaOff val="0"/>
+          </a:schemeClr>
+        </a:solidFill>
+        <a:ln>
+          <a:noFill/>
+        </a:ln>
+        <a:effectLst/>
+        <a:scene3d>
+          <a:camera prst="orthographicFront"/>
+          <a:lightRig rig="threePt" dir="t">
+            <a:rot lat="0" lon="0" rev="7500000"/>
+          </a:lightRig>
+        </a:scene3d>
+        <a:sp3d prstMaterial="plastic">
+          <a:bevelT w="127000" h="25400" prst="relaxedInset"/>
+        </a:sp3d>
+      </dsp:spPr>
+      <dsp:style>
+        <a:lnRef idx="0">
+          <a:scrgbClr r="0" g="0" b="0"/>
+        </a:lnRef>
+        <a:fillRef idx="3">
+          <a:scrgbClr r="0" g="0" b="0"/>
+        </a:fillRef>
+        <a:effectRef idx="2">
+          <a:scrgbClr r="0" g="0" b="0"/>
+        </a:effectRef>
+        <a:fontRef idx="minor">
+          <a:schemeClr val="lt1"/>
+        </a:fontRef>
+      </dsp:style>
+    </dsp:sp>
+    <dsp:sp modelId="{9EB17CD6-4477-406E-B5B4-6E43121853F8}">
+      <dsp:nvSpPr>
+        <dsp:cNvPr id="0" name=""/>
+        <dsp:cNvSpPr/>
+      </dsp:nvSpPr>
+      <dsp:spPr>
+        <a:xfrm>
+          <a:off x="2215777" y="1087989"/>
+          <a:ext cx="171997" cy="171997"/>
+        </a:xfrm>
+        <a:prstGeom prst="ellipse">
+          <a:avLst/>
+        </a:prstGeom>
+        <a:solidFill>
+          <a:schemeClr val="accent2">
+            <a:hueOff val="0"/>
+            <a:satOff val="0"/>
+            <a:lumOff val="0"/>
+            <a:alphaOff val="0"/>
+          </a:schemeClr>
+        </a:solidFill>
+        <a:ln>
+          <a:noFill/>
+        </a:ln>
+        <a:effectLst/>
+        <a:scene3d>
+          <a:camera prst="orthographicFront"/>
+          <a:lightRig rig="threePt" dir="t">
+            <a:rot lat="0" lon="0" rev="7500000"/>
+          </a:lightRig>
+        </a:scene3d>
+        <a:sp3d prstMaterial="plastic">
+          <a:bevelT w="127000" h="25400" prst="relaxedInset"/>
+        </a:sp3d>
+      </dsp:spPr>
+      <dsp:style>
+        <a:lnRef idx="0">
+          <a:scrgbClr r="0" g="0" b="0"/>
+        </a:lnRef>
+        <a:fillRef idx="3">
+          <a:scrgbClr r="0" g="0" b="0"/>
+        </a:fillRef>
+        <a:effectRef idx="2">
+          <a:scrgbClr r="0" g="0" b="0"/>
+        </a:effectRef>
+        <a:fontRef idx="minor">
+          <a:schemeClr val="lt1"/>
+        </a:fontRef>
+      </dsp:style>
+    </dsp:sp>
+    <dsp:sp modelId="{A99A92A7-8786-4861-9175-D6E5E570B5EE}">
+      <dsp:nvSpPr>
+        <dsp:cNvPr id="0" name=""/>
+        <dsp:cNvSpPr/>
+      </dsp:nvSpPr>
+      <dsp:spPr>
+        <a:xfrm>
+          <a:off x="963633" y="582315"/>
+          <a:ext cx="442279" cy="442279"/>
+        </a:xfrm>
+        <a:prstGeom prst="ellipse">
+          <a:avLst/>
+        </a:prstGeom>
+        <a:solidFill>
+          <a:schemeClr val="accent2">
+            <a:hueOff val="0"/>
+            <a:satOff val="0"/>
+            <a:lumOff val="0"/>
+            <a:alphaOff val="0"/>
+          </a:schemeClr>
+        </a:solidFill>
+        <a:ln>
+          <a:noFill/>
+        </a:ln>
+        <a:effectLst/>
+        <a:scene3d>
+          <a:camera prst="orthographicFront"/>
+          <a:lightRig rig="threePt" dir="t">
+            <a:rot lat="0" lon="0" rev="7500000"/>
+          </a:lightRig>
+        </a:scene3d>
+        <a:sp3d prstMaterial="plastic">
+          <a:bevelT w="127000" h="25400" prst="relaxedInset"/>
+        </a:sp3d>
+      </dsp:spPr>
+      <dsp:style>
+        <a:lnRef idx="0">
+          <a:scrgbClr r="0" g="0" b="0"/>
+        </a:lnRef>
+        <a:fillRef idx="3">
+          <a:scrgbClr r="0" g="0" b="0"/>
+        </a:fillRef>
+        <a:effectRef idx="2">
+          <a:scrgbClr r="0" g="0" b="0"/>
+        </a:effectRef>
+        <a:fontRef idx="minor">
+          <a:schemeClr val="lt1"/>
+        </a:fontRef>
+      </dsp:style>
+    </dsp:sp>
+    <dsp:sp modelId="{F67F52B3-912F-41A1-9FC5-B4895EE09DB7}">
+      <dsp:nvSpPr>
+        <dsp:cNvPr id="0" name=""/>
+        <dsp:cNvSpPr/>
+      </dsp:nvSpPr>
+      <dsp:spPr>
+        <a:xfrm>
+          <a:off x="24525" y="1497343"/>
+          <a:ext cx="171997" cy="171997"/>
+        </a:xfrm>
+        <a:prstGeom prst="ellipse">
+          <a:avLst/>
+        </a:prstGeom>
+        <a:solidFill>
+          <a:schemeClr val="accent2">
+            <a:hueOff val="0"/>
+            <a:satOff val="0"/>
+            <a:lumOff val="0"/>
+            <a:alphaOff val="0"/>
+          </a:schemeClr>
+        </a:solidFill>
+        <a:ln>
+          <a:noFill/>
+        </a:ln>
+        <a:effectLst/>
+        <a:scene3d>
+          <a:camera prst="orthographicFront"/>
+          <a:lightRig rig="threePt" dir="t">
+            <a:rot lat="0" lon="0" rev="7500000"/>
+          </a:lightRig>
+        </a:scene3d>
+        <a:sp3d prstMaterial="plastic">
+          <a:bevelT w="127000" h="25400" prst="relaxedInset"/>
+        </a:sp3d>
+      </dsp:spPr>
+      <dsp:style>
+        <a:lnRef idx="0">
+          <a:scrgbClr r="0" g="0" b="0"/>
+        </a:lnRef>
+        <a:fillRef idx="3">
+          <a:scrgbClr r="0" g="0" b="0"/>
+        </a:fillRef>
+        <a:effectRef idx="2">
+          <a:scrgbClr r="0" g="0" b="0"/>
+        </a:effectRef>
+        <a:fontRef idx="minor">
+          <a:schemeClr val="lt1"/>
+        </a:fontRef>
+      </dsp:style>
+    </dsp:sp>
+    <dsp:sp modelId="{D7B8E378-3FD2-4DCE-9938-B169FA5F5A94}">
+      <dsp:nvSpPr>
+        <dsp:cNvPr id="0" name=""/>
+        <dsp:cNvSpPr/>
+      </dsp:nvSpPr>
+      <dsp:spPr>
+        <a:xfrm>
+          <a:off x="169003" y="1714061"/>
+          <a:ext cx="270282" cy="270282"/>
+        </a:xfrm>
+        <a:prstGeom prst="ellipse">
+          <a:avLst/>
+        </a:prstGeom>
+        <a:solidFill>
+          <a:schemeClr val="accent2">
+            <a:hueOff val="0"/>
+            <a:satOff val="0"/>
+            <a:lumOff val="0"/>
+            <a:alphaOff val="0"/>
+          </a:schemeClr>
+        </a:solidFill>
+        <a:ln>
+          <a:noFill/>
+        </a:ln>
+        <a:effectLst/>
+        <a:scene3d>
+          <a:camera prst="orthographicFront"/>
+          <a:lightRig rig="threePt" dir="t">
+            <a:rot lat="0" lon="0" rev="7500000"/>
+          </a:lightRig>
+        </a:scene3d>
+        <a:sp3d prstMaterial="plastic">
+          <a:bevelT w="127000" h="25400" prst="relaxedInset"/>
+        </a:sp3d>
+      </dsp:spPr>
+      <dsp:style>
+        <a:lnRef idx="0">
+          <a:scrgbClr r="0" g="0" b="0"/>
+        </a:lnRef>
+        <a:fillRef idx="3">
+          <a:scrgbClr r="0" g="0" b="0"/>
+        </a:fillRef>
+        <a:effectRef idx="2">
+          <a:scrgbClr r="0" g="0" b="0"/>
+        </a:effectRef>
+        <a:fontRef idx="minor">
+          <a:schemeClr val="lt1"/>
+        </a:fontRef>
+      </dsp:style>
+    </dsp:sp>
+    <dsp:sp modelId="{5E93CBC1-8319-4A44-82A9-15DC1B7668D8}">
+      <dsp:nvSpPr>
+        <dsp:cNvPr id="0" name=""/>
+        <dsp:cNvSpPr/>
+      </dsp:nvSpPr>
+      <dsp:spPr>
+        <a:xfrm>
+          <a:off x="530199" y="1906698"/>
+          <a:ext cx="393137" cy="393137"/>
+        </a:xfrm>
+        <a:prstGeom prst="ellipse">
+          <a:avLst/>
+        </a:prstGeom>
+        <a:solidFill>
+          <a:schemeClr val="accent2">
+            <a:hueOff val="0"/>
+            <a:satOff val="0"/>
+            <a:lumOff val="0"/>
+            <a:alphaOff val="0"/>
+          </a:schemeClr>
+        </a:solidFill>
+        <a:ln>
+          <a:noFill/>
+        </a:ln>
+        <a:effectLst/>
+        <a:scene3d>
+          <a:camera prst="orthographicFront"/>
+          <a:lightRig rig="threePt" dir="t">
+            <a:rot lat="0" lon="0" rev="7500000"/>
+          </a:lightRig>
+        </a:scene3d>
+        <a:sp3d prstMaterial="plastic">
+          <a:bevelT w="127000" h="25400" prst="relaxedInset"/>
+        </a:sp3d>
+      </dsp:spPr>
+      <dsp:style>
+        <a:lnRef idx="0">
+          <a:scrgbClr r="0" g="0" b="0"/>
+        </a:lnRef>
+        <a:fillRef idx="3">
+          <a:scrgbClr r="0" g="0" b="0"/>
+        </a:fillRef>
+        <a:effectRef idx="2">
+          <a:scrgbClr r="0" g="0" b="0"/>
+        </a:effectRef>
+        <a:fontRef idx="minor">
+          <a:schemeClr val="lt1"/>
+        </a:fontRef>
+      </dsp:style>
+    </dsp:sp>
+    <dsp:sp modelId="{05AF71BA-FD56-4DC4-81D6-8513D8A16176}">
+      <dsp:nvSpPr>
+        <dsp:cNvPr id="0" name=""/>
+        <dsp:cNvSpPr/>
+      </dsp:nvSpPr>
+      <dsp:spPr>
+        <a:xfrm>
+          <a:off x="1035872" y="2219734"/>
+          <a:ext cx="171997" cy="171997"/>
+        </a:xfrm>
+        <a:prstGeom prst="ellipse">
+          <a:avLst/>
+        </a:prstGeom>
+        <a:solidFill>
+          <a:schemeClr val="accent2">
+            <a:hueOff val="0"/>
+            <a:satOff val="0"/>
+            <a:lumOff val="0"/>
+            <a:alphaOff val="0"/>
+          </a:schemeClr>
+        </a:solidFill>
+        <a:ln>
+          <a:noFill/>
+        </a:ln>
+        <a:effectLst/>
+        <a:scene3d>
+          <a:camera prst="orthographicFront"/>
+          <a:lightRig rig="threePt" dir="t">
+            <a:rot lat="0" lon="0" rev="7500000"/>
+          </a:lightRig>
+        </a:scene3d>
+        <a:sp3d prstMaterial="plastic">
+          <a:bevelT w="127000" h="25400" prst="relaxedInset"/>
+        </a:sp3d>
+      </dsp:spPr>
+      <dsp:style>
+        <a:lnRef idx="0">
+          <a:scrgbClr r="0" g="0" b="0"/>
+        </a:lnRef>
+        <a:fillRef idx="3">
+          <a:scrgbClr r="0" g="0" b="0"/>
+        </a:fillRef>
+        <a:effectRef idx="2">
+          <a:scrgbClr r="0" g="0" b="0"/>
+        </a:effectRef>
+        <a:fontRef idx="minor">
+          <a:schemeClr val="lt1"/>
+        </a:fontRef>
+      </dsp:style>
+    </dsp:sp>
+    <dsp:sp modelId="{6DF58139-AC4A-4B7C-87C9-F08EE08C4399}">
+      <dsp:nvSpPr>
+        <dsp:cNvPr id="0" name=""/>
+        <dsp:cNvSpPr/>
+      </dsp:nvSpPr>
+      <dsp:spPr>
+        <a:xfrm>
+          <a:off x="1132191" y="1906698"/>
+          <a:ext cx="270282" cy="270282"/>
+        </a:xfrm>
+        <a:prstGeom prst="ellipse">
+          <a:avLst/>
+        </a:prstGeom>
+        <a:solidFill>
+          <a:schemeClr val="accent2">
+            <a:hueOff val="0"/>
+            <a:satOff val="0"/>
+            <a:lumOff val="0"/>
+            <a:alphaOff val="0"/>
+          </a:schemeClr>
+        </a:solidFill>
+        <a:ln>
+          <a:noFill/>
+        </a:ln>
+        <a:effectLst/>
+        <a:scene3d>
+          <a:camera prst="orthographicFront"/>
+          <a:lightRig rig="threePt" dir="t">
+            <a:rot lat="0" lon="0" rev="7500000"/>
+          </a:lightRig>
+        </a:scene3d>
+        <a:sp3d prstMaterial="plastic">
+          <a:bevelT w="127000" h="25400" prst="relaxedInset"/>
+        </a:sp3d>
+      </dsp:spPr>
+      <dsp:style>
+        <a:lnRef idx="0">
+          <a:scrgbClr r="0" g="0" b="0"/>
+        </a:lnRef>
+        <a:fillRef idx="3">
+          <a:scrgbClr r="0" g="0" b="0"/>
+        </a:fillRef>
+        <a:effectRef idx="2">
+          <a:scrgbClr r="0" g="0" b="0"/>
+        </a:effectRef>
+        <a:fontRef idx="minor">
+          <a:schemeClr val="lt1"/>
+        </a:fontRef>
+      </dsp:style>
+    </dsp:sp>
+    <dsp:sp modelId="{A9444372-B5FE-45F2-AC76-6F2B695F6772}">
+      <dsp:nvSpPr>
+        <dsp:cNvPr id="0" name=""/>
+        <dsp:cNvSpPr/>
+      </dsp:nvSpPr>
+      <dsp:spPr>
+        <a:xfrm>
+          <a:off x="1372988" y="2243814"/>
+          <a:ext cx="171997" cy="171997"/>
+        </a:xfrm>
+        <a:prstGeom prst="ellipse">
+          <a:avLst/>
+        </a:prstGeom>
+        <a:solidFill>
+          <a:schemeClr val="accent2">
+            <a:hueOff val="0"/>
+            <a:satOff val="0"/>
+            <a:lumOff val="0"/>
+            <a:alphaOff val="0"/>
+          </a:schemeClr>
+        </a:solidFill>
+        <a:ln>
+          <a:noFill/>
+        </a:ln>
+        <a:effectLst/>
+        <a:scene3d>
+          <a:camera prst="orthographicFront"/>
+          <a:lightRig rig="threePt" dir="t">
+            <a:rot lat="0" lon="0" rev="7500000"/>
+          </a:lightRig>
+        </a:scene3d>
+        <a:sp3d prstMaterial="plastic">
+          <a:bevelT w="127000" h="25400" prst="relaxedInset"/>
+        </a:sp3d>
+      </dsp:spPr>
+      <dsp:style>
+        <a:lnRef idx="0">
+          <a:scrgbClr r="0" g="0" b="0"/>
+        </a:lnRef>
+        <a:fillRef idx="3">
+          <a:scrgbClr r="0" g="0" b="0"/>
+        </a:fillRef>
+        <a:effectRef idx="2">
+          <a:scrgbClr r="0" g="0" b="0"/>
+        </a:effectRef>
+        <a:fontRef idx="minor">
+          <a:schemeClr val="lt1"/>
+        </a:fontRef>
+      </dsp:style>
+    </dsp:sp>
+    <dsp:sp modelId="{9100C608-1DC6-42E8-A342-34ADD4F24557}">
+      <dsp:nvSpPr>
+        <dsp:cNvPr id="0" name=""/>
+        <dsp:cNvSpPr/>
+      </dsp:nvSpPr>
+      <dsp:spPr>
+        <a:xfrm>
+          <a:off x="1589705" y="1858539"/>
+          <a:ext cx="393137" cy="393137"/>
+        </a:xfrm>
+        <a:prstGeom prst="ellipse">
+          <a:avLst/>
+        </a:prstGeom>
+        <a:solidFill>
+          <a:schemeClr val="accent2">
+            <a:hueOff val="0"/>
+            <a:satOff val="0"/>
+            <a:lumOff val="0"/>
+            <a:alphaOff val="0"/>
+          </a:schemeClr>
+        </a:solidFill>
+        <a:ln>
+          <a:noFill/>
+        </a:ln>
+        <a:effectLst/>
+        <a:scene3d>
+          <a:camera prst="orthographicFront"/>
+          <a:lightRig rig="threePt" dir="t">
+            <a:rot lat="0" lon="0" rev="7500000"/>
+          </a:lightRig>
+        </a:scene3d>
+        <a:sp3d prstMaterial="plastic">
+          <a:bevelT w="127000" h="25400" prst="relaxedInset"/>
+        </a:sp3d>
+      </dsp:spPr>
+      <dsp:style>
+        <a:lnRef idx="0">
+          <a:scrgbClr r="0" g="0" b="0"/>
+        </a:lnRef>
+        <a:fillRef idx="3">
+          <a:scrgbClr r="0" g="0" b="0"/>
+        </a:fillRef>
+        <a:effectRef idx="2">
+          <a:scrgbClr r="0" g="0" b="0"/>
+        </a:effectRef>
+        <a:fontRef idx="minor">
+          <a:schemeClr val="lt1"/>
+        </a:fontRef>
+      </dsp:style>
+    </dsp:sp>
+    <dsp:sp modelId="{C9BE3636-61F4-4C2F-9155-A2454FBE951D}">
+      <dsp:nvSpPr>
+        <dsp:cNvPr id="0" name=""/>
+        <dsp:cNvSpPr/>
+      </dsp:nvSpPr>
+      <dsp:spPr>
+        <a:xfrm>
+          <a:off x="2119458" y="1762220"/>
+          <a:ext cx="270282" cy="270282"/>
+        </a:xfrm>
+        <a:prstGeom prst="ellipse">
+          <a:avLst/>
+        </a:prstGeom>
+        <a:solidFill>
+          <a:schemeClr val="accent2">
+            <a:hueOff val="0"/>
+            <a:satOff val="0"/>
+            <a:lumOff val="0"/>
+            <a:alphaOff val="0"/>
+          </a:schemeClr>
+        </a:solidFill>
+        <a:ln>
+          <a:noFill/>
+        </a:ln>
+        <a:effectLst/>
+        <a:scene3d>
+          <a:camera prst="orthographicFront"/>
+          <a:lightRig rig="threePt" dir="t">
+            <a:rot lat="0" lon="0" rev="7500000"/>
+          </a:lightRig>
+        </a:scene3d>
+        <a:sp3d prstMaterial="plastic">
+          <a:bevelT w="127000" h="25400" prst="relaxedInset"/>
+        </a:sp3d>
+      </dsp:spPr>
+      <dsp:style>
+        <a:lnRef idx="0">
+          <a:scrgbClr r="0" g="0" b="0"/>
+        </a:lnRef>
+        <a:fillRef idx="3">
+          <a:scrgbClr r="0" g="0" b="0"/>
+        </a:fillRef>
+        <a:effectRef idx="2">
+          <a:scrgbClr r="0" g="0" b="0"/>
+        </a:effectRef>
+        <a:fontRef idx="minor">
+          <a:schemeClr val="lt1"/>
+        </a:fontRef>
+      </dsp:style>
+    </dsp:sp>
+    <dsp:sp modelId="{BC96A45A-3149-42EA-9422-AF4275D3277D}">
+      <dsp:nvSpPr>
+        <dsp:cNvPr id="0" name=""/>
+        <dsp:cNvSpPr/>
+      </dsp:nvSpPr>
+      <dsp:spPr>
+        <a:xfrm>
+          <a:off x="2389740" y="630074"/>
+          <a:ext cx="793780" cy="1515413"/>
+        </a:xfrm>
+        <a:prstGeom prst="chevron">
+          <a:avLst>
+            <a:gd name="adj" fmla="val 62310"/>
+          </a:avLst>
+        </a:prstGeom>
+        <a:solidFill>
+          <a:schemeClr val="accent3"/>
+        </a:solidFill>
+        <a:ln>
+          <a:noFill/>
+        </a:ln>
+        <a:effectLst/>
+        <a:scene3d>
+          <a:camera prst="orthographicFront"/>
+          <a:lightRig rig="threePt" dir="t">
+            <a:rot lat="0" lon="0" rev="7500000"/>
+          </a:lightRig>
+        </a:scene3d>
+        <a:sp3d z="-70000" extrusionH="63500" prstMaterial="matte">
+          <a:bevelT w="25400" h="6350" prst="relaxedInset"/>
+          <a:contourClr>
+            <a:schemeClr val="bg1"/>
+          </a:contourClr>
+        </a:sp3d>
+      </dsp:spPr>
+      <dsp:style>
+        <a:lnRef idx="0">
+          <a:scrgbClr r="0" g="0" b="0"/>
+        </a:lnRef>
+        <a:fillRef idx="1">
+          <a:scrgbClr r="0" g="0" b="0"/>
+        </a:fillRef>
+        <a:effectRef idx="2">
+          <a:scrgbClr r="0" g="0" b="0"/>
+        </a:effectRef>
+        <a:fontRef idx="minor">
+          <a:schemeClr val="lt1"/>
+        </a:fontRef>
+      </dsp:style>
+    </dsp:sp>
+    <dsp:sp modelId="{9D3A3B6C-6E2B-4CE4-AB26-5A5B3DBDF995}">
+      <dsp:nvSpPr>
+        <dsp:cNvPr id="0" name=""/>
+        <dsp:cNvSpPr/>
+      </dsp:nvSpPr>
+      <dsp:spPr>
+        <a:xfrm>
+          <a:off x="3183520" y="630810"/>
+          <a:ext cx="2164855" cy="1515398"/>
+        </a:xfrm>
+        <a:prstGeom prst="rect">
+          <a:avLst/>
+        </a:prstGeom>
+        <a:noFill/>
+        <a:ln>
+          <a:noFill/>
+        </a:ln>
+        <a:effectLst/>
+      </dsp:spPr>
+      <dsp:style>
+        <a:lnRef idx="0">
+          <a:scrgbClr r="0" g="0" b="0"/>
+        </a:lnRef>
+        <a:fillRef idx="0">
+          <a:scrgbClr r="0" g="0" b="0"/>
+        </a:fillRef>
+        <a:effectRef idx="0">
+          <a:scrgbClr r="0" g="0" b="0"/>
+        </a:effectRef>
+        <a:fontRef idx="minor"/>
+      </dsp:style>
+      <dsp:txBody>
+        <a:bodyPr spcFirstLastPara="0" vert="horz" wrap="square" lIns="45720" tIns="45720" rIns="45720" bIns="45720" numCol="1" spcCol="1270" anchor="ctr" anchorCtr="0">
+          <a:noAutofit/>
+        </a:bodyPr>
+        <a:lstStyle/>
+        <a:p>
+          <a:pPr lvl="0" algn="ctr" defTabSz="1600200">
+            <a:lnSpc>
+              <a:spcPct val="90000"/>
+            </a:lnSpc>
+            <a:spcBef>
+              <a:spcPct val="0"/>
+            </a:spcBef>
+            <a:spcAft>
+              <a:spcPct val="35000"/>
+            </a:spcAft>
+          </a:pPr>
+          <a:r>
+            <a:rPr lang="en-US" sz="3600" kern="1200" dirty="0" smtClean="0">
+              <a:solidFill>
+                <a:schemeClr val="tx2"/>
+              </a:solidFill>
+            </a:rPr>
+            <a:t>is an</a:t>
+          </a:r>
+          <a:endParaRPr lang="en-US" sz="3600" kern="1200" dirty="0">
+            <a:solidFill>
+              <a:schemeClr val="tx2"/>
+            </a:solidFill>
+          </a:endParaRPr>
+        </a:p>
+      </dsp:txBody>
+      <dsp:txXfrm>
+        <a:off x="3183520" y="630810"/>
+        <a:ext cx="2164855" cy="1515398"/>
+      </dsp:txXfrm>
+    </dsp:sp>
+    <dsp:sp modelId="{88944793-F90B-4500-8128-B6D26CB5FEAF}">
+      <dsp:nvSpPr>
+        <dsp:cNvPr id="0" name=""/>
+        <dsp:cNvSpPr/>
+      </dsp:nvSpPr>
+      <dsp:spPr>
+        <a:xfrm>
+          <a:off x="5348376" y="630074"/>
+          <a:ext cx="793780" cy="1515413"/>
+        </a:xfrm>
+        <a:prstGeom prst="chevron">
+          <a:avLst>
+            <a:gd name="adj" fmla="val 62310"/>
+          </a:avLst>
+        </a:prstGeom>
+        <a:solidFill>
+          <a:schemeClr val="accent3"/>
+        </a:solidFill>
+        <a:ln>
+          <a:noFill/>
+        </a:ln>
+        <a:effectLst/>
+        <a:scene3d>
+          <a:camera prst="orthographicFront"/>
+          <a:lightRig rig="threePt" dir="t">
+            <a:rot lat="0" lon="0" rev="7500000"/>
+          </a:lightRig>
+        </a:scene3d>
+        <a:sp3d z="-70000" extrusionH="63500" prstMaterial="matte">
+          <a:bevelT w="25400" h="6350" prst="relaxedInset"/>
+          <a:contourClr>
+            <a:schemeClr val="bg1"/>
+          </a:contourClr>
+        </a:sp3d>
+      </dsp:spPr>
+      <dsp:style>
+        <a:lnRef idx="0">
+          <a:scrgbClr r="0" g="0" b="0"/>
+        </a:lnRef>
+        <a:fillRef idx="1">
+          <a:scrgbClr r="0" g="0" b="0"/>
+        </a:fillRef>
+        <a:effectRef idx="2">
+          <a:scrgbClr r="0" g="0" b="0"/>
+        </a:effectRef>
+        <a:fontRef idx="minor">
+          <a:schemeClr val="lt1"/>
+        </a:fontRef>
+      </dsp:style>
+    </dsp:sp>
+    <dsp:sp modelId="{226B20CA-2DC3-4A39-8225-FD351D637B04}">
+      <dsp:nvSpPr>
+        <dsp:cNvPr id="0" name=""/>
+        <dsp:cNvSpPr/>
+      </dsp:nvSpPr>
+      <dsp:spPr>
+        <a:xfrm>
+          <a:off x="6228750" y="504837"/>
+          <a:ext cx="1840127" cy="1840127"/>
+        </a:xfrm>
+        <a:prstGeom prst="ellipse">
+          <a:avLst/>
+        </a:prstGeom>
+        <a:solidFill>
+          <a:schemeClr val="accent2">
+            <a:hueOff val="0"/>
+            <a:satOff val="0"/>
+            <a:lumOff val="0"/>
+            <a:alphaOff val="0"/>
+          </a:schemeClr>
+        </a:solidFill>
+        <a:ln>
+          <a:noFill/>
+        </a:ln>
+        <a:effectLst/>
+        <a:scene3d>
+          <a:camera prst="orthographicFront"/>
+          <a:lightRig rig="threePt" dir="t">
+            <a:rot lat="0" lon="0" rev="7500000"/>
+          </a:lightRig>
+        </a:scene3d>
+        <a:sp3d prstMaterial="plastic">
+          <a:bevelT w="127000" h="25400" prst="relaxedInset"/>
+        </a:sp3d>
+      </dsp:spPr>
+      <dsp:style>
+        <a:lnRef idx="0">
+          <a:scrgbClr r="0" g="0" b="0"/>
+        </a:lnRef>
+        <a:fillRef idx="3">
+          <a:scrgbClr r="0" g="0" b="0"/>
+        </a:fillRef>
+        <a:effectRef idx="2">
+          <a:scrgbClr r="0" g="0" b="0"/>
+        </a:effectRef>
+        <a:fontRef idx="minor">
+          <a:schemeClr val="lt1"/>
+        </a:fontRef>
+      </dsp:style>
+      <dsp:txBody>
+        <a:bodyPr spcFirstLastPara="0" vert="horz" wrap="square" lIns="0" tIns="0" rIns="0" bIns="0" numCol="1" spcCol="1270" anchor="ctr" anchorCtr="0">
+          <a:noAutofit/>
+        </a:bodyPr>
+        <a:lstStyle/>
+        <a:p>
+          <a:pPr lvl="0" algn="ctr" defTabSz="1600200">
+            <a:lnSpc>
+              <a:spcPct val="90000"/>
+            </a:lnSpc>
+            <a:spcBef>
+              <a:spcPct val="0"/>
+            </a:spcBef>
+            <a:spcAft>
+              <a:spcPct val="35000"/>
+            </a:spcAft>
+          </a:pPr>
+          <a:r>
+            <a:rPr lang="en-US" sz="3600" kern="1200" dirty="0" smtClean="0">
+              <a:solidFill>
+                <a:schemeClr val="tx2"/>
+              </a:solidFill>
+            </a:rPr>
+            <a:t>Actor</a:t>
+          </a:r>
+          <a:endParaRPr lang="en-US" sz="3600" kern="1200" dirty="0">
+            <a:solidFill>
+              <a:schemeClr val="tx2"/>
+            </a:solidFill>
+          </a:endParaRPr>
+        </a:p>
+      </dsp:txBody>
+      <dsp:txXfrm>
+        <a:off x="6498230" y="774317"/>
+        <a:ext cx="1301167" cy="1301167"/>
+      </dsp:txXfrm>
+    </dsp:sp>
   </dsp:spTree>
 </dsp:drawing>
 </file>
@@ -6137,6 +9115,423 @@
       <dsp:cNvGrpSpPr/>
     </dsp:nvGrpSpPr>
     <dsp:grpSpPr/>
+    <dsp:sp modelId="{2E37B686-9C7B-4080-8C57-285D0941DC9D}">
+      <dsp:nvSpPr>
+        <dsp:cNvPr id="0" name=""/>
+        <dsp:cNvSpPr/>
+      </dsp:nvSpPr>
+      <dsp:spPr>
+        <a:xfrm>
+          <a:off x="-5789305" y="-886259"/>
+          <a:ext cx="6893793" cy="6893793"/>
+        </a:xfrm>
+        <a:prstGeom prst="blockArc">
+          <a:avLst>
+            <a:gd name="adj1" fmla="val 18900000"/>
+            <a:gd name="adj2" fmla="val 2700000"/>
+            <a:gd name="adj3" fmla="val 313"/>
+          </a:avLst>
+        </a:prstGeom>
+        <a:noFill/>
+        <a:ln w="28575" cap="flat" cmpd="sng" algn="ctr">
+          <a:solidFill>
+            <a:schemeClr val="accent2"/>
+          </a:solidFill>
+          <a:prstDash val="solid"/>
+        </a:ln>
+        <a:effectLst/>
+      </dsp:spPr>
+      <dsp:style>
+        <a:lnRef idx="2">
+          <a:scrgbClr r="0" g="0" b="0"/>
+        </a:lnRef>
+        <a:fillRef idx="0">
+          <a:scrgbClr r="0" g="0" b="0"/>
+        </a:fillRef>
+        <a:effectRef idx="0">
+          <a:scrgbClr r="0" g="0" b="0"/>
+        </a:effectRef>
+        <a:fontRef idx="minor"/>
+      </dsp:style>
+    </dsp:sp>
+    <dsp:sp modelId="{BB589093-F445-431E-8BFE-89A2D03A438F}">
+      <dsp:nvSpPr>
+        <dsp:cNvPr id="0" name=""/>
+        <dsp:cNvSpPr/>
+      </dsp:nvSpPr>
+      <dsp:spPr>
+        <a:xfrm>
+          <a:off x="710832" y="512127"/>
+          <a:ext cx="6533693" cy="1024255"/>
+        </a:xfrm>
+        <a:prstGeom prst="rect">
+          <a:avLst/>
+        </a:prstGeom>
+        <a:noFill/>
+        <a:ln w="28575" cap="flat" cmpd="sng" algn="ctr">
+          <a:solidFill>
+            <a:schemeClr val="accent2"/>
+          </a:solidFill>
+          <a:prstDash val="solid"/>
+        </a:ln>
+        <a:effectLst/>
+      </dsp:spPr>
+      <dsp:style>
+        <a:lnRef idx="2">
+          <a:scrgbClr r="0" g="0" b="0"/>
+        </a:lnRef>
+        <a:fillRef idx="1">
+          <a:scrgbClr r="0" g="0" b="0"/>
+        </a:fillRef>
+        <a:effectRef idx="0">
+          <a:scrgbClr r="0" g="0" b="0"/>
+        </a:effectRef>
+        <a:fontRef idx="minor">
+          <a:schemeClr val="lt1"/>
+        </a:fontRef>
+      </dsp:style>
+      <dsp:txBody>
+        <a:bodyPr spcFirstLastPara="0" vert="horz" wrap="square" lIns="813002" tIns="78740" rIns="78740" bIns="78740" numCol="1" spcCol="1270" anchor="ctr" anchorCtr="0">
+          <a:noAutofit/>
+        </a:bodyPr>
+        <a:lstStyle/>
+        <a:p>
+          <a:pPr lvl="0" algn="l" defTabSz="1377950">
+            <a:lnSpc>
+              <a:spcPct val="90000"/>
+            </a:lnSpc>
+            <a:spcBef>
+              <a:spcPct val="0"/>
+            </a:spcBef>
+            <a:spcAft>
+              <a:spcPct val="35000"/>
+            </a:spcAft>
+          </a:pPr>
+          <a:r>
+            <a:rPr lang="en-US" sz="3100" b="1" kern="1200" dirty="0" smtClean="0">
+              <a:solidFill>
+                <a:schemeClr val="accent3"/>
+              </a:solidFill>
+            </a:rPr>
+            <a:t>Determine</a:t>
+          </a:r>
+          <a:r>
+            <a:rPr lang="en-US" sz="3100" kern="1200" dirty="0" smtClean="0">
+              <a:solidFill>
+                <a:schemeClr val="accent3"/>
+              </a:solidFill>
+            </a:rPr>
+            <a:t> </a:t>
+          </a:r>
+          <a:r>
+            <a:rPr lang="en-US" sz="3100" kern="1200" dirty="0" smtClean="0">
+              <a:solidFill>
+                <a:schemeClr val="tx2"/>
+              </a:solidFill>
+            </a:rPr>
+            <a:t>what to do with the next incoming message</a:t>
+          </a:r>
+          <a:endParaRPr lang="en-US" sz="3100" kern="1200" dirty="0">
+            <a:solidFill>
+              <a:schemeClr val="tx2"/>
+            </a:solidFill>
+          </a:endParaRPr>
+        </a:p>
+      </dsp:txBody>
+      <dsp:txXfrm>
+        <a:off x="710832" y="512127"/>
+        <a:ext cx="6533693" cy="1024255"/>
+      </dsp:txXfrm>
+    </dsp:sp>
+    <dsp:sp modelId="{99623AEA-F7B7-424D-8899-FCDF05F89745}">
+      <dsp:nvSpPr>
+        <dsp:cNvPr id="0" name=""/>
+        <dsp:cNvSpPr/>
+      </dsp:nvSpPr>
+      <dsp:spPr>
+        <a:xfrm>
+          <a:off x="70673" y="384095"/>
+          <a:ext cx="1280318" cy="1280318"/>
+        </a:xfrm>
+        <a:prstGeom prst="ellipse">
+          <a:avLst/>
+        </a:prstGeom>
+        <a:solidFill>
+          <a:schemeClr val="tx2"/>
+        </a:solidFill>
+        <a:ln w="57150" cap="flat" cmpd="sng" algn="ctr">
+          <a:solidFill>
+            <a:schemeClr val="accent2"/>
+          </a:solidFill>
+          <a:prstDash val="solid"/>
+        </a:ln>
+        <a:effectLst/>
+      </dsp:spPr>
+      <dsp:style>
+        <a:lnRef idx="2">
+          <a:scrgbClr r="0" g="0" b="0"/>
+        </a:lnRef>
+        <a:fillRef idx="1">
+          <a:scrgbClr r="0" g="0" b="0"/>
+        </a:fillRef>
+        <a:effectRef idx="0">
+          <a:scrgbClr r="0" g="0" b="0"/>
+        </a:effectRef>
+        <a:fontRef idx="minor"/>
+      </dsp:style>
+    </dsp:sp>
+    <dsp:sp modelId="{D221716B-6F75-4B94-AC5A-5DF502B9BCFC}">
+      <dsp:nvSpPr>
+        <dsp:cNvPr id="0" name=""/>
+        <dsp:cNvSpPr/>
+      </dsp:nvSpPr>
+      <dsp:spPr>
+        <a:xfrm>
+          <a:off x="1083149" y="2048510"/>
+          <a:ext cx="6161376" cy="1024255"/>
+        </a:xfrm>
+        <a:prstGeom prst="rect">
+          <a:avLst/>
+        </a:prstGeom>
+        <a:noFill/>
+        <a:ln w="28575" cap="flat" cmpd="sng" algn="ctr">
+          <a:solidFill>
+            <a:schemeClr val="accent2"/>
+          </a:solidFill>
+          <a:prstDash val="solid"/>
+        </a:ln>
+        <a:effectLst/>
+      </dsp:spPr>
+      <dsp:style>
+        <a:lnRef idx="2">
+          <a:scrgbClr r="0" g="0" b="0"/>
+        </a:lnRef>
+        <a:fillRef idx="1">
+          <a:scrgbClr r="0" g="0" b="0"/>
+        </a:fillRef>
+        <a:effectRef idx="0">
+          <a:scrgbClr r="0" g="0" b="0"/>
+        </a:effectRef>
+        <a:fontRef idx="minor">
+          <a:schemeClr val="lt1"/>
+        </a:fontRef>
+      </dsp:style>
+      <dsp:txBody>
+        <a:bodyPr spcFirstLastPara="0" vert="horz" wrap="square" lIns="813002" tIns="78740" rIns="78740" bIns="78740" numCol="1" spcCol="1270" anchor="ctr" anchorCtr="0">
+          <a:noAutofit/>
+        </a:bodyPr>
+        <a:lstStyle/>
+        <a:p>
+          <a:pPr lvl="0" algn="l" defTabSz="1377950">
+            <a:lnSpc>
+              <a:spcPct val="90000"/>
+            </a:lnSpc>
+            <a:spcBef>
+              <a:spcPct val="0"/>
+            </a:spcBef>
+            <a:spcAft>
+              <a:spcPct val="35000"/>
+            </a:spcAft>
+          </a:pPr>
+          <a:r>
+            <a:rPr lang="en-US" sz="3100" b="1" kern="1200" dirty="0" smtClean="0">
+              <a:solidFill>
+                <a:schemeClr val="accent3"/>
+              </a:solidFill>
+            </a:rPr>
+            <a:t>Create</a:t>
+          </a:r>
+          <a:r>
+            <a:rPr lang="en-US" sz="3100" kern="1200" dirty="0" smtClean="0">
+              <a:solidFill>
+                <a:schemeClr val="accent3"/>
+              </a:solidFill>
+            </a:rPr>
+            <a:t> </a:t>
+          </a:r>
+          <a:r>
+            <a:rPr lang="en-US" sz="3100" kern="1200" dirty="0" smtClean="0">
+              <a:solidFill>
+                <a:schemeClr val="tx2"/>
+              </a:solidFill>
+            </a:rPr>
+            <a:t>more actors</a:t>
+          </a:r>
+          <a:endParaRPr lang="en-US" sz="3100" kern="1200" dirty="0">
+            <a:solidFill>
+              <a:schemeClr val="tx2"/>
+            </a:solidFill>
+          </a:endParaRPr>
+        </a:p>
+      </dsp:txBody>
+      <dsp:txXfrm>
+        <a:off x="1083149" y="2048510"/>
+        <a:ext cx="6161376" cy="1024255"/>
+      </dsp:txXfrm>
+    </dsp:sp>
+    <dsp:sp modelId="{9EDB11B3-6703-4A77-AE8C-106FD6DC8848}">
+      <dsp:nvSpPr>
+        <dsp:cNvPr id="0" name=""/>
+        <dsp:cNvSpPr/>
+      </dsp:nvSpPr>
+      <dsp:spPr>
+        <a:xfrm>
+          <a:off x="442990" y="1920478"/>
+          <a:ext cx="1280318" cy="1280318"/>
+        </a:xfrm>
+        <a:prstGeom prst="ellipse">
+          <a:avLst/>
+        </a:prstGeom>
+        <a:solidFill>
+          <a:schemeClr val="tx2"/>
+        </a:solidFill>
+        <a:ln w="57150" cap="flat" cmpd="sng" algn="ctr">
+          <a:solidFill>
+            <a:schemeClr val="accent2"/>
+          </a:solidFill>
+          <a:prstDash val="solid"/>
+        </a:ln>
+        <a:effectLst/>
+      </dsp:spPr>
+      <dsp:style>
+        <a:lnRef idx="2">
+          <a:scrgbClr r="0" g="0" b="0"/>
+        </a:lnRef>
+        <a:fillRef idx="1">
+          <a:scrgbClr r="0" g="0" b="0"/>
+        </a:fillRef>
+        <a:effectRef idx="0">
+          <a:scrgbClr r="0" g="0" b="0"/>
+        </a:effectRef>
+        <a:fontRef idx="minor"/>
+      </dsp:style>
+    </dsp:sp>
+    <dsp:sp modelId="{902D4B7F-8AF1-4461-BD5B-E51A2EF80DB7}">
+      <dsp:nvSpPr>
+        <dsp:cNvPr id="0" name=""/>
+        <dsp:cNvSpPr/>
+      </dsp:nvSpPr>
+      <dsp:spPr>
+        <a:xfrm>
+          <a:off x="710832" y="3584892"/>
+          <a:ext cx="6533693" cy="1024255"/>
+        </a:xfrm>
+        <a:prstGeom prst="rect">
+          <a:avLst/>
+        </a:prstGeom>
+        <a:noFill/>
+        <a:ln w="28575" cap="flat" cmpd="sng" algn="ctr">
+          <a:solidFill>
+            <a:schemeClr val="accent2"/>
+          </a:solidFill>
+          <a:prstDash val="solid"/>
+        </a:ln>
+        <a:effectLst/>
+      </dsp:spPr>
+      <dsp:style>
+        <a:lnRef idx="2">
+          <a:scrgbClr r="0" g="0" b="0"/>
+        </a:lnRef>
+        <a:fillRef idx="1">
+          <a:scrgbClr r="0" g="0" b="0"/>
+        </a:fillRef>
+        <a:effectRef idx="0">
+          <a:scrgbClr r="0" g="0" b="0"/>
+        </a:effectRef>
+        <a:fontRef idx="minor">
+          <a:schemeClr val="lt1"/>
+        </a:fontRef>
+      </dsp:style>
+      <dsp:txBody>
+        <a:bodyPr spcFirstLastPara="0" vert="horz" wrap="square" lIns="813002" tIns="78740" rIns="78740" bIns="78740" numCol="1" spcCol="1270" anchor="ctr" anchorCtr="0">
+          <a:noAutofit/>
+        </a:bodyPr>
+        <a:lstStyle/>
+        <a:p>
+          <a:pPr lvl="0" algn="l" defTabSz="1377950">
+            <a:lnSpc>
+              <a:spcPct val="90000"/>
+            </a:lnSpc>
+            <a:spcBef>
+              <a:spcPct val="0"/>
+            </a:spcBef>
+            <a:spcAft>
+              <a:spcPct val="35000"/>
+            </a:spcAft>
+          </a:pPr>
+          <a:r>
+            <a:rPr lang="en-US" sz="3100" b="1" kern="1200" dirty="0" smtClean="0">
+              <a:solidFill>
+                <a:schemeClr val="accent3"/>
+              </a:solidFill>
+            </a:rPr>
+            <a:t>Send</a:t>
+          </a:r>
+          <a:r>
+            <a:rPr lang="en-US" sz="3100" kern="1200" dirty="0" smtClean="0">
+              <a:solidFill>
+                <a:schemeClr val="accent3"/>
+              </a:solidFill>
+            </a:rPr>
+            <a:t> </a:t>
+          </a:r>
+          <a:r>
+            <a:rPr lang="en-US" sz="3100" kern="1200" dirty="0" smtClean="0">
+              <a:solidFill>
+                <a:schemeClr val="tx2"/>
+              </a:solidFill>
+            </a:rPr>
+            <a:t>messages to another actor</a:t>
+          </a:r>
+          <a:endParaRPr lang="en-US" sz="3100" kern="1200" dirty="0">
+            <a:solidFill>
+              <a:schemeClr val="tx2"/>
+            </a:solidFill>
+          </a:endParaRPr>
+        </a:p>
+      </dsp:txBody>
+      <dsp:txXfrm>
+        <a:off x="710832" y="3584892"/>
+        <a:ext cx="6533693" cy="1024255"/>
+      </dsp:txXfrm>
+    </dsp:sp>
+    <dsp:sp modelId="{82F4B5B5-A5E2-4FE3-A092-6FC5A51A450A}">
+      <dsp:nvSpPr>
+        <dsp:cNvPr id="0" name=""/>
+        <dsp:cNvSpPr/>
+      </dsp:nvSpPr>
+      <dsp:spPr>
+        <a:xfrm>
+          <a:off x="70673" y="3456860"/>
+          <a:ext cx="1280318" cy="1280318"/>
+        </a:xfrm>
+        <a:prstGeom prst="ellipse">
+          <a:avLst/>
+        </a:prstGeom>
+        <a:solidFill>
+          <a:schemeClr val="tx2"/>
+        </a:solidFill>
+        <a:ln w="57150" cap="flat" cmpd="sng" algn="ctr">
+          <a:solidFill>
+            <a:schemeClr val="accent2"/>
+          </a:solidFill>
+          <a:prstDash val="solid"/>
+        </a:ln>
+        <a:effectLst/>
+      </dsp:spPr>
+      <dsp:style>
+        <a:lnRef idx="2">
+          <a:scrgbClr r="0" g="0" b="0"/>
+        </a:lnRef>
+        <a:fillRef idx="1">
+          <a:scrgbClr r="0" g="0" b="0"/>
+        </a:fillRef>
+        <a:effectRef idx="0">
+          <a:scrgbClr r="0" g="0" b="0"/>
+        </a:effectRef>
+        <a:fontRef idx="minor"/>
+      </dsp:style>
+    </dsp:sp>
   </dsp:spTree>
 </dsp:drawing>
 </file>
@@ -6149,6 +9544,588 @@
       <dsp:cNvGrpSpPr/>
     </dsp:nvGrpSpPr>
     <dsp:grpSpPr/>
+    <dsp:sp modelId="{B56380F7-843D-48FD-AC1A-D1DBEDCF1B07}">
+      <dsp:nvSpPr>
+        <dsp:cNvPr id="0" name=""/>
+        <dsp:cNvSpPr/>
+      </dsp:nvSpPr>
+      <dsp:spPr>
+        <a:xfrm>
+          <a:off x="0" y="0"/>
+          <a:ext cx="5852160" cy="1126680"/>
+        </a:xfrm>
+        <a:prstGeom prst="roundRect">
+          <a:avLst>
+            <a:gd name="adj" fmla="val 10000"/>
+          </a:avLst>
+        </a:prstGeom>
+        <a:solidFill>
+          <a:schemeClr val="accent2">
+            <a:hueOff val="0"/>
+            <a:satOff val="0"/>
+            <a:lumOff val="0"/>
+            <a:alphaOff val="0"/>
+          </a:schemeClr>
+        </a:solidFill>
+        <a:ln w="10795" cap="flat" cmpd="sng" algn="ctr">
+          <a:solidFill>
+            <a:schemeClr val="lt1">
+              <a:hueOff val="0"/>
+              <a:satOff val="0"/>
+              <a:lumOff val="0"/>
+              <a:alphaOff val="0"/>
+            </a:schemeClr>
+          </a:solidFill>
+          <a:prstDash val="solid"/>
+        </a:ln>
+        <a:effectLst/>
+      </dsp:spPr>
+      <dsp:style>
+        <a:lnRef idx="2">
+          <a:scrgbClr r="0" g="0" b="0"/>
+        </a:lnRef>
+        <a:fillRef idx="1">
+          <a:scrgbClr r="0" g="0" b="0"/>
+        </a:fillRef>
+        <a:effectRef idx="0">
+          <a:scrgbClr r="0" g="0" b="0"/>
+        </a:effectRef>
+        <a:fontRef idx="minor">
+          <a:schemeClr val="lt1"/>
+        </a:fontRef>
+      </dsp:style>
+      <dsp:txBody>
+        <a:bodyPr spcFirstLastPara="0" vert="horz" wrap="square" lIns="99060" tIns="99060" rIns="99060" bIns="99060" numCol="1" spcCol="1270" anchor="ctr" anchorCtr="0">
+          <a:noAutofit/>
+        </a:bodyPr>
+        <a:lstStyle/>
+        <a:p>
+          <a:pPr lvl="0" algn="l" defTabSz="1155700" rtl="0">
+            <a:lnSpc>
+              <a:spcPct val="90000"/>
+            </a:lnSpc>
+            <a:spcBef>
+              <a:spcPct val="0"/>
+            </a:spcBef>
+            <a:spcAft>
+              <a:spcPct val="35000"/>
+            </a:spcAft>
+          </a:pPr>
+          <a:r>
+            <a:rPr lang="en-US" sz="2600" kern="1200" dirty="0" smtClean="0">
+              <a:solidFill>
+                <a:schemeClr val="tx2"/>
+              </a:solidFill>
+            </a:rPr>
+            <a:t>dynamic creation of actors</a:t>
+          </a:r>
+          <a:endParaRPr lang="en-US" sz="2600" kern="1200" dirty="0">
+            <a:solidFill>
+              <a:schemeClr val="tx2"/>
+            </a:solidFill>
+          </a:endParaRPr>
+        </a:p>
+      </dsp:txBody>
+      <dsp:txXfrm>
+        <a:off x="32999" y="32999"/>
+        <a:ext cx="4541180" cy="1060682"/>
+      </dsp:txXfrm>
+    </dsp:sp>
+    <dsp:sp modelId="{FE590F36-70C5-4FE2-B49A-24F07CF41702}">
+      <dsp:nvSpPr>
+        <dsp:cNvPr id="0" name=""/>
+        <dsp:cNvSpPr/>
+      </dsp:nvSpPr>
+      <dsp:spPr>
+        <a:xfrm>
+          <a:off x="490118" y="1331531"/>
+          <a:ext cx="5852160" cy="1126680"/>
+        </a:xfrm>
+        <a:prstGeom prst="roundRect">
+          <a:avLst>
+            <a:gd name="adj" fmla="val 10000"/>
+          </a:avLst>
+        </a:prstGeom>
+        <a:solidFill>
+          <a:schemeClr val="accent2">
+            <a:hueOff val="0"/>
+            <a:satOff val="0"/>
+            <a:lumOff val="0"/>
+            <a:alphaOff val="0"/>
+          </a:schemeClr>
+        </a:solidFill>
+        <a:ln w="10795" cap="flat" cmpd="sng" algn="ctr">
+          <a:solidFill>
+            <a:schemeClr val="lt1">
+              <a:hueOff val="0"/>
+              <a:satOff val="0"/>
+              <a:lumOff val="0"/>
+              <a:alphaOff val="0"/>
+            </a:schemeClr>
+          </a:solidFill>
+          <a:prstDash val="solid"/>
+        </a:ln>
+        <a:effectLst/>
+      </dsp:spPr>
+      <dsp:style>
+        <a:lnRef idx="2">
+          <a:scrgbClr r="0" g="0" b="0"/>
+        </a:lnRef>
+        <a:fillRef idx="1">
+          <a:scrgbClr r="0" g="0" b="0"/>
+        </a:fillRef>
+        <a:effectRef idx="0">
+          <a:scrgbClr r="0" g="0" b="0"/>
+        </a:effectRef>
+        <a:fontRef idx="minor">
+          <a:schemeClr val="lt1"/>
+        </a:fontRef>
+      </dsp:style>
+      <dsp:txBody>
+        <a:bodyPr spcFirstLastPara="0" vert="horz" wrap="square" lIns="99060" tIns="99060" rIns="99060" bIns="99060" numCol="1" spcCol="1270" anchor="ctr" anchorCtr="0">
+          <a:noAutofit/>
+        </a:bodyPr>
+        <a:lstStyle/>
+        <a:p>
+          <a:pPr lvl="0" algn="l" defTabSz="1155700" rtl="0">
+            <a:lnSpc>
+              <a:spcPct val="90000"/>
+            </a:lnSpc>
+            <a:spcBef>
+              <a:spcPct val="0"/>
+            </a:spcBef>
+            <a:spcAft>
+              <a:spcPct val="35000"/>
+            </a:spcAft>
+          </a:pPr>
+          <a:r>
+            <a:rPr lang="en-US" sz="2600" kern="1200" dirty="0" smtClean="0">
+              <a:solidFill>
+                <a:schemeClr val="tx2"/>
+              </a:solidFill>
+            </a:rPr>
+            <a:t>inclusion of actor addresses in messages</a:t>
+          </a:r>
+          <a:endParaRPr lang="en-US" sz="2600" kern="1200" dirty="0">
+            <a:solidFill>
+              <a:schemeClr val="tx2"/>
+            </a:solidFill>
+          </a:endParaRPr>
+        </a:p>
+      </dsp:txBody>
+      <dsp:txXfrm>
+        <a:off x="523117" y="1364530"/>
+        <a:ext cx="4563701" cy="1060682"/>
+      </dsp:txXfrm>
+    </dsp:sp>
+    <dsp:sp modelId="{226C28B7-1C0F-49EC-B073-1B4B6DC5D86B}">
+      <dsp:nvSpPr>
+        <dsp:cNvPr id="0" name=""/>
+        <dsp:cNvSpPr/>
+      </dsp:nvSpPr>
+      <dsp:spPr>
+        <a:xfrm>
+          <a:off x="972921" y="2663063"/>
+          <a:ext cx="5852160" cy="1126680"/>
+        </a:xfrm>
+        <a:prstGeom prst="roundRect">
+          <a:avLst>
+            <a:gd name="adj" fmla="val 10000"/>
+          </a:avLst>
+        </a:prstGeom>
+        <a:solidFill>
+          <a:schemeClr val="accent2">
+            <a:hueOff val="0"/>
+            <a:satOff val="0"/>
+            <a:lumOff val="0"/>
+            <a:alphaOff val="0"/>
+          </a:schemeClr>
+        </a:solidFill>
+        <a:ln w="10795" cap="flat" cmpd="sng" algn="ctr">
+          <a:solidFill>
+            <a:schemeClr val="lt1">
+              <a:hueOff val="0"/>
+              <a:satOff val="0"/>
+              <a:lumOff val="0"/>
+              <a:alphaOff val="0"/>
+            </a:schemeClr>
+          </a:solidFill>
+          <a:prstDash val="solid"/>
+        </a:ln>
+        <a:effectLst/>
+      </dsp:spPr>
+      <dsp:style>
+        <a:lnRef idx="2">
+          <a:scrgbClr r="0" g="0" b="0"/>
+        </a:lnRef>
+        <a:fillRef idx="1">
+          <a:scrgbClr r="0" g="0" b="0"/>
+        </a:fillRef>
+        <a:effectRef idx="0">
+          <a:scrgbClr r="0" g="0" b="0"/>
+        </a:effectRef>
+        <a:fontRef idx="minor">
+          <a:schemeClr val="lt1"/>
+        </a:fontRef>
+      </dsp:style>
+      <dsp:txBody>
+        <a:bodyPr spcFirstLastPara="0" vert="horz" wrap="square" lIns="99060" tIns="99060" rIns="99060" bIns="99060" numCol="1" spcCol="1270" anchor="ctr" anchorCtr="0">
+          <a:noAutofit/>
+        </a:bodyPr>
+        <a:lstStyle/>
+        <a:p>
+          <a:pPr lvl="0" algn="l" defTabSz="1155700" rtl="0">
+            <a:lnSpc>
+              <a:spcPct val="90000"/>
+            </a:lnSpc>
+            <a:spcBef>
+              <a:spcPct val="0"/>
+            </a:spcBef>
+            <a:spcAft>
+              <a:spcPct val="35000"/>
+            </a:spcAft>
+          </a:pPr>
+          <a:r>
+            <a:rPr lang="en-US" sz="2600" kern="1200" dirty="0" smtClean="0">
+              <a:solidFill>
+                <a:schemeClr val="tx2"/>
+              </a:solidFill>
+            </a:rPr>
+            <a:t>interaction only through direct asynchronous message passing </a:t>
+          </a:r>
+          <a:endParaRPr lang="en-US" sz="2600" kern="1200" dirty="0">
+            <a:solidFill>
+              <a:schemeClr val="tx2"/>
+            </a:solidFill>
+          </a:endParaRPr>
+        </a:p>
+      </dsp:txBody>
+      <dsp:txXfrm>
+        <a:off x="1005920" y="2696062"/>
+        <a:ext cx="4571016" cy="1060682"/>
+      </dsp:txXfrm>
+    </dsp:sp>
+    <dsp:sp modelId="{A6C7CB61-6D7A-46EB-8DF6-8347375DF2F5}">
+      <dsp:nvSpPr>
+        <dsp:cNvPr id="0" name=""/>
+        <dsp:cNvSpPr/>
+      </dsp:nvSpPr>
+      <dsp:spPr>
+        <a:xfrm>
+          <a:off x="1463039" y="3994594"/>
+          <a:ext cx="5852160" cy="1126680"/>
+        </a:xfrm>
+        <a:prstGeom prst="roundRect">
+          <a:avLst>
+            <a:gd name="adj" fmla="val 10000"/>
+          </a:avLst>
+        </a:prstGeom>
+        <a:solidFill>
+          <a:schemeClr val="accent2">
+            <a:hueOff val="0"/>
+            <a:satOff val="0"/>
+            <a:lumOff val="0"/>
+            <a:alphaOff val="0"/>
+          </a:schemeClr>
+        </a:solidFill>
+        <a:ln w="10795" cap="flat" cmpd="sng" algn="ctr">
+          <a:solidFill>
+            <a:schemeClr val="lt1">
+              <a:hueOff val="0"/>
+              <a:satOff val="0"/>
+              <a:lumOff val="0"/>
+              <a:alphaOff val="0"/>
+            </a:schemeClr>
+          </a:solidFill>
+          <a:prstDash val="solid"/>
+        </a:ln>
+        <a:effectLst/>
+      </dsp:spPr>
+      <dsp:style>
+        <a:lnRef idx="2">
+          <a:scrgbClr r="0" g="0" b="0"/>
+        </a:lnRef>
+        <a:fillRef idx="1">
+          <a:scrgbClr r="0" g="0" b="0"/>
+        </a:fillRef>
+        <a:effectRef idx="0">
+          <a:scrgbClr r="0" g="0" b="0"/>
+        </a:effectRef>
+        <a:fontRef idx="minor">
+          <a:schemeClr val="lt1"/>
+        </a:fontRef>
+      </dsp:style>
+      <dsp:txBody>
+        <a:bodyPr spcFirstLastPara="0" vert="horz" wrap="square" lIns="99060" tIns="99060" rIns="99060" bIns="99060" numCol="1" spcCol="1270" anchor="ctr" anchorCtr="0">
+          <a:noAutofit/>
+        </a:bodyPr>
+        <a:lstStyle/>
+        <a:p>
+          <a:pPr lvl="0" algn="l" defTabSz="1155700" rtl="0">
+            <a:lnSpc>
+              <a:spcPct val="90000"/>
+            </a:lnSpc>
+            <a:spcBef>
+              <a:spcPct val="0"/>
+            </a:spcBef>
+            <a:spcAft>
+              <a:spcPct val="35000"/>
+            </a:spcAft>
+          </a:pPr>
+          <a:r>
+            <a:rPr lang="en-US" sz="2600" kern="1200" dirty="0" smtClean="0">
+              <a:solidFill>
+                <a:schemeClr val="tx2"/>
+              </a:solidFill>
+            </a:rPr>
+            <a:t>no restriction on message arrival order</a:t>
+          </a:r>
+          <a:endParaRPr lang="en-US" sz="2600" kern="1200" dirty="0">
+            <a:solidFill>
+              <a:schemeClr val="tx2"/>
+            </a:solidFill>
+          </a:endParaRPr>
+        </a:p>
+      </dsp:txBody>
+      <dsp:txXfrm>
+        <a:off x="1496038" y="4027593"/>
+        <a:ext cx="4563701" cy="1060682"/>
+      </dsp:txXfrm>
+    </dsp:sp>
+    <dsp:sp modelId="{4C6629DC-ED83-4C24-918E-02A809AE514C}">
+      <dsp:nvSpPr>
+        <dsp:cNvPr id="0" name=""/>
+        <dsp:cNvSpPr/>
+      </dsp:nvSpPr>
+      <dsp:spPr>
+        <a:xfrm>
+          <a:off x="5119817" y="862934"/>
+          <a:ext cx="732342" cy="732342"/>
+        </a:xfrm>
+        <a:prstGeom prst="downArrow">
+          <a:avLst>
+            <a:gd name="adj1" fmla="val 55000"/>
+            <a:gd name="adj2" fmla="val 45000"/>
+          </a:avLst>
+        </a:prstGeom>
+        <a:solidFill>
+          <a:schemeClr val="accent2">
+            <a:alpha val="90000"/>
+            <a:tint val="40000"/>
+            <a:hueOff val="0"/>
+            <a:satOff val="0"/>
+            <a:lumOff val="0"/>
+            <a:alphaOff val="0"/>
+          </a:schemeClr>
+        </a:solidFill>
+        <a:ln w="10795" cap="flat" cmpd="sng" algn="ctr">
+          <a:solidFill>
+            <a:schemeClr val="accent2">
+              <a:alpha val="90000"/>
+              <a:tint val="40000"/>
+              <a:hueOff val="0"/>
+              <a:satOff val="0"/>
+              <a:lumOff val="0"/>
+              <a:alphaOff val="0"/>
+            </a:schemeClr>
+          </a:solidFill>
+          <a:prstDash val="solid"/>
+        </a:ln>
+        <a:effectLst/>
+      </dsp:spPr>
+      <dsp:style>
+        <a:lnRef idx="2">
+          <a:scrgbClr r="0" g="0" b="0"/>
+        </a:lnRef>
+        <a:fillRef idx="1">
+          <a:scrgbClr r="0" g="0" b="0"/>
+        </a:fillRef>
+        <a:effectRef idx="0">
+          <a:scrgbClr r="0" g="0" b="0"/>
+        </a:effectRef>
+        <a:fontRef idx="minor"/>
+      </dsp:style>
+      <dsp:txBody>
+        <a:bodyPr spcFirstLastPara="0" vert="horz" wrap="square" lIns="41910" tIns="41910" rIns="41910" bIns="41910" numCol="1" spcCol="1270" anchor="ctr" anchorCtr="0">
+          <a:noAutofit/>
+        </a:bodyPr>
+        <a:lstStyle/>
+        <a:p>
+          <a:pPr lvl="0" algn="ctr" defTabSz="1466850">
+            <a:lnSpc>
+              <a:spcPct val="90000"/>
+            </a:lnSpc>
+            <a:spcBef>
+              <a:spcPct val="0"/>
+            </a:spcBef>
+            <a:spcAft>
+              <a:spcPct val="35000"/>
+            </a:spcAft>
+          </a:pPr>
+          <a:endParaRPr lang="en-US" sz="3300" kern="1200"/>
+        </a:p>
+      </dsp:txBody>
+      <dsp:txXfrm>
+        <a:off x="5284594" y="862934"/>
+        <a:ext cx="402788" cy="551087"/>
+      </dsp:txXfrm>
+    </dsp:sp>
+    <dsp:sp modelId="{F2539A5F-1E25-4AC9-8B24-A0563841837E}">
+      <dsp:nvSpPr>
+        <dsp:cNvPr id="0" name=""/>
+        <dsp:cNvSpPr/>
+      </dsp:nvSpPr>
+      <dsp:spPr>
+        <a:xfrm>
+          <a:off x="5609936" y="2194466"/>
+          <a:ext cx="732342" cy="732342"/>
+        </a:xfrm>
+        <a:prstGeom prst="downArrow">
+          <a:avLst>
+            <a:gd name="adj1" fmla="val 55000"/>
+            <a:gd name="adj2" fmla="val 45000"/>
+          </a:avLst>
+        </a:prstGeom>
+        <a:solidFill>
+          <a:schemeClr val="accent2">
+            <a:alpha val="90000"/>
+            <a:tint val="40000"/>
+            <a:hueOff val="0"/>
+            <a:satOff val="0"/>
+            <a:lumOff val="0"/>
+            <a:alphaOff val="0"/>
+          </a:schemeClr>
+        </a:solidFill>
+        <a:ln w="10795" cap="flat" cmpd="sng" algn="ctr">
+          <a:solidFill>
+            <a:schemeClr val="accent2">
+              <a:alpha val="90000"/>
+              <a:tint val="40000"/>
+              <a:hueOff val="0"/>
+              <a:satOff val="0"/>
+              <a:lumOff val="0"/>
+              <a:alphaOff val="0"/>
+            </a:schemeClr>
+          </a:solidFill>
+          <a:prstDash val="solid"/>
+        </a:ln>
+        <a:effectLst/>
+      </dsp:spPr>
+      <dsp:style>
+        <a:lnRef idx="2">
+          <a:scrgbClr r="0" g="0" b="0"/>
+        </a:lnRef>
+        <a:fillRef idx="1">
+          <a:scrgbClr r="0" g="0" b="0"/>
+        </a:fillRef>
+        <a:effectRef idx="0">
+          <a:scrgbClr r="0" g="0" b="0"/>
+        </a:effectRef>
+        <a:fontRef idx="minor"/>
+      </dsp:style>
+      <dsp:txBody>
+        <a:bodyPr spcFirstLastPara="0" vert="horz" wrap="square" lIns="41910" tIns="41910" rIns="41910" bIns="41910" numCol="1" spcCol="1270" anchor="ctr" anchorCtr="0">
+          <a:noAutofit/>
+        </a:bodyPr>
+        <a:lstStyle/>
+        <a:p>
+          <a:pPr lvl="0" algn="ctr" defTabSz="1466850">
+            <a:lnSpc>
+              <a:spcPct val="90000"/>
+            </a:lnSpc>
+            <a:spcBef>
+              <a:spcPct val="0"/>
+            </a:spcBef>
+            <a:spcAft>
+              <a:spcPct val="35000"/>
+            </a:spcAft>
+          </a:pPr>
+          <a:endParaRPr lang="en-US" sz="3300" kern="1200"/>
+        </a:p>
+      </dsp:txBody>
+      <dsp:txXfrm>
+        <a:off x="5774713" y="2194466"/>
+        <a:ext cx="402788" cy="551087"/>
+      </dsp:txXfrm>
+    </dsp:sp>
+    <dsp:sp modelId="{F04B7FFE-5806-44C7-86F3-D924A32EA1F0}">
+      <dsp:nvSpPr>
+        <dsp:cNvPr id="0" name=""/>
+        <dsp:cNvSpPr/>
+      </dsp:nvSpPr>
+      <dsp:spPr>
+        <a:xfrm>
+          <a:off x="6092739" y="3525997"/>
+          <a:ext cx="732342" cy="732342"/>
+        </a:xfrm>
+        <a:prstGeom prst="downArrow">
+          <a:avLst>
+            <a:gd name="adj1" fmla="val 55000"/>
+            <a:gd name="adj2" fmla="val 45000"/>
+          </a:avLst>
+        </a:prstGeom>
+        <a:solidFill>
+          <a:schemeClr val="accent2">
+            <a:alpha val="90000"/>
+            <a:tint val="40000"/>
+            <a:hueOff val="0"/>
+            <a:satOff val="0"/>
+            <a:lumOff val="0"/>
+            <a:alphaOff val="0"/>
+          </a:schemeClr>
+        </a:solidFill>
+        <a:ln w="10795" cap="flat" cmpd="sng" algn="ctr">
+          <a:solidFill>
+            <a:schemeClr val="accent2">
+              <a:alpha val="90000"/>
+              <a:tint val="40000"/>
+              <a:hueOff val="0"/>
+              <a:satOff val="0"/>
+              <a:lumOff val="0"/>
+              <a:alphaOff val="0"/>
+            </a:schemeClr>
+          </a:solidFill>
+          <a:prstDash val="solid"/>
+        </a:ln>
+        <a:effectLst/>
+      </dsp:spPr>
+      <dsp:style>
+        <a:lnRef idx="2">
+          <a:scrgbClr r="0" g="0" b="0"/>
+        </a:lnRef>
+        <a:fillRef idx="1">
+          <a:scrgbClr r="0" g="0" b="0"/>
+        </a:fillRef>
+        <a:effectRef idx="0">
+          <a:scrgbClr r="0" g="0" b="0"/>
+        </a:effectRef>
+        <a:fontRef idx="minor"/>
+      </dsp:style>
+      <dsp:txBody>
+        <a:bodyPr spcFirstLastPara="0" vert="horz" wrap="square" lIns="41910" tIns="41910" rIns="41910" bIns="41910" numCol="1" spcCol="1270" anchor="ctr" anchorCtr="0">
+          <a:noAutofit/>
+        </a:bodyPr>
+        <a:lstStyle/>
+        <a:p>
+          <a:pPr lvl="0" algn="ctr" defTabSz="1466850">
+            <a:lnSpc>
+              <a:spcPct val="90000"/>
+            </a:lnSpc>
+            <a:spcBef>
+              <a:spcPct val="0"/>
+            </a:spcBef>
+            <a:spcAft>
+              <a:spcPct val="35000"/>
+            </a:spcAft>
+          </a:pPr>
+          <a:endParaRPr lang="en-US" sz="3300" kern="1200"/>
+        </a:p>
+      </dsp:txBody>
+      <dsp:txXfrm>
+        <a:off x="6257516" y="3525997"/>
+        <a:ext cx="402788" cy="551087"/>
+      </dsp:txXfrm>
+    </dsp:sp>
   </dsp:spTree>
 </dsp:drawing>
 </file>
@@ -6161,6 +10138,1067 @@
       <dsp:cNvGrpSpPr/>
     </dsp:nvGrpSpPr>
     <dsp:grpSpPr/>
+    <dsp:sp modelId="{097860A2-8540-423B-B862-127812E87646}">
+      <dsp:nvSpPr>
+        <dsp:cNvPr id="0" name=""/>
+        <dsp:cNvSpPr/>
+      </dsp:nvSpPr>
+      <dsp:spPr>
+        <a:xfrm>
+          <a:off x="842597" y="2413193"/>
+          <a:ext cx="1826153" cy="1826455"/>
+        </a:xfrm>
+        <a:prstGeom prst="ellipse">
+          <a:avLst/>
+        </a:prstGeom>
+        <a:solidFill>
+          <a:schemeClr val="accent2">
+            <a:hueOff val="0"/>
+            <a:satOff val="0"/>
+            <a:lumOff val="0"/>
+            <a:alphaOff val="0"/>
+          </a:schemeClr>
+        </a:solidFill>
+        <a:ln w="9525" cap="flat" cmpd="sng" algn="ctr">
+          <a:solidFill>
+            <a:schemeClr val="accent2">
+              <a:hueOff val="0"/>
+              <a:satOff val="0"/>
+              <a:lumOff val="0"/>
+              <a:alphaOff val="0"/>
+            </a:schemeClr>
+          </a:solidFill>
+          <a:prstDash val="solid"/>
+        </a:ln>
+        <a:effectLst>
+          <a:outerShdw blurRad="44450" dist="13970" dir="5400000" algn="ctr" rotWithShape="0">
+            <a:srgbClr val="000000">
+              <a:alpha val="45000"/>
+            </a:srgbClr>
+          </a:outerShdw>
+        </a:effectLst>
+        <a:scene3d>
+          <a:camera prst="orthographicFront">
+            <a:rot lat="0" lon="0" rev="0"/>
+          </a:camera>
+          <a:lightRig rig="twoPt" dir="tl"/>
+        </a:scene3d>
+        <a:sp3d prstMaterial="flat">
+          <a:bevelT w="12700" h="25400" prst="coolSlant"/>
+        </a:sp3d>
+      </dsp:spPr>
+      <dsp:style>
+        <a:lnRef idx="1">
+          <a:scrgbClr r="0" g="0" b="0"/>
+        </a:lnRef>
+        <a:fillRef idx="3">
+          <a:scrgbClr r="0" g="0" b="0"/>
+        </a:fillRef>
+        <a:effectRef idx="3">
+          <a:scrgbClr r="0" g="0" b="0"/>
+        </a:effectRef>
+        <a:fontRef idx="minor">
+          <a:schemeClr val="lt1"/>
+        </a:fontRef>
+      </dsp:style>
+    </dsp:sp>
+    <dsp:sp modelId="{B9992169-4D10-41F1-B981-2A9302527811}">
+      <dsp:nvSpPr>
+        <dsp:cNvPr id="0" name=""/>
+        <dsp:cNvSpPr/>
+      </dsp:nvSpPr>
+      <dsp:spPr>
+        <a:xfrm>
+          <a:off x="3023195" y="2064971"/>
+          <a:ext cx="542353" cy="542005"/>
+        </a:xfrm>
+        <a:prstGeom prst="donut">
+          <a:avLst>
+            <a:gd name="adj" fmla="val 7460"/>
+          </a:avLst>
+        </a:prstGeom>
+        <a:solidFill>
+          <a:schemeClr val="accent2">
+            <a:hueOff val="0"/>
+            <a:satOff val="0"/>
+            <a:lumOff val="0"/>
+            <a:alphaOff val="0"/>
+          </a:schemeClr>
+        </a:solidFill>
+        <a:ln w="9525" cap="flat" cmpd="sng" algn="ctr">
+          <a:solidFill>
+            <a:schemeClr val="accent2">
+              <a:hueOff val="0"/>
+              <a:satOff val="0"/>
+              <a:lumOff val="0"/>
+              <a:alphaOff val="0"/>
+            </a:schemeClr>
+          </a:solidFill>
+          <a:prstDash val="solid"/>
+        </a:ln>
+        <a:effectLst>
+          <a:outerShdw blurRad="44450" dist="13970" dir="5400000" algn="ctr" rotWithShape="0">
+            <a:srgbClr val="000000">
+              <a:alpha val="45000"/>
+            </a:srgbClr>
+          </a:outerShdw>
+        </a:effectLst>
+        <a:scene3d>
+          <a:camera prst="orthographicFront">
+            <a:rot lat="0" lon="0" rev="0"/>
+          </a:camera>
+          <a:lightRig rig="twoPt" dir="tl"/>
+        </a:scene3d>
+        <a:sp3d prstMaterial="flat">
+          <a:bevelT w="12700" h="25400" prst="coolSlant"/>
+        </a:sp3d>
+      </dsp:spPr>
+      <dsp:style>
+        <a:lnRef idx="1">
+          <a:scrgbClr r="0" g="0" b="0"/>
+        </a:lnRef>
+        <a:fillRef idx="3">
+          <a:scrgbClr r="0" g="0" b="0"/>
+        </a:fillRef>
+        <a:effectRef idx="3">
+          <a:scrgbClr r="0" g="0" b="0"/>
+        </a:effectRef>
+        <a:fontRef idx="minor">
+          <a:schemeClr val="lt1"/>
+        </a:fontRef>
+      </dsp:style>
+    </dsp:sp>
+    <dsp:sp modelId="{7B73D9F2-AEB8-47F1-BF4C-BAD85B74A84B}">
+      <dsp:nvSpPr>
+        <dsp:cNvPr id="0" name=""/>
+        <dsp:cNvSpPr/>
+      </dsp:nvSpPr>
+      <dsp:spPr>
+        <a:xfrm>
+          <a:off x="912764" y="2483283"/>
+          <a:ext cx="1686560" cy="1686275"/>
+        </a:xfrm>
+        <a:prstGeom prst="ellipse">
+          <a:avLst/>
+        </a:prstGeom>
+        <a:solidFill>
+          <a:schemeClr val="tx2"/>
+        </a:solidFill>
+        <a:ln>
+          <a:noFill/>
+        </a:ln>
+        <a:effectLst>
+          <a:outerShdw blurRad="44450" dist="13970" dir="5400000" algn="ctr" rotWithShape="0">
+            <a:srgbClr val="000000">
+              <a:alpha val="45000"/>
+            </a:srgbClr>
+          </a:outerShdw>
+        </a:effectLst>
+        <a:scene3d>
+          <a:camera prst="orthographicFront">
+            <a:rot lat="0" lon="0" rev="0"/>
+          </a:camera>
+          <a:lightRig rig="twoPt" dir="tl"/>
+        </a:scene3d>
+        <a:sp3d prstMaterial="flat">
+          <a:bevelT w="12700" h="25400" prst="coolSlant"/>
+        </a:sp3d>
+      </dsp:spPr>
+      <dsp:style>
+        <a:lnRef idx="0">
+          <a:scrgbClr r="0" g="0" b="0"/>
+        </a:lnRef>
+        <a:fillRef idx="1">
+          <a:scrgbClr r="0" g="0" b="0"/>
+        </a:fillRef>
+        <a:effectRef idx="3">
+          <a:scrgbClr r="0" g="0" b="0"/>
+        </a:effectRef>
+        <a:fontRef idx="minor"/>
+      </dsp:style>
+    </dsp:sp>
+    <dsp:sp modelId="{63A14301-43C1-4A33-9F5D-AE3D9AD6A279}">
+      <dsp:nvSpPr>
+        <dsp:cNvPr id="0" name=""/>
+        <dsp:cNvSpPr/>
+      </dsp:nvSpPr>
+      <dsp:spPr>
+        <a:xfrm>
+          <a:off x="3066491" y="3190840"/>
+          <a:ext cx="955793" cy="955566"/>
+        </a:xfrm>
+        <a:prstGeom prst="ellipse">
+          <a:avLst/>
+        </a:prstGeom>
+        <a:solidFill>
+          <a:schemeClr val="accent2">
+            <a:hueOff val="0"/>
+            <a:satOff val="0"/>
+            <a:lumOff val="0"/>
+            <a:alphaOff val="0"/>
+          </a:schemeClr>
+        </a:solidFill>
+        <a:ln w="9525" cap="flat" cmpd="sng" algn="ctr">
+          <a:solidFill>
+            <a:schemeClr val="accent2">
+              <a:hueOff val="0"/>
+              <a:satOff val="0"/>
+              <a:lumOff val="0"/>
+              <a:alphaOff val="0"/>
+            </a:schemeClr>
+          </a:solidFill>
+          <a:prstDash val="solid"/>
+        </a:ln>
+        <a:effectLst>
+          <a:outerShdw blurRad="44450" dist="13970" dir="5400000" algn="ctr" rotWithShape="0">
+            <a:srgbClr val="000000">
+              <a:alpha val="45000"/>
+            </a:srgbClr>
+          </a:outerShdw>
+        </a:effectLst>
+        <a:scene3d>
+          <a:camera prst="orthographicFront">
+            <a:rot lat="0" lon="0" rev="0"/>
+          </a:camera>
+          <a:lightRig rig="twoPt" dir="tl"/>
+        </a:scene3d>
+        <a:sp3d prstMaterial="flat">
+          <a:bevelT w="12700" h="25400" prst="coolSlant"/>
+        </a:sp3d>
+      </dsp:spPr>
+      <dsp:style>
+        <a:lnRef idx="1">
+          <a:scrgbClr r="0" g="0" b="0"/>
+        </a:lnRef>
+        <a:fillRef idx="3">
+          <a:scrgbClr r="0" g="0" b="0"/>
+        </a:fillRef>
+        <a:effectRef idx="3">
+          <a:scrgbClr r="0" g="0" b="0"/>
+        </a:effectRef>
+        <a:fontRef idx="minor">
+          <a:schemeClr val="lt1"/>
+        </a:fontRef>
+      </dsp:style>
+    </dsp:sp>
+    <dsp:sp modelId="{B9D895AD-AD59-4BB9-A9E9-F868AB80BF3F}">
+      <dsp:nvSpPr>
+        <dsp:cNvPr id="0" name=""/>
+        <dsp:cNvSpPr/>
+      </dsp:nvSpPr>
+      <dsp:spPr>
+        <a:xfrm>
+          <a:off x="3126762" y="3251122"/>
+          <a:ext cx="842898" cy="842979"/>
+        </a:xfrm>
+        <a:prstGeom prst="ellipse">
+          <a:avLst/>
+        </a:prstGeom>
+        <a:solidFill>
+          <a:schemeClr val="tx2"/>
+        </a:solidFill>
+        <a:ln>
+          <a:noFill/>
+        </a:ln>
+        <a:effectLst>
+          <a:outerShdw blurRad="44450" dist="13970" dir="5400000" algn="ctr" rotWithShape="0">
+            <a:srgbClr val="000000">
+              <a:alpha val="45000"/>
+            </a:srgbClr>
+          </a:outerShdw>
+        </a:effectLst>
+        <a:scene3d>
+          <a:camera prst="orthographicFront">
+            <a:rot lat="0" lon="0" rev="0"/>
+          </a:camera>
+          <a:lightRig rig="twoPt" dir="tl"/>
+        </a:scene3d>
+        <a:sp3d prstMaterial="flat">
+          <a:bevelT w="12700" h="25400" prst="coolSlant"/>
+        </a:sp3d>
+      </dsp:spPr>
+      <dsp:style>
+        <a:lnRef idx="0">
+          <a:scrgbClr r="0" g="0" b="0"/>
+        </a:lnRef>
+        <a:fillRef idx="1">
+          <a:scrgbClr r="0" g="0" b="0"/>
+        </a:fillRef>
+        <a:effectRef idx="3">
+          <a:scrgbClr r="0" g="0" b="0"/>
+        </a:effectRef>
+        <a:fontRef idx="minor"/>
+      </dsp:style>
+    </dsp:sp>
+    <dsp:sp modelId="{6C46406E-2571-4143-A56A-6BFA4DD92624}">
+      <dsp:nvSpPr>
+        <dsp:cNvPr id="0" name=""/>
+        <dsp:cNvSpPr/>
+      </dsp:nvSpPr>
+      <dsp:spPr>
+        <a:xfrm>
+          <a:off x="3565566" y="1027013"/>
+          <a:ext cx="1225063" cy="1225459"/>
+        </a:xfrm>
+        <a:prstGeom prst="ellipse">
+          <a:avLst/>
+        </a:prstGeom>
+        <a:solidFill>
+          <a:schemeClr val="accent2">
+            <a:hueOff val="0"/>
+            <a:satOff val="0"/>
+            <a:lumOff val="0"/>
+            <a:alphaOff val="0"/>
+          </a:schemeClr>
+        </a:solidFill>
+        <a:ln w="9525" cap="flat" cmpd="sng" algn="ctr">
+          <a:solidFill>
+            <a:schemeClr val="accent2">
+              <a:hueOff val="0"/>
+              <a:satOff val="0"/>
+              <a:lumOff val="0"/>
+              <a:alphaOff val="0"/>
+            </a:schemeClr>
+          </a:solidFill>
+          <a:prstDash val="solid"/>
+        </a:ln>
+        <a:effectLst>
+          <a:outerShdw blurRad="44450" dist="13970" dir="5400000" algn="ctr" rotWithShape="0">
+            <a:srgbClr val="000000">
+              <a:alpha val="45000"/>
+            </a:srgbClr>
+          </a:outerShdw>
+        </a:effectLst>
+        <a:scene3d>
+          <a:camera prst="orthographicFront">
+            <a:rot lat="0" lon="0" rev="0"/>
+          </a:camera>
+          <a:lightRig rig="twoPt" dir="tl"/>
+        </a:scene3d>
+        <a:sp3d prstMaterial="flat">
+          <a:bevelT w="12700" h="25400" prst="coolSlant"/>
+        </a:sp3d>
+      </dsp:spPr>
+      <dsp:style>
+        <a:lnRef idx="1">
+          <a:scrgbClr r="0" g="0" b="0"/>
+        </a:lnRef>
+        <a:fillRef idx="3">
+          <a:scrgbClr r="0" g="0" b="0"/>
+        </a:fillRef>
+        <a:effectRef idx="3">
+          <a:scrgbClr r="0" g="0" b="0"/>
+        </a:effectRef>
+        <a:fontRef idx="minor">
+          <a:schemeClr val="lt1"/>
+        </a:fontRef>
+      </dsp:style>
+    </dsp:sp>
+    <dsp:sp modelId="{9D377787-D9A0-4D12-8960-746D31DA049C}">
+      <dsp:nvSpPr>
+        <dsp:cNvPr id="0" name=""/>
+        <dsp:cNvSpPr/>
+      </dsp:nvSpPr>
+      <dsp:spPr>
+        <a:xfrm>
+          <a:off x="4591703" y="404532"/>
+          <a:ext cx="401235" cy="401509"/>
+        </a:xfrm>
+        <a:prstGeom prst="donut">
+          <a:avLst>
+            <a:gd name="adj" fmla="val 7460"/>
+          </a:avLst>
+        </a:prstGeom>
+        <a:solidFill>
+          <a:schemeClr val="accent2">
+            <a:hueOff val="0"/>
+            <a:satOff val="0"/>
+            <a:lumOff val="0"/>
+            <a:alphaOff val="0"/>
+          </a:schemeClr>
+        </a:solidFill>
+        <a:ln w="9525" cap="flat" cmpd="sng" algn="ctr">
+          <a:solidFill>
+            <a:schemeClr val="accent2">
+              <a:hueOff val="0"/>
+              <a:satOff val="0"/>
+              <a:lumOff val="0"/>
+              <a:alphaOff val="0"/>
+            </a:schemeClr>
+          </a:solidFill>
+          <a:prstDash val="solid"/>
+        </a:ln>
+        <a:effectLst>
+          <a:outerShdw blurRad="44450" dist="13970" dir="5400000" algn="ctr" rotWithShape="0">
+            <a:srgbClr val="000000">
+              <a:alpha val="45000"/>
+            </a:srgbClr>
+          </a:outerShdw>
+        </a:effectLst>
+        <a:scene3d>
+          <a:camera prst="orthographicFront">
+            <a:rot lat="0" lon="0" rev="0"/>
+          </a:camera>
+          <a:lightRig rig="twoPt" dir="tl"/>
+        </a:scene3d>
+        <a:sp3d prstMaterial="flat">
+          <a:bevelT w="12700" h="25400" prst="coolSlant"/>
+        </a:sp3d>
+      </dsp:spPr>
+      <dsp:style>
+        <a:lnRef idx="1">
+          <a:scrgbClr r="0" g="0" b="0"/>
+        </a:lnRef>
+        <a:fillRef idx="3">
+          <a:scrgbClr r="0" g="0" b="0"/>
+        </a:fillRef>
+        <a:effectRef idx="3">
+          <a:scrgbClr r="0" g="0" b="0"/>
+        </a:effectRef>
+        <a:fontRef idx="minor">
+          <a:schemeClr val="lt1"/>
+        </a:fontRef>
+      </dsp:style>
+    </dsp:sp>
+    <dsp:sp modelId="{B3A2F1D3-A934-451F-AE87-81E03C5A26F5}">
+      <dsp:nvSpPr>
+        <dsp:cNvPr id="0" name=""/>
+        <dsp:cNvSpPr/>
+      </dsp:nvSpPr>
+      <dsp:spPr>
+        <a:xfrm>
+          <a:off x="3799343" y="2617371"/>
+          <a:ext cx="301307" cy="300973"/>
+        </a:xfrm>
+        <a:prstGeom prst="donut">
+          <a:avLst>
+            <a:gd name="adj" fmla="val 7460"/>
+          </a:avLst>
+        </a:prstGeom>
+        <a:solidFill>
+          <a:schemeClr val="accent2">
+            <a:hueOff val="0"/>
+            <a:satOff val="0"/>
+            <a:lumOff val="0"/>
+            <a:alphaOff val="0"/>
+          </a:schemeClr>
+        </a:solidFill>
+        <a:ln w="9525" cap="flat" cmpd="sng" algn="ctr">
+          <a:solidFill>
+            <a:schemeClr val="accent2">
+              <a:hueOff val="0"/>
+              <a:satOff val="0"/>
+              <a:lumOff val="0"/>
+              <a:alphaOff val="0"/>
+            </a:schemeClr>
+          </a:solidFill>
+          <a:prstDash val="solid"/>
+        </a:ln>
+        <a:effectLst>
+          <a:outerShdw blurRad="44450" dist="13970" dir="5400000" algn="ctr" rotWithShape="0">
+            <a:srgbClr val="000000">
+              <a:alpha val="45000"/>
+            </a:srgbClr>
+          </a:outerShdw>
+        </a:effectLst>
+        <a:scene3d>
+          <a:camera prst="orthographicFront">
+            <a:rot lat="0" lon="0" rev="0"/>
+          </a:camera>
+          <a:lightRig rig="twoPt" dir="tl"/>
+        </a:scene3d>
+        <a:sp3d prstMaterial="flat">
+          <a:bevelT w="12700" h="25400" prst="coolSlant"/>
+        </a:sp3d>
+      </dsp:spPr>
+      <dsp:style>
+        <a:lnRef idx="1">
+          <a:scrgbClr r="0" g="0" b="0"/>
+        </a:lnRef>
+        <a:fillRef idx="3">
+          <a:scrgbClr r="0" g="0" b="0"/>
+        </a:fillRef>
+        <a:effectRef idx="3">
+          <a:scrgbClr r="0" g="0" b="0"/>
+        </a:effectRef>
+        <a:fontRef idx="minor">
+          <a:schemeClr val="lt1"/>
+        </a:fontRef>
+      </dsp:style>
+    </dsp:sp>
+    <dsp:sp modelId="{BAC60C66-3959-42F4-AD9B-9C055940EE6C}">
+      <dsp:nvSpPr>
+        <dsp:cNvPr id="0" name=""/>
+        <dsp:cNvSpPr/>
+      </dsp:nvSpPr>
+      <dsp:spPr>
+        <a:xfrm>
+          <a:off x="3630393" y="1091702"/>
+          <a:ext cx="1096149" cy="1096063"/>
+        </a:xfrm>
+        <a:prstGeom prst="ellipse">
+          <a:avLst/>
+        </a:prstGeom>
+        <a:solidFill>
+          <a:schemeClr val="tx2"/>
+        </a:solidFill>
+        <a:ln>
+          <a:noFill/>
+        </a:ln>
+        <a:effectLst>
+          <a:outerShdw blurRad="44450" dist="13970" dir="5400000" algn="ctr" rotWithShape="0">
+            <a:srgbClr val="000000">
+              <a:alpha val="45000"/>
+            </a:srgbClr>
+          </a:outerShdw>
+        </a:effectLst>
+        <a:scene3d>
+          <a:camera prst="orthographicFront">
+            <a:rot lat="0" lon="0" rev="0"/>
+          </a:camera>
+          <a:lightRig rig="twoPt" dir="tl"/>
+        </a:scene3d>
+        <a:sp3d prstMaterial="flat">
+          <a:bevelT w="12700" h="25400" prst="coolSlant"/>
+        </a:sp3d>
+      </dsp:spPr>
+      <dsp:style>
+        <a:lnRef idx="0">
+          <a:scrgbClr r="0" g="0" b="0"/>
+        </a:lnRef>
+        <a:fillRef idx="1">
+          <a:scrgbClr r="0" g="0" b="0"/>
+        </a:fillRef>
+        <a:effectRef idx="3">
+          <a:scrgbClr r="0" g="0" b="0"/>
+        </a:effectRef>
+        <a:fontRef idx="minor"/>
+      </dsp:style>
+    </dsp:sp>
+    <dsp:sp modelId="{A58AFD8B-8B32-4F64-AAEE-3C1F0740AAD6}">
+      <dsp:nvSpPr>
+        <dsp:cNvPr id="0" name=""/>
+        <dsp:cNvSpPr/>
+      </dsp:nvSpPr>
+      <dsp:spPr>
+        <a:xfrm>
+          <a:off x="-2439" y="452437"/>
+          <a:ext cx="2804560" cy="2058934"/>
+        </a:xfrm>
+        <a:prstGeom prst="rect">
+          <a:avLst/>
+        </a:prstGeom>
+        <a:noFill/>
+        <a:ln>
+          <a:noFill/>
+        </a:ln>
+        <a:effectLst/>
+      </dsp:spPr>
+      <dsp:style>
+        <a:lnRef idx="0">
+          <a:scrgbClr r="0" g="0" b="0"/>
+        </a:lnRef>
+        <a:fillRef idx="0">
+          <a:scrgbClr r="0" g="0" b="0"/>
+        </a:fillRef>
+        <a:effectRef idx="0">
+          <a:scrgbClr r="0" g="0" b="0"/>
+        </a:effectRef>
+        <a:fontRef idx="minor"/>
+      </dsp:style>
+      <dsp:txBody>
+        <a:bodyPr spcFirstLastPara="0" vert="horz" wrap="square" lIns="35560" tIns="35560" rIns="35560" bIns="3556" numCol="1" spcCol="1270" anchor="ctr" anchorCtr="0">
+          <a:noAutofit/>
+        </a:bodyPr>
+        <a:lstStyle/>
+        <a:p>
+          <a:pPr lvl="0" algn="r" defTabSz="1244600">
+            <a:lnSpc>
+              <a:spcPct val="100000"/>
+            </a:lnSpc>
+            <a:spcBef>
+              <a:spcPct val="0"/>
+            </a:spcBef>
+            <a:spcAft>
+              <a:spcPct val="35000"/>
+            </a:spcAft>
+          </a:pPr>
+          <a:r>
+            <a:rPr lang="en-US" sz="2800" b="1" kern="1200" baseline="0" dirty="0" smtClean="0">
+              <a:solidFill>
+                <a:schemeClr val="accent3"/>
+              </a:solidFill>
+            </a:rPr>
+            <a:t>Asynchronous</a:t>
+          </a:r>
+          <a:r>
+            <a:rPr lang="en-US" sz="1700" kern="1200" baseline="0" dirty="0" smtClean="0"/>
+            <a:t/>
+          </a:r>
+          <a:br>
+            <a:rPr lang="en-US" sz="1700" kern="1200" baseline="0" dirty="0" smtClean="0"/>
+          </a:br>
+          <a:r>
+            <a:rPr lang="en-US" sz="1700" kern="1200" baseline="0" dirty="0" smtClean="0">
+              <a:solidFill>
+                <a:schemeClr val="tx2"/>
+              </a:solidFill>
+            </a:rPr>
+            <a:t>Non-blocking, specifically in reference to I/O operations (not necessarily parallel, can be sequential</a:t>
+          </a:r>
+          <a:r>
+            <a:rPr lang="en-US" sz="1800" kern="1200" baseline="0" dirty="0" smtClean="0">
+              <a:solidFill>
+                <a:schemeClr val="tx2"/>
+              </a:solidFill>
+            </a:rPr>
+            <a:t>.)</a:t>
+          </a:r>
+          <a:endParaRPr lang="en-US" sz="1800" kern="1200" baseline="0" dirty="0">
+            <a:solidFill>
+              <a:schemeClr val="tx2"/>
+            </a:solidFill>
+          </a:endParaRPr>
+        </a:p>
+      </dsp:txBody>
+      <dsp:txXfrm>
+        <a:off x="-2439" y="452437"/>
+        <a:ext cx="2804560" cy="2058934"/>
+      </dsp:txXfrm>
+    </dsp:sp>
+    <dsp:sp modelId="{AB48E175-A7F5-436F-8320-91B87728B485}">
+      <dsp:nvSpPr>
+        <dsp:cNvPr id="0" name=""/>
+        <dsp:cNvSpPr/>
+      </dsp:nvSpPr>
+      <dsp:spPr>
+        <a:xfrm>
+          <a:off x="4263059" y="3241798"/>
+          <a:ext cx="3119274" cy="959141"/>
+        </a:xfrm>
+        <a:prstGeom prst="rect">
+          <a:avLst/>
+        </a:prstGeom>
+        <a:noFill/>
+        <a:ln>
+          <a:noFill/>
+        </a:ln>
+        <a:effectLst/>
+      </dsp:spPr>
+      <dsp:style>
+        <a:lnRef idx="0">
+          <a:scrgbClr r="0" g="0" b="0"/>
+        </a:lnRef>
+        <a:fillRef idx="0">
+          <a:scrgbClr r="0" g="0" b="0"/>
+        </a:fillRef>
+        <a:effectRef idx="0">
+          <a:scrgbClr r="0" g="0" b="0"/>
+        </a:effectRef>
+        <a:fontRef idx="minor"/>
+      </dsp:style>
+      <dsp:txBody>
+        <a:bodyPr spcFirstLastPara="0" vert="horz" wrap="square" lIns="35560" tIns="35560" rIns="35560" bIns="35560" numCol="1" spcCol="1270" anchor="ctr" anchorCtr="0">
+          <a:noAutofit/>
+        </a:bodyPr>
+        <a:lstStyle/>
+        <a:p>
+          <a:pPr lvl="0" algn="l" defTabSz="1244600">
+            <a:lnSpc>
+              <a:spcPct val="90000"/>
+            </a:lnSpc>
+            <a:spcBef>
+              <a:spcPct val="0"/>
+            </a:spcBef>
+            <a:spcAft>
+              <a:spcPct val="35000"/>
+            </a:spcAft>
+          </a:pPr>
+          <a:r>
+            <a:rPr lang="en-US" sz="2800" b="1" kern="1200" dirty="0" smtClean="0">
+              <a:solidFill>
+                <a:schemeClr val="accent3"/>
+              </a:solidFill>
+            </a:rPr>
+            <a:t>Parallel</a:t>
+          </a:r>
+          <a:r>
+            <a:rPr lang="en-US" sz="2200" kern="1200" dirty="0" smtClean="0"/>
+            <a:t/>
+          </a:r>
+          <a:br>
+            <a:rPr lang="en-US" sz="2200" kern="1200" dirty="0" smtClean="0"/>
+          </a:br>
+          <a:r>
+            <a:rPr lang="en-US" sz="1800" kern="1200" dirty="0" smtClean="0">
+              <a:solidFill>
+                <a:schemeClr val="tx2"/>
+              </a:solidFill>
+            </a:rPr>
+            <a:t>Multiple operations processed simultaneously.</a:t>
+          </a:r>
+          <a:endParaRPr lang="en-US" sz="1800" kern="1200" dirty="0">
+            <a:solidFill>
+              <a:schemeClr val="tx2"/>
+            </a:solidFill>
+          </a:endParaRPr>
+        </a:p>
+      </dsp:txBody>
+      <dsp:txXfrm>
+        <a:off x="4263059" y="3241798"/>
+        <a:ext cx="3119274" cy="959141"/>
+      </dsp:txXfrm>
+    </dsp:sp>
+    <dsp:sp modelId="{79FE32CF-CBC2-4821-BC39-6EA057733777}">
+      <dsp:nvSpPr>
+        <dsp:cNvPr id="0" name=""/>
+        <dsp:cNvSpPr/>
+      </dsp:nvSpPr>
+      <dsp:spPr>
+        <a:xfrm>
+          <a:off x="4981490" y="873810"/>
+          <a:ext cx="2451957" cy="1526915"/>
+        </a:xfrm>
+        <a:prstGeom prst="rect">
+          <a:avLst/>
+        </a:prstGeom>
+        <a:noFill/>
+        <a:ln>
+          <a:noFill/>
+        </a:ln>
+        <a:effectLst/>
+      </dsp:spPr>
+      <dsp:style>
+        <a:lnRef idx="0">
+          <a:scrgbClr r="0" g="0" b="0"/>
+        </a:lnRef>
+        <a:fillRef idx="0">
+          <a:scrgbClr r="0" g="0" b="0"/>
+        </a:fillRef>
+        <a:effectRef idx="0">
+          <a:scrgbClr r="0" g="0" b="0"/>
+        </a:effectRef>
+        <a:fontRef idx="minor"/>
+      </dsp:style>
+      <dsp:txBody>
+        <a:bodyPr spcFirstLastPara="0" vert="horz" wrap="square" lIns="35560" tIns="35560" rIns="35560" bIns="35560" numCol="1" spcCol="1270" anchor="ctr" anchorCtr="0">
+          <a:noAutofit/>
+        </a:bodyPr>
+        <a:lstStyle/>
+        <a:p>
+          <a:pPr lvl="0" algn="l" defTabSz="1244600">
+            <a:lnSpc>
+              <a:spcPct val="90000"/>
+            </a:lnSpc>
+            <a:spcBef>
+              <a:spcPct val="0"/>
+            </a:spcBef>
+            <a:spcAft>
+              <a:spcPct val="35000"/>
+            </a:spcAft>
+          </a:pPr>
+          <a:r>
+            <a:rPr lang="en-US" sz="2800" b="1" kern="1200" dirty="0" smtClean="0">
+              <a:solidFill>
+                <a:schemeClr val="accent3"/>
+              </a:solidFill>
+            </a:rPr>
+            <a:t>Concurrent</a:t>
+          </a:r>
+          <a:r>
+            <a:rPr lang="en-US" sz="1800" kern="1200" dirty="0" smtClean="0"/>
+            <a:t/>
+          </a:r>
+          <a:br>
+            <a:rPr lang="en-US" sz="1800" kern="1200" dirty="0" smtClean="0"/>
+          </a:br>
+          <a:r>
+            <a:rPr lang="en-US" sz="1800" kern="1200" dirty="0" smtClean="0">
+              <a:solidFill>
+                <a:schemeClr val="tx2"/>
+              </a:solidFill>
+            </a:rPr>
+            <a:t>Multiple operations happening at the same time (not necessarily in parallel).</a:t>
+          </a:r>
+          <a:endParaRPr lang="en-US" sz="1800" kern="1200" dirty="0">
+            <a:solidFill>
+              <a:schemeClr val="tx2"/>
+            </a:solidFill>
+          </a:endParaRPr>
+        </a:p>
+      </dsp:txBody>
+      <dsp:txXfrm>
+        <a:off x="4981490" y="873810"/>
+        <a:ext cx="2451957" cy="1526915"/>
+      </dsp:txXfrm>
+    </dsp:sp>
+  </dsp:spTree>
+</dsp:drawing>
+</file>
+
+<file path=ppt/diagrams/drawing6.xml><?xml version="1.0" encoding="utf-8"?>
+<dsp:drawing xmlns:dgm="http://schemas.openxmlformats.org/drawingml/2006/diagram" xmlns:dsp="http://schemas.microsoft.com/office/drawing/2008/diagram" xmlns:a="http://schemas.openxmlformats.org/drawingml/2006/main">
+  <dsp:spTree>
+    <dsp:nvGrpSpPr>
+      <dsp:cNvPr id="0" name=""/>
+      <dsp:cNvGrpSpPr/>
+    </dsp:nvGrpSpPr>
+    <dsp:grpSpPr/>
+    <dsp:sp modelId="{9CD17224-26FB-42BD-8E25-5AE899064F4E}">
+      <dsp:nvSpPr>
+        <dsp:cNvPr id="0" name=""/>
+        <dsp:cNvSpPr/>
+      </dsp:nvSpPr>
+      <dsp:spPr>
+        <a:xfrm>
+          <a:off x="3214" y="1155104"/>
+          <a:ext cx="2811065" cy="2811065"/>
+        </a:xfrm>
+        <a:prstGeom prst="ellipse">
+          <a:avLst/>
+        </a:prstGeom>
+        <a:solidFill>
+          <a:schemeClr val="accent2">
+            <a:alpha val="50000"/>
+            <a:hueOff val="0"/>
+            <a:satOff val="0"/>
+            <a:lumOff val="0"/>
+            <a:alphaOff val="0"/>
+          </a:schemeClr>
+        </a:solidFill>
+        <a:ln>
+          <a:noFill/>
+        </a:ln>
+        <a:effectLst/>
+        <a:scene3d>
+          <a:camera prst="orthographicFront">
+            <a:rot lat="0" lon="0" rev="0"/>
+          </a:camera>
+          <a:lightRig rig="contrasting" dir="t">
+            <a:rot lat="0" lon="0" rev="1200000"/>
+          </a:lightRig>
+        </a:scene3d>
+        <a:sp3d contourW="12700" prstMaterial="clear">
+          <a:bevelT w="177800" h="254000"/>
+          <a:bevelB w="152400"/>
+        </a:sp3d>
+      </dsp:spPr>
+      <dsp:style>
+        <a:lnRef idx="0">
+          <a:scrgbClr r="0" g="0" b="0"/>
+        </a:lnRef>
+        <a:fillRef idx="1">
+          <a:scrgbClr r="0" g="0" b="0"/>
+        </a:fillRef>
+        <a:effectRef idx="0">
+          <a:scrgbClr r="0" g="0" b="0"/>
+        </a:effectRef>
+        <a:fontRef idx="minor">
+          <a:schemeClr val="tx1"/>
+        </a:fontRef>
+      </dsp:style>
+      <dsp:txBody>
+        <a:bodyPr spcFirstLastPara="0" vert="horz" wrap="square" lIns="154702" tIns="29210" rIns="154702" bIns="29210" numCol="1" spcCol="1270" anchor="ctr" anchorCtr="0">
+          <a:noAutofit/>
+        </a:bodyPr>
+        <a:lstStyle/>
+        <a:p>
+          <a:pPr lvl="0" algn="ctr" defTabSz="1022350" rtl="0">
+            <a:lnSpc>
+              <a:spcPct val="90000"/>
+            </a:lnSpc>
+            <a:spcBef>
+              <a:spcPct val="0"/>
+            </a:spcBef>
+            <a:spcAft>
+              <a:spcPct val="35000"/>
+            </a:spcAft>
+          </a:pPr>
+          <a:r>
+            <a:rPr lang="en-US" sz="2300" kern="1200" dirty="0" smtClean="0">
+              <a:solidFill>
+                <a:schemeClr val="tx2"/>
+              </a:solidFill>
+            </a:rPr>
+            <a:t>F# agents are contained in-process; they are not distributed.</a:t>
+          </a:r>
+        </a:p>
+      </dsp:txBody>
+      <dsp:txXfrm>
+        <a:off x="414885" y="1566775"/>
+        <a:ext cx="1987723" cy="1987723"/>
+      </dsp:txXfrm>
+    </dsp:sp>
+    <dsp:sp modelId="{2D324642-AFED-4013-B227-A39ABB5D5BAA}">
+      <dsp:nvSpPr>
+        <dsp:cNvPr id="0" name=""/>
+        <dsp:cNvSpPr/>
+      </dsp:nvSpPr>
+      <dsp:spPr>
+        <a:xfrm>
+          <a:off x="2252067" y="1155104"/>
+          <a:ext cx="2811065" cy="2811065"/>
+        </a:xfrm>
+        <a:prstGeom prst="ellipse">
+          <a:avLst/>
+        </a:prstGeom>
+        <a:solidFill>
+          <a:schemeClr val="accent2">
+            <a:alpha val="50000"/>
+            <a:hueOff val="0"/>
+            <a:satOff val="0"/>
+            <a:lumOff val="0"/>
+            <a:alphaOff val="0"/>
+          </a:schemeClr>
+        </a:solidFill>
+        <a:ln>
+          <a:noFill/>
+        </a:ln>
+        <a:effectLst/>
+        <a:scene3d>
+          <a:camera prst="orthographicFront">
+            <a:rot lat="0" lon="0" rev="0"/>
+          </a:camera>
+          <a:lightRig rig="contrasting" dir="t">
+            <a:rot lat="0" lon="0" rev="1200000"/>
+          </a:lightRig>
+        </a:scene3d>
+        <a:sp3d contourW="12700" prstMaterial="clear">
+          <a:bevelT w="177800" h="254000"/>
+          <a:bevelB w="152400"/>
+        </a:sp3d>
+      </dsp:spPr>
+      <dsp:style>
+        <a:lnRef idx="0">
+          <a:scrgbClr r="0" g="0" b="0"/>
+        </a:lnRef>
+        <a:fillRef idx="1">
+          <a:scrgbClr r="0" g="0" b="0"/>
+        </a:fillRef>
+        <a:effectRef idx="0">
+          <a:scrgbClr r="0" g="0" b="0"/>
+        </a:effectRef>
+        <a:fontRef idx="minor">
+          <a:schemeClr val="tx1"/>
+        </a:fontRef>
+      </dsp:style>
+      <dsp:txBody>
+        <a:bodyPr spcFirstLastPara="0" vert="horz" wrap="square" lIns="154702" tIns="29210" rIns="154702" bIns="29210" numCol="1" spcCol="1270" anchor="ctr" anchorCtr="0">
+          <a:noAutofit/>
+        </a:bodyPr>
+        <a:lstStyle/>
+        <a:p>
+          <a:pPr lvl="0" algn="ctr" defTabSz="1022350">
+            <a:lnSpc>
+              <a:spcPct val="90000"/>
+            </a:lnSpc>
+            <a:spcBef>
+              <a:spcPct val="0"/>
+            </a:spcBef>
+            <a:spcAft>
+              <a:spcPct val="35000"/>
+            </a:spcAft>
+          </a:pPr>
+          <a:r>
+            <a:rPr lang="en-US" sz="2300" kern="1200" dirty="0" smtClean="0">
+              <a:solidFill>
+                <a:schemeClr val="tx2"/>
+              </a:solidFill>
+            </a:rPr>
+            <a:t>Lack of support for supervisors.</a:t>
+          </a:r>
+        </a:p>
+      </dsp:txBody>
+      <dsp:txXfrm>
+        <a:off x="2663738" y="1566775"/>
+        <a:ext cx="1987723" cy="1987723"/>
+      </dsp:txXfrm>
+    </dsp:sp>
+    <dsp:sp modelId="{10269018-D26A-4153-BF03-D986974ABBFB}">
+      <dsp:nvSpPr>
+        <dsp:cNvPr id="0" name=""/>
+        <dsp:cNvSpPr/>
+      </dsp:nvSpPr>
+      <dsp:spPr>
+        <a:xfrm>
+          <a:off x="4500919" y="1155104"/>
+          <a:ext cx="2811065" cy="2811065"/>
+        </a:xfrm>
+        <a:prstGeom prst="ellipse">
+          <a:avLst/>
+        </a:prstGeom>
+        <a:solidFill>
+          <a:schemeClr val="accent2">
+            <a:alpha val="50000"/>
+            <a:hueOff val="0"/>
+            <a:satOff val="0"/>
+            <a:lumOff val="0"/>
+            <a:alphaOff val="0"/>
+          </a:schemeClr>
+        </a:solidFill>
+        <a:ln>
+          <a:noFill/>
+        </a:ln>
+        <a:effectLst/>
+        <a:scene3d>
+          <a:camera prst="orthographicFront">
+            <a:rot lat="0" lon="0" rev="0"/>
+          </a:camera>
+          <a:lightRig rig="contrasting" dir="t">
+            <a:rot lat="0" lon="0" rev="1200000"/>
+          </a:lightRig>
+        </a:scene3d>
+        <a:sp3d contourW="12700" prstMaterial="clear">
+          <a:bevelT w="177800" h="254000"/>
+          <a:bevelB w="152400"/>
+        </a:sp3d>
+      </dsp:spPr>
+      <dsp:style>
+        <a:lnRef idx="0">
+          <a:scrgbClr r="0" g="0" b="0"/>
+        </a:lnRef>
+        <a:fillRef idx="1">
+          <a:scrgbClr r="0" g="0" b="0"/>
+        </a:fillRef>
+        <a:effectRef idx="0">
+          <a:scrgbClr r="0" g="0" b="0"/>
+        </a:effectRef>
+        <a:fontRef idx="minor">
+          <a:schemeClr val="tx1"/>
+        </a:fontRef>
+      </dsp:style>
+      <dsp:txBody>
+        <a:bodyPr spcFirstLastPara="0" vert="horz" wrap="square" lIns="154702" tIns="29210" rIns="154702" bIns="29210" numCol="1" spcCol="1270" anchor="ctr" anchorCtr="0">
+          <a:noAutofit/>
+        </a:bodyPr>
+        <a:lstStyle/>
+        <a:p>
+          <a:pPr lvl="0" algn="ctr" defTabSz="1022350">
+            <a:lnSpc>
+              <a:spcPct val="90000"/>
+            </a:lnSpc>
+            <a:spcBef>
+              <a:spcPct val="0"/>
+            </a:spcBef>
+            <a:spcAft>
+              <a:spcPct val="35000"/>
+            </a:spcAft>
+          </a:pPr>
+          <a:r>
+            <a:rPr lang="en-US" sz="2300" kern="1200" dirty="0" smtClean="0">
+              <a:solidFill>
+                <a:schemeClr val="tx2"/>
+              </a:solidFill>
+            </a:rPr>
+            <a:t>No built-in durable mailboxes.</a:t>
+          </a:r>
+        </a:p>
+      </dsp:txBody>
+      <dsp:txXfrm>
+        <a:off x="4912590" y="1566775"/>
+        <a:ext cx="1987723" cy="1987723"/>
+      </dsp:txXfrm>
+    </dsp:sp>
   </dsp:spTree>
 </dsp:drawing>
 </file>
@@ -9330,6 +14368,1232 @@
 </file>
 
 <file path=ppt/diagrams/layout4.xml><?xml version="1.0" encoding="utf-8"?>
+<dgm:layoutDef xmlns:dgm="http://schemas.openxmlformats.org/drawingml/2006/diagram" xmlns:a="http://schemas.openxmlformats.org/drawingml/2006/main" uniqueId="urn:microsoft.com/office/officeart/2005/8/layout/vProcess5">
+  <dgm:title val=""/>
+  <dgm:desc val=""/>
+  <dgm:catLst>
+    <dgm:cat type="process" pri="14000"/>
+  </dgm:catLst>
+  <dgm:sampData>
+    <dgm:dataModel>
+      <dgm:ptLst>
+        <dgm:pt modelId="0" type="doc"/>
+        <dgm:pt modelId="1">
+          <dgm:prSet phldr="1"/>
+        </dgm:pt>
+        <dgm:pt modelId="2">
+          <dgm:prSet phldr="1"/>
+        </dgm:pt>
+        <dgm:pt modelId="3">
+          <dgm:prSet phldr="1"/>
+        </dgm:pt>
+      </dgm:ptLst>
+      <dgm:cxnLst>
+        <dgm:cxn modelId="5" srcId="0" destId="1" srcOrd="0" destOrd="0"/>
+        <dgm:cxn modelId="6" srcId="0" destId="2" srcOrd="1" destOrd="0"/>
+        <dgm:cxn modelId="7" srcId="0" destId="3" srcOrd="2" destOrd="0"/>
+      </dgm:cxnLst>
+      <dgm:bg/>
+      <dgm:whole/>
+    </dgm:dataModel>
+  </dgm:sampData>
+  <dgm:styleData>
+    <dgm:dataModel>
+      <dgm:ptLst>
+        <dgm:pt modelId="0" type="doc"/>
+        <dgm:pt modelId="1"/>
+        <dgm:pt modelId="2"/>
+      </dgm:ptLst>
+      <dgm:cxnLst>
+        <dgm:cxn modelId="3" srcId="0" destId="1" srcOrd="0" destOrd="0"/>
+        <dgm:cxn modelId="4" srcId="0" destId="2" srcOrd="1" destOrd="0"/>
+      </dgm:cxnLst>
+      <dgm:bg/>
+      <dgm:whole/>
+    </dgm:dataModel>
+  </dgm:styleData>
+  <dgm:clrData>
+    <dgm:dataModel>
+      <dgm:ptLst>
+        <dgm:pt modelId="0" type="doc"/>
+        <dgm:pt modelId="1"/>
+        <dgm:pt modelId="2"/>
+        <dgm:pt modelId="3"/>
+        <dgm:pt modelId="4"/>
+      </dgm:ptLst>
+      <dgm:cxnLst>
+        <dgm:cxn modelId="6" srcId="0" destId="1" srcOrd="0" destOrd="0"/>
+        <dgm:cxn modelId="7" srcId="0" destId="2" srcOrd="1" destOrd="0"/>
+        <dgm:cxn modelId="8" srcId="0" destId="3" srcOrd="2" destOrd="0"/>
+        <dgm:cxn modelId="9" srcId="0" destId="4" srcOrd="3" destOrd="0"/>
+      </dgm:cxnLst>
+      <dgm:bg/>
+      <dgm:whole/>
+    </dgm:dataModel>
+  </dgm:clrData>
+  <dgm:layoutNode name="outerComposite">
+    <dgm:varLst>
+      <dgm:chMax val="5"/>
+      <dgm:dir/>
+      <dgm:resizeHandles val="exact"/>
+    </dgm:varLst>
+    <dgm:alg type="composite"/>
+    <dgm:shape xmlns:r="http://schemas.openxmlformats.org/officeDocument/2006/relationships" r:blip="">
+      <dgm:adjLst/>
+    </dgm:shape>
+    <dgm:presOf/>
+    <dgm:choose name="Name0">
+      <dgm:if name="Name1" func="var" arg="dir" op="equ" val="norm">
+        <dgm:constrLst>
+          <dgm:constr type="primFontSz" for="ch" ptType="node" op="equ" val="65"/>
+          <dgm:constr type="w" for="ch" forName="dummyMaxCanvas" refType="w"/>
+          <dgm:constr type="h" for="ch" forName="dummyMaxCanvas" refType="h"/>
+          <dgm:constr type="w" for="ch" forName="OneNode_1" refType="w"/>
+          <dgm:constr type="h" for="ch" forName="OneNode_1" refType="h" fact="0.5"/>
+          <dgm:constr type="ctrY" for="ch" forName="OneNode_1" refType="h" fact="0.5"/>
+          <dgm:constr type="w" for="ch" forName="TwoNodes_1" refType="w" fact="0.85"/>
+          <dgm:constr type="h" for="ch" forName="TwoNodes_1" refType="h" fact="0.45"/>
+          <dgm:constr type="t" for="ch" forName="TwoNodes_1"/>
+          <dgm:constr type="l" for="ch" forName="TwoNodes_1"/>
+          <dgm:constr type="w" for="ch" forName="TwoNodes_2" refType="w" fact="0.85"/>
+          <dgm:constr type="h" for="ch" forName="TwoNodes_2" refType="h" fact="0.45"/>
+          <dgm:constr type="b" for="ch" forName="TwoNodes_2" refType="h"/>
+          <dgm:constr type="r" for="ch" forName="TwoNodes_2" refType="w"/>
+          <dgm:constr type="w" for="ch" forName="TwoConn_1-2" refType="h" refFor="ch" refForName="TwoNodes_1" fact="0.65"/>
+          <dgm:constr type="h" for="ch" forName="TwoConn_1-2" refType="h" refFor="ch" refForName="TwoNodes_1" fact="0.65"/>
+          <dgm:constr type="ctrY" for="ch" forName="TwoConn_1-2" refType="h" fact="0.5"/>
+          <dgm:constr type="r" for="ch" forName="TwoConn_1-2" refType="r" refFor="ch" refForName="TwoNodes_1"/>
+          <dgm:constr type="r" for="ch" forName="TwoNodes_1_text" refType="l" refFor="ch" refForName="TwoConn_1-2"/>
+          <dgm:constr type="rOff" for="ch" forName="TwoNodes_1_text" refType="w" refFor="ch" refForName="TwoConn_1-2" fact="-0.5"/>
+          <dgm:constr type="t" for="ch" forName="TwoNodes_1_text" refType="t" refFor="ch" refForName="TwoNodes_1"/>
+          <dgm:constr type="b" for="ch" forName="TwoNodes_1_text" refType="b" refFor="ch" refForName="TwoNodes_1"/>
+          <dgm:constr type="l" for="ch" forName="TwoNodes_1_text" refType="l" refFor="ch" refForName="TwoNodes_1"/>
+          <dgm:constr type="r" for="ch" forName="TwoNodes_2_text" refType="l" refFor="ch" refForName="TwoConn_1-2"/>
+          <dgm:constr type="t" for="ch" forName="TwoNodes_2_text" refType="t" refFor="ch" refForName="TwoNodes_2"/>
+          <dgm:constr type="b" for="ch" forName="TwoNodes_2_text" refType="b" refFor="ch" refForName="TwoNodes_2"/>
+          <dgm:constr type="l" for="ch" forName="TwoNodes_2_text" refType="l" refFor="ch" refForName="TwoNodes_2"/>
+          <dgm:constr type="w" for="ch" forName="ThreeNodes_1" refType="w" fact="0.85"/>
+          <dgm:constr type="h" for="ch" forName="ThreeNodes_1" refType="h" fact="0.3"/>
+          <dgm:constr type="t" for="ch" forName="ThreeNodes_1"/>
+          <dgm:constr type="l" for="ch" forName="ThreeNodes_1"/>
+          <dgm:constr type="w" for="ch" forName="ThreeNodes_2" refType="w" fact="0.85"/>
+          <dgm:constr type="h" for="ch" forName="ThreeNodes_2" refType="h" fact="0.3"/>
+          <dgm:constr type="ctrY" for="ch" forName="ThreeNodes_2" refType="h" fact="0.5"/>
+          <dgm:constr type="ctrX" for="ch" forName="ThreeNodes_2" refType="w" fact="0.5"/>
+          <dgm:constr type="w" for="ch" forName="ThreeNodes_3" refType="w" fact="0.85"/>
+          <dgm:constr type="h" for="ch" forName="ThreeNodes_3" refType="h" fact="0.3"/>
+          <dgm:constr type="b" for="ch" forName="ThreeNodes_3" refType="h"/>
+          <dgm:constr type="r" for="ch" forName="ThreeNodes_3" refType="w"/>
+          <dgm:constr type="w" for="ch" forName="ThreeConn_1-2" refType="h" refFor="ch" refForName="ThreeNodes_1" fact="0.65"/>
+          <dgm:constr type="h" for="ch" forName="ThreeConn_1-2" refType="h" refFor="ch" refForName="ThreeNodes_1" fact="0.65"/>
+          <dgm:constr type="ctrY" for="ch" forName="ThreeConn_1-2" refType="h" fact="0.325"/>
+          <dgm:constr type="r" for="ch" forName="ThreeConn_1-2" refType="r" refFor="ch" refForName="ThreeNodes_1"/>
+          <dgm:constr type="w" for="ch" forName="ThreeConn_2-3" refType="h" refFor="ch" refForName="ThreeNodes_2" fact="0.65"/>
+          <dgm:constr type="h" for="ch" forName="ThreeConn_2-3" refType="h" refFor="ch" refForName="ThreeNodes_2" fact="0.65"/>
+          <dgm:constr type="ctrY" for="ch" forName="ThreeConn_2-3" refType="h" fact="0.673"/>
+          <dgm:constr type="r" for="ch" forName="ThreeConn_2-3" refType="r" refFor="ch" refForName="ThreeNodes_2"/>
+          <dgm:constr type="r" for="ch" forName="ThreeNodes_1_text" refType="l" refFor="ch" refForName="ThreeConn_1-2"/>
+          <dgm:constr type="rOff" for="ch" forName="ThreeNodes_1_text" refType="w" refFor="ch" refForName="ThreeConn_1-2" fact="-0.57"/>
+          <dgm:constr type="t" for="ch" forName="ThreeNodes_1_text" refType="t" refFor="ch" refForName="ThreeNodes_1"/>
+          <dgm:constr type="b" for="ch" forName="ThreeNodes_1_text" refType="b" refFor="ch" refForName="ThreeNodes_1"/>
+          <dgm:constr type="l" for="ch" forName="ThreeNodes_1_text" refType="l" refFor="ch" refForName="ThreeNodes_1"/>
+          <dgm:constr type="r" for="ch" forName="ThreeNodes_2_text" refType="l" refFor="ch" refForName="ThreeConn_1-2"/>
+          <dgm:constr type="t" for="ch" forName="ThreeNodes_2_text" refType="t" refFor="ch" refForName="ThreeNodes_2"/>
+          <dgm:constr type="b" for="ch" forName="ThreeNodes_2_text" refType="b" refFor="ch" refForName="ThreeNodes_2"/>
+          <dgm:constr type="l" for="ch" forName="ThreeNodes_2_text" refType="l" refFor="ch" refForName="ThreeNodes_2"/>
+          <dgm:constr type="r" for="ch" forName="ThreeNodes_3_text" refType="l" refFor="ch" refForName="ThreeConn_2-3"/>
+          <dgm:constr type="t" for="ch" forName="ThreeNodes_3_text" refType="t" refFor="ch" refForName="ThreeNodes_3"/>
+          <dgm:constr type="b" for="ch" forName="ThreeNodes_3_text" refType="b" refFor="ch" refForName="ThreeNodes_3"/>
+          <dgm:constr type="l" for="ch" forName="ThreeNodes_3_text" refType="l" refFor="ch" refForName="ThreeNodes_3"/>
+          <dgm:constr type="w" for="ch" forName="FourNodes_1" refType="w" fact="0.8"/>
+          <dgm:constr type="h" for="ch" forName="FourNodes_1" refType="h" fact="0.22"/>
+          <dgm:constr type="t" for="ch" forName="FourNodes_1"/>
+          <dgm:constr type="l" for="ch" forName="FourNodes_1"/>
+          <dgm:constr type="w" for="ch" forName="FourNodes_2" refType="w" fact="0.8"/>
+          <dgm:constr type="h" for="ch" forName="FourNodes_2" refType="h" fact="0.22"/>
+          <dgm:constr type="ctrY" for="ch" forName="FourNodes_2" refType="h" fact="0.37"/>
+          <dgm:constr type="ctrX" for="ch" forName="FourNodes_2" refType="w" fact="0.467"/>
+          <dgm:constr type="w" for="ch" forName="FourNodes_3" refType="w" fact="0.8"/>
+          <dgm:constr type="h" for="ch" forName="FourNodes_3" refType="h" fact="0.22"/>
+          <dgm:constr type="ctrY" for="ch" forName="FourNodes_3" refType="h" fact="0.63"/>
+          <dgm:constr type="ctrX" for="ch" forName="FourNodes_3" refType="w" fact="0.533"/>
+          <dgm:constr type="w" for="ch" forName="FourNodes_4" refType="w" fact="0.8"/>
+          <dgm:constr type="h" for="ch" forName="FourNodes_4" refType="h" fact="0.22"/>
+          <dgm:constr type="b" for="ch" forName="FourNodes_4" refType="h"/>
+          <dgm:constr type="r" for="ch" forName="FourNodes_4" refType="w"/>
+          <dgm:constr type="w" for="ch" forName="FourConn_1-2" refType="h" refFor="ch" refForName="FourNodes_1" fact="0.65"/>
+          <dgm:constr type="h" for="ch" forName="FourConn_1-2" refType="h" refFor="ch" refForName="FourNodes_1" fact="0.65"/>
+          <dgm:constr type="ctrY" for="ch" forName="FourConn_1-2" refType="h" fact="0.24"/>
+          <dgm:constr type="r" for="ch" forName="FourConn_1-2" refType="r" refFor="ch" refForName="FourNodes_1"/>
+          <dgm:constr type="w" for="ch" forName="FourConn_2-3" refType="h" refFor="ch" refForName="FourNodes_2" fact="0.65"/>
+          <dgm:constr type="h" for="ch" forName="FourConn_2-3" refType="h" refFor="ch" refForName="FourNodes_2" fact="0.65"/>
+          <dgm:constr type="ctrY" for="ch" forName="FourConn_2-3" refType="h" fact="0.5"/>
+          <dgm:constr type="r" for="ch" forName="FourConn_2-3" refType="r" refFor="ch" refForName="FourNodes_2"/>
+          <dgm:constr type="w" for="ch" forName="FourConn_3-4" refType="h" refFor="ch" refForName="FourNodes_3" fact="0.65"/>
+          <dgm:constr type="h" for="ch" forName="FourConn_3-4" refType="h" refFor="ch" refForName="FourNodes_3" fact="0.65"/>
+          <dgm:constr type="ctrY" for="ch" forName="FourConn_3-4" refType="h" fact="0.76"/>
+          <dgm:constr type="r" for="ch" forName="FourConn_3-4" refType="r" refFor="ch" refForName="FourNodes_3"/>
+          <dgm:constr type="r" for="ch" forName="FourNodes_1_text" refType="l" refFor="ch" refForName="FourConn_1-2"/>
+          <dgm:constr type="rOff" for="ch" forName="FourNodes_1_text" refType="w" refFor="ch" refForName="FourConn_1-2" fact="-0.7"/>
+          <dgm:constr type="t" for="ch" forName="FourNodes_1_text" refType="t" refFor="ch" refForName="FourNodes_1"/>
+          <dgm:constr type="b" for="ch" forName="FourNodes_1_text" refType="b" refFor="ch" refForName="FourNodes_1"/>
+          <dgm:constr type="l" for="ch" forName="FourNodes_1_text" refType="l" refFor="ch" refForName="FourNodes_1"/>
+          <dgm:constr type="r" for="ch" forName="FourNodes_2_text" refType="l" refFor="ch" refForName="FourConn_1-2"/>
+          <dgm:constr type="t" for="ch" forName="FourNodes_2_text" refType="t" refFor="ch" refForName="FourNodes_2"/>
+          <dgm:constr type="b" for="ch" forName="FourNodes_2_text" refType="b" refFor="ch" refForName="FourNodes_2"/>
+          <dgm:constr type="l" for="ch" forName="FourNodes_2_text" refType="l" refFor="ch" refForName="FourNodes_2"/>
+          <dgm:constr type="r" for="ch" forName="FourNodes_3_text" refType="l" refFor="ch" refForName="FourConn_2-3"/>
+          <dgm:constr type="t" for="ch" forName="FourNodes_3_text" refType="t" refFor="ch" refForName="FourNodes_3"/>
+          <dgm:constr type="b" for="ch" forName="FourNodes_3_text" refType="b" refFor="ch" refForName="FourNodes_3"/>
+          <dgm:constr type="l" for="ch" forName="FourNodes_3_text" refType="l" refFor="ch" refForName="FourNodes_3"/>
+          <dgm:constr type="r" for="ch" forName="FourNodes_4_text" refType="l" refFor="ch" refForName="FourConn_3-4"/>
+          <dgm:constr type="t" for="ch" forName="FourNodes_4_text" refType="t" refFor="ch" refForName="FourNodes_4"/>
+          <dgm:constr type="b" for="ch" forName="FourNodes_4_text" refType="b" refFor="ch" refForName="FourNodes_4"/>
+          <dgm:constr type="l" for="ch" forName="FourNodes_4_text" refType="l" refFor="ch" refForName="FourNodes_4"/>
+          <dgm:constr type="w" for="ch" forName="FiveNodes_1" refType="w" fact="0.77"/>
+          <dgm:constr type="h" for="ch" forName="FiveNodes_1" refType="h" fact="0.18"/>
+          <dgm:constr type="t" for="ch" forName="FiveNodes_1"/>
+          <dgm:constr type="l" for="ch" forName="FiveNodes_1"/>
+          <dgm:constr type="w" for="ch" forName="FiveNodes_2" refType="w" fact="0.77"/>
+          <dgm:constr type="h" for="ch" forName="FiveNodes_2" refType="h" fact="0.18"/>
+          <dgm:constr type="ctrY" for="ch" forName="FiveNodes_2" refType="h" fact="0.295"/>
+          <dgm:constr type="ctrX" for="ch" forName="FiveNodes_2" refType="w" fact="0.4425"/>
+          <dgm:constr type="w" for="ch" forName="FiveNodes_3" refType="w" fact="0.77"/>
+          <dgm:constr type="h" for="ch" forName="FiveNodes_3" refType="h" fact="0.18"/>
+          <dgm:constr type="ctrY" for="ch" forName="FiveNodes_3" refType="h" fact="0.5"/>
+          <dgm:constr type="ctrX" for="ch" forName="FiveNodes_3" refType="w" fact="0.5"/>
+          <dgm:constr type="w" for="ch" forName="FiveNodes_4" refType="w" fact="0.77"/>
+          <dgm:constr type="h" for="ch" forName="FiveNodes_4" refType="h" fact="0.18"/>
+          <dgm:constr type="ctrY" for="ch" forName="FiveNodes_4" refType="h" fact="0.705"/>
+          <dgm:constr type="ctrX" for="ch" forName="FiveNodes_4" refType="w" fact="0.5575"/>
+          <dgm:constr type="w" for="ch" forName="FiveNodes_5" refType="w" fact="0.77"/>
+          <dgm:constr type="h" for="ch" forName="FiveNodes_5" refType="h" fact="0.18"/>
+          <dgm:constr type="b" for="ch" forName="FiveNodes_5" refType="h"/>
+          <dgm:constr type="r" for="ch" forName="FiveNodes_5" refType="w"/>
+          <dgm:constr type="w" for="ch" forName="FiveConn_1-2" refType="h" refFor="ch" refForName="FiveNodes_1" fact="0.65"/>
+          <dgm:constr type="h" for="ch" forName="FiveConn_1-2" refType="h" refFor="ch" refForName="FiveNodes_1" fact="0.65"/>
+          <dgm:constr type="ctrY" for="ch" forName="FiveConn_1-2" refType="h" fact="0.19"/>
+          <dgm:constr type="r" for="ch" forName="FiveConn_1-2" refType="r" refFor="ch" refForName="FiveNodes_1"/>
+          <dgm:constr type="w" for="ch" forName="FiveConn_2-3" refType="h" refFor="ch" refForName="FiveNodes_2" fact="0.65"/>
+          <dgm:constr type="h" for="ch" forName="FiveConn_2-3" refType="h" refFor="ch" refForName="FiveNodes_2" fact="0.65"/>
+          <dgm:constr type="ctrY" for="ch" forName="FiveConn_2-3" refType="h" fact="0.395"/>
+          <dgm:constr type="r" for="ch" forName="FiveConn_2-3" refType="r" refFor="ch" refForName="FiveNodes_2"/>
+          <dgm:constr type="w" for="ch" forName="FiveConn_3-4" refType="h" refFor="ch" refForName="FiveNodes_3" fact="0.65"/>
+          <dgm:constr type="h" for="ch" forName="FiveConn_3-4" refType="h" refFor="ch" refForName="FiveNodes_3" fact="0.65"/>
+          <dgm:constr type="ctrY" for="ch" forName="FiveConn_3-4" refType="h" fact="0.597"/>
+          <dgm:constr type="r" for="ch" forName="FiveConn_3-4" refType="r" refFor="ch" refForName="FiveNodes_3"/>
+          <dgm:constr type="w" for="ch" forName="FiveConn_4-5" refType="h" refFor="ch" refForName="FiveNodes_4" fact="0.65"/>
+          <dgm:constr type="h" for="ch" forName="FiveConn_4-5" refType="h" refFor="ch" refForName="FiveNodes_4" fact="0.65"/>
+          <dgm:constr type="ctrY" for="ch" forName="FiveConn_4-5" refType="h" fact="0.804"/>
+          <dgm:constr type="r" for="ch" forName="FiveConn_4-5" refType="r" refFor="ch" refForName="FiveNodes_4"/>
+          <dgm:constr type="r" for="ch" forName="FiveNodes_1_text" refType="l" refFor="ch" refForName="FiveConn_1-2"/>
+          <dgm:constr type="rOff" for="ch" forName="FiveNodes_1_text" refType="w" refFor="ch" refForName="FiveConn_1-2" fact="-0.75"/>
+          <dgm:constr type="t" for="ch" forName="FiveNodes_1_text" refType="t" refFor="ch" refForName="FiveNodes_1"/>
+          <dgm:constr type="b" for="ch" forName="FiveNodes_1_text" refType="b" refFor="ch" refForName="FiveNodes_1"/>
+          <dgm:constr type="l" for="ch" forName="FiveNodes_1_text" refType="l" refFor="ch" refForName="FiveNodes_1"/>
+          <dgm:constr type="r" for="ch" forName="FiveNodes_2_text" refType="l" refFor="ch" refForName="FiveConn_1-2"/>
+          <dgm:constr type="t" for="ch" forName="FiveNodes_2_text" refType="t" refFor="ch" refForName="FiveNodes_2"/>
+          <dgm:constr type="b" for="ch" forName="FiveNodes_2_text" refType="b" refFor="ch" refForName="FiveNodes_2"/>
+          <dgm:constr type="l" for="ch" forName="FiveNodes_2_text" refType="l" refFor="ch" refForName="FiveNodes_2"/>
+          <dgm:constr type="r" for="ch" forName="FiveNodes_3_text" refType="l" refFor="ch" refForName="FiveConn_2-3"/>
+          <dgm:constr type="t" for="ch" forName="FiveNodes_3_text" refType="t" refFor="ch" refForName="FiveNodes_3"/>
+          <dgm:constr type="b" for="ch" forName="FiveNodes_3_text" refType="b" refFor="ch" refForName="FiveNodes_3"/>
+          <dgm:constr type="l" for="ch" forName="FiveNodes_3_text" refType="l" refFor="ch" refForName="FiveNodes_3"/>
+          <dgm:constr type="r" for="ch" forName="FiveNodes_4_text" refType="l" refFor="ch" refForName="FiveConn_3-4"/>
+          <dgm:constr type="t" for="ch" forName="FiveNodes_4_text" refType="t" refFor="ch" refForName="FiveNodes_4"/>
+          <dgm:constr type="b" for="ch" forName="FiveNodes_4_text" refType="b" refFor="ch" refForName="FiveNodes_4"/>
+          <dgm:constr type="l" for="ch" forName="FiveNodes_4_text" refType="l" refFor="ch" refForName="FiveNodes_4"/>
+          <dgm:constr type="r" for="ch" forName="FiveNodes_5_text" refType="l" refFor="ch" refForName="FiveConn_4-5"/>
+          <dgm:constr type="t" for="ch" forName="FiveNodes_5_text" refType="t" refFor="ch" refForName="FiveNodes_5"/>
+          <dgm:constr type="b" for="ch" forName="FiveNodes_5_text" refType="b" refFor="ch" refForName="FiveNodes_5"/>
+          <dgm:constr type="l" for="ch" forName="FiveNodes_5_text" refType="l" refFor="ch" refForName="FiveNodes_5"/>
+        </dgm:constrLst>
+      </dgm:if>
+      <dgm:else name="Name2">
+        <dgm:constrLst>
+          <dgm:constr type="primFontSz" for="ch" ptType="node" op="equ" val="65"/>
+          <dgm:constr type="w" for="ch" forName="dummyMaxCanvas" refType="w"/>
+          <dgm:constr type="h" for="ch" forName="dummyMaxCanvas" refType="h"/>
+          <dgm:constr type="w" for="ch" forName="OneNode_1" refType="w"/>
+          <dgm:constr type="h" for="ch" forName="OneNode_1" refType="h" fact="0.5"/>
+          <dgm:constr type="ctrY" for="ch" forName="OneNode_1" refType="h" fact="0.5"/>
+          <dgm:constr type="w" for="ch" forName="TwoNodes_1" refType="w" fact="0.85"/>
+          <dgm:constr type="h" for="ch" forName="TwoNodes_1" refType="h" fact="0.45"/>
+          <dgm:constr type="t" for="ch" forName="TwoNodes_1"/>
+          <dgm:constr type="r" for="ch" forName="TwoNodes_1" refType="w"/>
+          <dgm:constr type="w" for="ch" forName="TwoNodes_2" refType="w" fact="0.85"/>
+          <dgm:constr type="h" for="ch" forName="TwoNodes_2" refType="h" fact="0.45"/>
+          <dgm:constr type="b" for="ch" forName="TwoNodes_2" refType="h"/>
+          <dgm:constr type="l" for="ch" forName="TwoNodes_2"/>
+          <dgm:constr type="w" for="ch" forName="TwoConn_1-2" refType="h" refFor="ch" refForName="TwoNodes_1" fact="0.65"/>
+          <dgm:constr type="h" for="ch" forName="TwoConn_1-2" refType="h" refFor="ch" refForName="TwoNodes_1" fact="0.65"/>
+          <dgm:constr type="ctrY" for="ch" forName="TwoConn_1-2" refType="h" fact="0.5"/>
+          <dgm:constr type="l" for="ch" forName="TwoConn_1-2" refType="l" refFor="ch" refForName="TwoNodes_1"/>
+          <dgm:constr type="l" for="ch" forName="TwoNodes_1_text" refType="r" refFor="ch" refForName="TwoConn_1-2"/>
+          <dgm:constr type="lOff" for="ch" forName="TwoNodes_1_text" refType="w" refFor="ch" refForName="TwoConn_1-2" fact="0.5"/>
+          <dgm:constr type="t" for="ch" forName="TwoNodes_1_text" refType="t" refFor="ch" refForName="TwoNodes_1"/>
+          <dgm:constr type="b" for="ch" forName="TwoNodes_1_text" refType="b" refFor="ch" refForName="TwoNodes_1"/>
+          <dgm:constr type="r" for="ch" forName="TwoNodes_1_text" refType="r" refFor="ch" refForName="TwoNodes_1"/>
+          <dgm:constr type="l" for="ch" forName="TwoNodes_2_text" refType="r" refFor="ch" refForName="TwoConn_1-2"/>
+          <dgm:constr type="t" for="ch" forName="TwoNodes_2_text" refType="t" refFor="ch" refForName="TwoNodes_2"/>
+          <dgm:constr type="b" for="ch" forName="TwoNodes_2_text" refType="b" refFor="ch" refForName="TwoNodes_2"/>
+          <dgm:constr type="r" for="ch" forName="TwoNodes_2_text" refType="r" refFor="ch" refForName="TwoNodes_2"/>
+          <dgm:constr type="w" for="ch" forName="ThreeNodes_1" refType="w" fact="0.85"/>
+          <dgm:constr type="h" for="ch" forName="ThreeNodes_1" refType="h" fact="0.3"/>
+          <dgm:constr type="t" for="ch" forName="ThreeNodes_1"/>
+          <dgm:constr type="r" for="ch" forName="ThreeNodes_1" refType="w"/>
+          <dgm:constr type="w" for="ch" forName="ThreeNodes_2" refType="w" fact="0.85"/>
+          <dgm:constr type="h" for="ch" forName="ThreeNodes_2" refType="h" fact="0.3"/>
+          <dgm:constr type="ctrY" for="ch" forName="ThreeNodes_2" refType="h" fact="0.5"/>
+          <dgm:constr type="ctrX" for="ch" forName="ThreeNodes_2" refType="w" fact="0.5"/>
+          <dgm:constr type="w" for="ch" forName="ThreeNodes_3" refType="w" fact="0.85"/>
+          <dgm:constr type="h" for="ch" forName="ThreeNodes_3" refType="h" fact="0.3"/>
+          <dgm:constr type="b" for="ch" forName="ThreeNodes_3" refType="h"/>
+          <dgm:constr type="l" for="ch" forName="ThreeNodes_3"/>
+          <dgm:constr type="w" for="ch" forName="ThreeConn_1-2" refType="h" refFor="ch" refForName="ThreeNodes_1" fact="0.65"/>
+          <dgm:constr type="h" for="ch" forName="ThreeConn_1-2" refType="h" refFor="ch" refForName="ThreeNodes_1" fact="0.65"/>
+          <dgm:constr type="ctrY" for="ch" forName="ThreeConn_1-2" refType="h" fact="0.325"/>
+          <dgm:constr type="l" for="ch" forName="ThreeConn_1-2" refType="l" refFor="ch" refForName="ThreeNodes_1"/>
+          <dgm:constr type="w" for="ch" forName="ThreeConn_2-3" refType="h" refFor="ch" refForName="ThreeNodes_2" fact="0.65"/>
+          <dgm:constr type="h" for="ch" forName="ThreeConn_2-3" refType="h" refFor="ch" refForName="ThreeNodes_2" fact="0.65"/>
+          <dgm:constr type="ctrY" for="ch" forName="ThreeConn_2-3" refType="h" fact="0.673"/>
+          <dgm:constr type="l" for="ch" forName="ThreeConn_2-3" refType="l" refFor="ch" refForName="ThreeNodes_2"/>
+          <dgm:constr type="l" for="ch" forName="ThreeNodes_1_text" refType="r" refFor="ch" refForName="ThreeConn_1-2"/>
+          <dgm:constr type="lOff" for="ch" forName="ThreeNodes_1_text" refType="w" refFor="ch" refForName="ThreeConn_1-2" fact="0.55"/>
+          <dgm:constr type="t" for="ch" forName="ThreeNodes_1_text" refType="t" refFor="ch" refForName="ThreeNodes_1"/>
+          <dgm:constr type="b" for="ch" forName="ThreeNodes_1_text" refType="b" refFor="ch" refForName="ThreeNodes_1"/>
+          <dgm:constr type="r" for="ch" forName="ThreeNodes_1_text" refType="r" refFor="ch" refForName="ThreeNodes_1"/>
+          <dgm:constr type="l" for="ch" forName="ThreeNodes_2_text" refType="r" refFor="ch" refForName="ThreeConn_1-2"/>
+          <dgm:constr type="t" for="ch" forName="ThreeNodes_2_text" refType="t" refFor="ch" refForName="ThreeNodes_2"/>
+          <dgm:constr type="b" for="ch" forName="ThreeNodes_2_text" refType="b" refFor="ch" refForName="ThreeNodes_2"/>
+          <dgm:constr type="r" for="ch" forName="ThreeNodes_2_text" refType="r" refFor="ch" refForName="ThreeNodes_2"/>
+          <dgm:constr type="l" for="ch" forName="ThreeNodes_3_text" refType="r" refFor="ch" refForName="ThreeConn_2-3"/>
+          <dgm:constr type="t" for="ch" forName="ThreeNodes_3_text" refType="t" refFor="ch" refForName="ThreeNodes_3"/>
+          <dgm:constr type="b" for="ch" forName="ThreeNodes_3_text" refType="b" refFor="ch" refForName="ThreeNodes_3"/>
+          <dgm:constr type="r" for="ch" forName="ThreeNodes_3_text" refType="r" refFor="ch" refForName="ThreeNodes_3"/>
+          <dgm:constr type="w" for="ch" forName="FourNodes_1" refType="w" fact="0.8"/>
+          <dgm:constr type="h" for="ch" forName="FourNodes_1" refType="h" fact="0.22"/>
+          <dgm:constr type="t" for="ch" forName="FourNodes_1"/>
+          <dgm:constr type="r" for="ch" forName="FourNodes_1" refType="w"/>
+          <dgm:constr type="w" for="ch" forName="FourNodes_2" refType="w" fact="0.8"/>
+          <dgm:constr type="h" for="ch" forName="FourNodes_2" refType="h" fact="0.22"/>
+          <dgm:constr type="ctrY" for="ch" forName="FourNodes_2" refType="h" fact="0.37"/>
+          <dgm:constr type="ctrX" for="ch" forName="FourNodes_2" refType="w" fact="0.533"/>
+          <dgm:constr type="w" for="ch" forName="FourNodes_3" refType="w" fact="0.8"/>
+          <dgm:constr type="h" for="ch" forName="FourNodes_3" refType="h" fact="0.22"/>
+          <dgm:constr type="ctrY" for="ch" forName="FourNodes_3" refType="h" fact="0.63"/>
+          <dgm:constr type="ctrX" for="ch" forName="FourNodes_3" refType="w" fact="0.467"/>
+          <dgm:constr type="w" for="ch" forName="FourNodes_4" refType="w" fact="0.8"/>
+          <dgm:constr type="h" for="ch" forName="FourNodes_4" refType="h" fact="0.22"/>
+          <dgm:constr type="b" for="ch" forName="FourNodes_4" refType="h"/>
+          <dgm:constr type="l" for="ch" forName="FourNodes_4"/>
+          <dgm:constr type="w" for="ch" forName="FourConn_1-2" refType="h" refFor="ch" refForName="FourNodes_1" fact="0.65"/>
+          <dgm:constr type="h" for="ch" forName="FourConn_1-2" refType="h" refFor="ch" refForName="FourNodes_1" fact="0.65"/>
+          <dgm:constr type="ctrY" for="ch" forName="FourConn_1-2" refType="h" fact="0.24"/>
+          <dgm:constr type="l" for="ch" forName="FourConn_1-2" refType="l" refFor="ch" refForName="FourNodes_1"/>
+          <dgm:constr type="w" for="ch" forName="FourConn_2-3" refType="h" refFor="ch" refForName="FourNodes_2" fact="0.65"/>
+          <dgm:constr type="h" for="ch" forName="FourConn_2-3" refType="h" refFor="ch" refForName="FourNodes_2" fact="0.65"/>
+          <dgm:constr type="ctrY" for="ch" forName="FourConn_2-3" refType="h" fact="0.5"/>
+          <dgm:constr type="l" for="ch" forName="FourConn_2-3" refType="l" refFor="ch" refForName="FourNodes_2"/>
+          <dgm:constr type="w" for="ch" forName="FourConn_3-4" refType="h" refFor="ch" refForName="FourNodes_3" fact="0.65"/>
+          <dgm:constr type="h" for="ch" forName="FourConn_3-4" refType="h" refFor="ch" refForName="FourNodes_3" fact="0.65"/>
+          <dgm:constr type="ctrY" for="ch" forName="FourConn_3-4" refType="h" fact="0.76"/>
+          <dgm:constr type="l" for="ch" forName="FourConn_3-4" refType="l" refFor="ch" refForName="FourNodes_3"/>
+          <dgm:constr type="l" for="ch" forName="FourNodes_1_text" refType="r" refFor="ch" refForName="FourConn_1-2"/>
+          <dgm:constr type="lOff" for="ch" forName="FourNodes_1_text" refType="w" refFor="ch" refForName="FourConn_1-2" fact="0.69"/>
+          <dgm:constr type="t" for="ch" forName="FourNodes_1_text" refType="t" refFor="ch" refForName="FourNodes_1"/>
+          <dgm:constr type="b" for="ch" forName="FourNodes_1_text" refType="b" refFor="ch" refForName="FourNodes_1"/>
+          <dgm:constr type="r" for="ch" forName="FourNodes_1_text" refType="r" refFor="ch" refForName="FourNodes_1"/>
+          <dgm:constr type="l" for="ch" forName="FourNodes_2_text" refType="r" refFor="ch" refForName="FourConn_1-2"/>
+          <dgm:constr type="t" for="ch" forName="FourNodes_2_text" refType="t" refFor="ch" refForName="FourNodes_2"/>
+          <dgm:constr type="b" for="ch" forName="FourNodes_2_text" refType="b" refFor="ch" refForName="FourNodes_2"/>
+          <dgm:constr type="r" for="ch" forName="FourNodes_2_text" refType="r" refFor="ch" refForName="FourNodes_2"/>
+          <dgm:constr type="l" for="ch" forName="FourNodes_3_text" refType="r" refFor="ch" refForName="FourConn_2-3"/>
+          <dgm:constr type="t" for="ch" forName="FourNodes_3_text" refType="t" refFor="ch" refForName="FourNodes_3"/>
+          <dgm:constr type="b" for="ch" forName="FourNodes_3_text" refType="b" refFor="ch" refForName="FourNodes_3"/>
+          <dgm:constr type="r" for="ch" forName="FourNodes_3_text" refType="r" refFor="ch" refForName="FourNodes_3"/>
+          <dgm:constr type="l" for="ch" forName="FourNodes_4_text" refType="r" refFor="ch" refForName="FourConn_3-4"/>
+          <dgm:constr type="t" for="ch" forName="FourNodes_4_text" refType="t" refFor="ch" refForName="FourNodes_4"/>
+          <dgm:constr type="b" for="ch" forName="FourNodes_4_text" refType="b" refFor="ch" refForName="FourNodes_4"/>
+          <dgm:constr type="r" for="ch" forName="FourNodes_4_text" refType="r" refFor="ch" refForName="FourNodes_4"/>
+          <dgm:constr type="w" for="ch" forName="FiveNodes_1" refType="w" fact="0.77"/>
+          <dgm:constr type="h" for="ch" forName="FiveNodes_1" refType="h" fact="0.18"/>
+          <dgm:constr type="t" for="ch" forName="FiveNodes_1"/>
+          <dgm:constr type="r" for="ch" forName="FiveNodes_1" refType="w"/>
+          <dgm:constr type="w" for="ch" forName="FiveNodes_2" refType="w" fact="0.77"/>
+          <dgm:constr type="h" for="ch" forName="FiveNodes_2" refType="h" fact="0.18"/>
+          <dgm:constr type="ctrY" for="ch" forName="FiveNodes_2" refType="h" fact="0.295"/>
+          <dgm:constr type="ctrX" for="ch" forName="FiveNodes_2" refType="w" fact="0.5575"/>
+          <dgm:constr type="w" for="ch" forName="FiveNodes_3" refType="w" fact="0.77"/>
+          <dgm:constr type="h" for="ch" forName="FiveNodes_3" refType="h" fact="0.18"/>
+          <dgm:constr type="ctrY" for="ch" forName="FiveNodes_3" refType="h" fact="0.5"/>
+          <dgm:constr type="ctrX" for="ch" forName="FiveNodes_3" refType="w" fact="0.5"/>
+          <dgm:constr type="w" for="ch" forName="FiveNodes_4" refType="w" fact="0.77"/>
+          <dgm:constr type="h" for="ch" forName="FiveNodes_4" refType="h" fact="0.18"/>
+          <dgm:constr type="ctrY" for="ch" forName="FiveNodes_4" refType="h" fact="0.705"/>
+          <dgm:constr type="ctrX" for="ch" forName="FiveNodes_4" refType="w" fact="0.4425"/>
+          <dgm:constr type="w" for="ch" forName="FiveNodes_5" refType="w" fact="0.77"/>
+          <dgm:constr type="h" for="ch" forName="FiveNodes_5" refType="h" fact="0.18"/>
+          <dgm:constr type="b" for="ch" forName="FiveNodes_5" refType="h"/>
+          <dgm:constr type="l" for="ch" forName="FiveNodes_5"/>
+          <dgm:constr type="w" for="ch" forName="FiveConn_1-2" refType="h" refFor="ch" refForName="FiveNodes_1" fact="0.65"/>
+          <dgm:constr type="h" for="ch" forName="FiveConn_1-2" refType="h" refFor="ch" refForName="FiveNodes_1" fact="0.65"/>
+          <dgm:constr type="ctrY" for="ch" forName="FiveConn_1-2" refType="h" fact="0.19"/>
+          <dgm:constr type="l" for="ch" forName="FiveConn_1-2" refType="l" refFor="ch" refForName="FiveNodes_1"/>
+          <dgm:constr type="w" for="ch" forName="FiveConn_2-3" refType="h" refFor="ch" refForName="FiveNodes_2" fact="0.65"/>
+          <dgm:constr type="h" for="ch" forName="FiveConn_2-3" refType="h" refFor="ch" refForName="FiveNodes_2" fact="0.65"/>
+          <dgm:constr type="ctrY" for="ch" forName="FiveConn_2-3" refType="h" fact="0.395"/>
+          <dgm:constr type="l" for="ch" forName="FiveConn_2-3" refType="l" refFor="ch" refForName="FiveNodes_2"/>
+          <dgm:constr type="w" for="ch" forName="FiveConn_3-4" refType="h" refFor="ch" refForName="FiveNodes_3" fact="0.65"/>
+          <dgm:constr type="h" for="ch" forName="FiveConn_3-4" refType="h" refFor="ch" refForName="FiveNodes_3" fact="0.65"/>
+          <dgm:constr type="ctrY" for="ch" forName="FiveConn_3-4" refType="h" fact="0.597"/>
+          <dgm:constr type="l" for="ch" forName="FiveConn_3-4" refType="l" refFor="ch" refForName="FiveNodes_3"/>
+          <dgm:constr type="w" for="ch" forName="FiveConn_4-5" refType="h" refFor="ch" refForName="FiveNodes_4" fact="0.65"/>
+          <dgm:constr type="h" for="ch" forName="FiveConn_4-5" refType="h" refFor="ch" refForName="FiveNodes_4" fact="0.65"/>
+          <dgm:constr type="ctrY" for="ch" forName="FiveConn_4-5" refType="h" fact="0.804"/>
+          <dgm:constr type="l" for="ch" forName="FiveConn_4-5" refType="l" refFor="ch" refForName="FiveNodes_4"/>
+          <dgm:constr type="l" for="ch" forName="FiveNodes_1_text" refType="r" refFor="ch" refForName="FiveConn_1-2"/>
+          <dgm:constr type="lOff" for="ch" forName="FiveNodes_1_text" refType="w" refFor="ch" refForName="FiveConn_1-2" fact="0.73"/>
+          <dgm:constr type="t" for="ch" forName="FiveNodes_1_text" refType="t" refFor="ch" refForName="FiveNodes_1"/>
+          <dgm:constr type="b" for="ch" forName="FiveNodes_1_text" refType="b" refFor="ch" refForName="FiveNodes_1"/>
+          <dgm:constr type="r" for="ch" forName="FiveNodes_1_text" refType="r" refFor="ch" refForName="FiveNodes_1"/>
+          <dgm:constr type="l" for="ch" forName="FiveNodes_2_text" refType="r" refFor="ch" refForName="FiveConn_1-2"/>
+          <dgm:constr type="t" for="ch" forName="FiveNodes_2_text" refType="t" refFor="ch" refForName="FiveNodes_2"/>
+          <dgm:constr type="b" for="ch" forName="FiveNodes_2_text" refType="b" refFor="ch" refForName="FiveNodes_2"/>
+          <dgm:constr type="r" for="ch" forName="FiveNodes_2_text" refType="r" refFor="ch" refForName="FiveNodes_2"/>
+          <dgm:constr type="l" for="ch" forName="FiveNodes_3_text" refType="r" refFor="ch" refForName="FiveConn_2-3"/>
+          <dgm:constr type="t" for="ch" forName="FiveNodes_3_text" refType="t" refFor="ch" refForName="FiveNodes_3"/>
+          <dgm:constr type="b" for="ch" forName="FiveNodes_3_text" refType="b" refFor="ch" refForName="FiveNodes_3"/>
+          <dgm:constr type="r" for="ch" forName="FiveNodes_3_text" refType="r" refFor="ch" refForName="FiveNodes_3"/>
+          <dgm:constr type="l" for="ch" forName="FiveNodes_4_text" refType="r" refFor="ch" refForName="FiveConn_3-4"/>
+          <dgm:constr type="t" for="ch" forName="FiveNodes_4_text" refType="t" refFor="ch" refForName="FiveNodes_4"/>
+          <dgm:constr type="b" for="ch" forName="FiveNodes_4_text" refType="b" refFor="ch" refForName="FiveNodes_4"/>
+          <dgm:constr type="r" for="ch" forName="FiveNodes_4_text" refType="r" refFor="ch" refForName="FiveNodes_4"/>
+          <dgm:constr type="l" for="ch" forName="FiveNodes_5_text" refType="r" refFor="ch" refForName="FiveConn_4-5"/>
+          <dgm:constr type="t" for="ch" forName="FiveNodes_5_text" refType="t" refFor="ch" refForName="FiveNodes_5"/>
+          <dgm:constr type="b" for="ch" forName="FiveNodes_5_text" refType="b" refFor="ch" refForName="FiveNodes_5"/>
+          <dgm:constr type="r" for="ch" forName="FiveNodes_5_text" refType="r" refFor="ch" refForName="FiveNodes_5"/>
+        </dgm:constrLst>
+      </dgm:else>
+    </dgm:choose>
+    <dgm:ruleLst/>
+    <dgm:layoutNode name="dummyMaxCanvas">
+      <dgm:varLst/>
+      <dgm:alg type="sp"/>
+      <dgm:shape xmlns:r="http://schemas.openxmlformats.org/officeDocument/2006/relationships" r:blip="">
+        <dgm:adjLst/>
+      </dgm:shape>
+      <dgm:presOf/>
+      <dgm:constrLst/>
+      <dgm:ruleLst/>
+    </dgm:layoutNode>
+    <dgm:choose name="Name3">
+      <dgm:if name="Name4" axis="ch" ptType="node" func="cnt" op="equ" val="1">
+        <dgm:layoutNode name="OneNode_1">
+          <dgm:varLst>
+            <dgm:bulletEnabled val="1"/>
+          </dgm:varLst>
+          <dgm:alg type="tx"/>
+          <dgm:shape xmlns:r="http://schemas.openxmlformats.org/officeDocument/2006/relationships" type="roundRect" r:blip="">
+            <dgm:adjLst>
+              <dgm:adj idx="1" val="0.1"/>
+            </dgm:adjLst>
+          </dgm:shape>
+          <dgm:presOf axis="ch desOrSelf" ptType="node node" st="1 1" cnt="1 0"/>
+          <dgm:constrLst>
+            <dgm:constr type="lMarg" refType="primFontSz" fact="0.3"/>
+            <dgm:constr type="rMarg" refType="primFontSz" fact="0.3"/>
+            <dgm:constr type="tMarg" refType="primFontSz" fact="0.3"/>
+            <dgm:constr type="bMarg" refType="primFontSz" fact="0.3"/>
+          </dgm:constrLst>
+          <dgm:ruleLst>
+            <dgm:rule type="primFontSz" val="5" fact="NaN" max="NaN"/>
+          </dgm:ruleLst>
+        </dgm:layoutNode>
+      </dgm:if>
+      <dgm:else name="Name5">
+        <dgm:choose name="Name6">
+          <dgm:if name="Name7" axis="ch" ptType="node" func="cnt" op="equ" val="2">
+            <dgm:layoutNode name="TwoNodes_1">
+              <dgm:varLst>
+                <dgm:bulletEnabled val="1"/>
+              </dgm:varLst>
+              <dgm:alg type="sp"/>
+              <dgm:shape xmlns:r="http://schemas.openxmlformats.org/officeDocument/2006/relationships" type="roundRect" r:blip="">
+                <dgm:adjLst>
+                  <dgm:adj idx="1" val="0.1"/>
+                </dgm:adjLst>
+              </dgm:shape>
+              <dgm:presOf axis="ch desOrSelf" ptType="node node" st="1 1" cnt="1 0"/>
+              <dgm:constrLst/>
+              <dgm:ruleLst/>
+            </dgm:layoutNode>
+            <dgm:layoutNode name="TwoNodes_2">
+              <dgm:varLst>
+                <dgm:bulletEnabled val="1"/>
+              </dgm:varLst>
+              <dgm:alg type="sp"/>
+              <dgm:shape xmlns:r="http://schemas.openxmlformats.org/officeDocument/2006/relationships" type="roundRect" r:blip="">
+                <dgm:adjLst>
+                  <dgm:adj idx="1" val="0.1"/>
+                </dgm:adjLst>
+              </dgm:shape>
+              <dgm:presOf axis="ch desOrSelf" ptType="node node" st="2 1" cnt="1 0"/>
+              <dgm:constrLst/>
+              <dgm:ruleLst/>
+            </dgm:layoutNode>
+            <dgm:layoutNode name="TwoConn_1-2" styleLbl="fgAccFollowNode1">
+              <dgm:varLst>
+                <dgm:bulletEnabled val="1"/>
+              </dgm:varLst>
+              <dgm:alg type="tx"/>
+              <dgm:shape xmlns:r="http://schemas.openxmlformats.org/officeDocument/2006/relationships" type="downArrow" r:blip="">
+                <dgm:adjLst>
+                  <dgm:adj idx="1" val="0.55"/>
+                  <dgm:adj idx="2" val="0.45"/>
+                </dgm:adjLst>
+              </dgm:shape>
+              <dgm:presOf axis="ch" ptType="sibTrans" cnt="1"/>
+              <dgm:constrLst>
+                <dgm:constr type="lMarg" refType="primFontSz" fact="0.1"/>
+                <dgm:constr type="rMarg" refType="primFontSz" fact="0.1"/>
+                <dgm:constr type="tMarg" refType="primFontSz" fact="0.1"/>
+                <dgm:constr type="bMarg" refType="primFontSz" fact="0.1"/>
+              </dgm:constrLst>
+              <dgm:ruleLst>
+                <dgm:rule type="primFontSz" val="5" fact="NaN" max="NaN"/>
+              </dgm:ruleLst>
+            </dgm:layoutNode>
+            <dgm:layoutNode name="TwoNodes_1_text">
+              <dgm:varLst>
+                <dgm:bulletEnabled val="1"/>
+              </dgm:varLst>
+              <dgm:alg type="tx">
+                <dgm:param type="parTxLTRAlign" val="l"/>
+                <dgm:param type="txAnchorVertCh" val="mid"/>
+              </dgm:alg>
+              <dgm:shape xmlns:r="http://schemas.openxmlformats.org/officeDocument/2006/relationships" type="roundRect" r:blip="" hideGeom="1">
+                <dgm:adjLst>
+                  <dgm:adj idx="1" val="0.1"/>
+                </dgm:adjLst>
+              </dgm:shape>
+              <dgm:presOf axis="ch desOrSelf" ptType="node node" st="1 1" cnt="1 0"/>
+              <dgm:constrLst>
+                <dgm:constr type="lMarg" refType="primFontSz" fact="0.3"/>
+                <dgm:constr type="rMarg" refType="primFontSz" fact="0.3"/>
+                <dgm:constr type="tMarg" refType="primFontSz" fact="0.3"/>
+                <dgm:constr type="bMarg" refType="primFontSz" fact="0.3"/>
+              </dgm:constrLst>
+              <dgm:ruleLst>
+                <dgm:rule type="primFontSz" val="5" fact="NaN" max="NaN"/>
+              </dgm:ruleLst>
+            </dgm:layoutNode>
+            <dgm:layoutNode name="TwoNodes_2_text">
+              <dgm:varLst>
+                <dgm:bulletEnabled val="1"/>
+              </dgm:varLst>
+              <dgm:alg type="tx">
+                <dgm:param type="parTxLTRAlign" val="l"/>
+                <dgm:param type="txAnchorVertCh" val="mid"/>
+              </dgm:alg>
+              <dgm:shape xmlns:r="http://schemas.openxmlformats.org/officeDocument/2006/relationships" type="roundRect" r:blip="" hideGeom="1">
+                <dgm:adjLst>
+                  <dgm:adj idx="1" val="0.1"/>
+                </dgm:adjLst>
+              </dgm:shape>
+              <dgm:presOf axis="ch desOrSelf" ptType="node node" st="2 1" cnt="1 0"/>
+              <dgm:constrLst>
+                <dgm:constr type="lMarg" refType="primFontSz" fact="0.3"/>
+                <dgm:constr type="rMarg" refType="primFontSz" fact="0.3"/>
+                <dgm:constr type="tMarg" refType="primFontSz" fact="0.3"/>
+                <dgm:constr type="bMarg" refType="primFontSz" fact="0.3"/>
+              </dgm:constrLst>
+              <dgm:ruleLst>
+                <dgm:rule type="primFontSz" val="5" fact="NaN" max="NaN"/>
+              </dgm:ruleLst>
+            </dgm:layoutNode>
+          </dgm:if>
+          <dgm:else name="Name8">
+            <dgm:choose name="Name9">
+              <dgm:if name="Name10" axis="ch" ptType="node" func="cnt" op="equ" val="3">
+                <dgm:layoutNode name="ThreeNodes_1">
+                  <dgm:varLst>
+                    <dgm:bulletEnabled val="1"/>
+                  </dgm:varLst>
+                  <dgm:alg type="sp"/>
+                  <dgm:shape xmlns:r="http://schemas.openxmlformats.org/officeDocument/2006/relationships" type="roundRect" r:blip="">
+                    <dgm:adjLst>
+                      <dgm:adj idx="1" val="0.1"/>
+                    </dgm:adjLst>
+                  </dgm:shape>
+                  <dgm:presOf axis="ch desOrSelf" ptType="node node" st="1 1" cnt="1 0"/>
+                  <dgm:constrLst/>
+                  <dgm:ruleLst/>
+                </dgm:layoutNode>
+                <dgm:layoutNode name="ThreeNodes_2">
+                  <dgm:varLst>
+                    <dgm:bulletEnabled val="1"/>
+                  </dgm:varLst>
+                  <dgm:alg type="sp"/>
+                  <dgm:shape xmlns:r="http://schemas.openxmlformats.org/officeDocument/2006/relationships" type="roundRect" r:blip="">
+                    <dgm:adjLst>
+                      <dgm:adj idx="1" val="0.1"/>
+                    </dgm:adjLst>
+                  </dgm:shape>
+                  <dgm:presOf axis="ch desOrSelf" ptType="node node" st="2 1" cnt="1 0"/>
+                  <dgm:constrLst/>
+                  <dgm:ruleLst/>
+                </dgm:layoutNode>
+                <dgm:layoutNode name="ThreeNodes_3">
+                  <dgm:varLst>
+                    <dgm:bulletEnabled val="1"/>
+                  </dgm:varLst>
+                  <dgm:alg type="sp"/>
+                  <dgm:shape xmlns:r="http://schemas.openxmlformats.org/officeDocument/2006/relationships" type="roundRect" r:blip="">
+                    <dgm:adjLst>
+                      <dgm:adj idx="1" val="0.1"/>
+                    </dgm:adjLst>
+                  </dgm:shape>
+                  <dgm:presOf axis="ch desOrSelf" ptType="node node" st="3 1" cnt="1 0"/>
+                  <dgm:constrLst/>
+                  <dgm:ruleLst/>
+                </dgm:layoutNode>
+                <dgm:layoutNode name="ThreeConn_1-2" styleLbl="fgAccFollowNode1">
+                  <dgm:varLst>
+                    <dgm:bulletEnabled val="1"/>
+                  </dgm:varLst>
+                  <dgm:alg type="tx"/>
+                  <dgm:shape xmlns:r="http://schemas.openxmlformats.org/officeDocument/2006/relationships" type="downArrow" r:blip="">
+                    <dgm:adjLst>
+                      <dgm:adj idx="1" val="0.55"/>
+                      <dgm:adj idx="2" val="0.45"/>
+                    </dgm:adjLst>
+                  </dgm:shape>
+                  <dgm:presOf axis="ch" ptType="sibTrans" cnt="1"/>
+                  <dgm:constrLst>
+                    <dgm:constr type="lMarg" refType="primFontSz" fact="0.1"/>
+                    <dgm:constr type="rMarg" refType="primFontSz" fact="0.1"/>
+                    <dgm:constr type="tMarg" refType="primFontSz" fact="0.1"/>
+                    <dgm:constr type="bMarg" refType="primFontSz" fact="0.1"/>
+                  </dgm:constrLst>
+                  <dgm:ruleLst>
+                    <dgm:rule type="primFontSz" val="5" fact="NaN" max="NaN"/>
+                  </dgm:ruleLst>
+                </dgm:layoutNode>
+                <dgm:layoutNode name="ThreeConn_2-3" styleLbl="fgAccFollowNode1">
+                  <dgm:varLst>
+                    <dgm:bulletEnabled val="1"/>
+                  </dgm:varLst>
+                  <dgm:alg type="tx"/>
+                  <dgm:shape xmlns:r="http://schemas.openxmlformats.org/officeDocument/2006/relationships" type="downArrow" r:blip="">
+                    <dgm:adjLst>
+                      <dgm:adj idx="1" val="0.55"/>
+                      <dgm:adj idx="2" val="0.45"/>
+                    </dgm:adjLst>
+                  </dgm:shape>
+                  <dgm:presOf axis="ch" ptType="sibTrans" st="2" cnt="1"/>
+                  <dgm:constrLst>
+                    <dgm:constr type="lMarg" refType="primFontSz" fact="0.1"/>
+                    <dgm:constr type="rMarg" refType="primFontSz" fact="0.1"/>
+                    <dgm:constr type="tMarg" refType="primFontSz" fact="0.1"/>
+                    <dgm:constr type="bMarg" refType="primFontSz" fact="0.1"/>
+                  </dgm:constrLst>
+                  <dgm:ruleLst>
+                    <dgm:rule type="primFontSz" val="5" fact="NaN" max="NaN"/>
+                  </dgm:ruleLst>
+                </dgm:layoutNode>
+                <dgm:layoutNode name="ThreeNodes_1_text">
+                  <dgm:varLst>
+                    <dgm:bulletEnabled val="1"/>
+                  </dgm:varLst>
+                  <dgm:alg type="tx">
+                    <dgm:param type="parTxLTRAlign" val="l"/>
+                    <dgm:param type="txAnchorVertCh" val="mid"/>
+                  </dgm:alg>
+                  <dgm:shape xmlns:r="http://schemas.openxmlformats.org/officeDocument/2006/relationships" type="roundRect" r:blip="" hideGeom="1">
+                    <dgm:adjLst>
+                      <dgm:adj idx="1" val="0.1"/>
+                    </dgm:adjLst>
+                  </dgm:shape>
+                  <dgm:presOf axis="ch desOrSelf" ptType="node node" st="1 1" cnt="1 0"/>
+                  <dgm:constrLst>
+                    <dgm:constr type="lMarg" refType="primFontSz" fact="0.3"/>
+                    <dgm:constr type="rMarg" refType="primFontSz" fact="0.3"/>
+                    <dgm:constr type="tMarg" refType="primFontSz" fact="0.3"/>
+                    <dgm:constr type="bMarg" refType="primFontSz" fact="0.3"/>
+                  </dgm:constrLst>
+                  <dgm:ruleLst>
+                    <dgm:rule type="primFontSz" val="5" fact="NaN" max="NaN"/>
+                  </dgm:ruleLst>
+                </dgm:layoutNode>
+                <dgm:layoutNode name="ThreeNodes_2_text">
+                  <dgm:varLst>
+                    <dgm:bulletEnabled val="1"/>
+                  </dgm:varLst>
+                  <dgm:alg type="tx">
+                    <dgm:param type="parTxLTRAlign" val="l"/>
+                    <dgm:param type="txAnchorVertCh" val="mid"/>
+                  </dgm:alg>
+                  <dgm:shape xmlns:r="http://schemas.openxmlformats.org/officeDocument/2006/relationships" type="roundRect" r:blip="" hideGeom="1">
+                    <dgm:adjLst>
+                      <dgm:adj idx="1" val="0.1"/>
+                    </dgm:adjLst>
+                  </dgm:shape>
+                  <dgm:presOf axis="ch desOrSelf" ptType="node node" st="2 1" cnt="1 0"/>
+                  <dgm:constrLst>
+                    <dgm:constr type="lMarg" refType="primFontSz" fact="0.3"/>
+                    <dgm:constr type="rMarg" refType="primFontSz" fact="0.3"/>
+                    <dgm:constr type="tMarg" refType="primFontSz" fact="0.3"/>
+                    <dgm:constr type="bMarg" refType="primFontSz" fact="0.3"/>
+                  </dgm:constrLst>
+                  <dgm:ruleLst>
+                    <dgm:rule type="primFontSz" val="5" fact="NaN" max="NaN"/>
+                  </dgm:ruleLst>
+                </dgm:layoutNode>
+                <dgm:layoutNode name="ThreeNodes_3_text">
+                  <dgm:varLst>
+                    <dgm:bulletEnabled val="1"/>
+                  </dgm:varLst>
+                  <dgm:alg type="tx">
+                    <dgm:param type="parTxLTRAlign" val="l"/>
+                    <dgm:param type="txAnchorVertCh" val="mid"/>
+                  </dgm:alg>
+                  <dgm:shape xmlns:r="http://schemas.openxmlformats.org/officeDocument/2006/relationships" type="roundRect" r:blip="" hideGeom="1">
+                    <dgm:adjLst>
+                      <dgm:adj idx="1" val="0.1"/>
+                    </dgm:adjLst>
+                  </dgm:shape>
+                  <dgm:presOf axis="ch desOrSelf" ptType="node node" st="3 1" cnt="1 0"/>
+                  <dgm:constrLst>
+                    <dgm:constr type="lMarg" refType="primFontSz" fact="0.3"/>
+                    <dgm:constr type="rMarg" refType="primFontSz" fact="0.3"/>
+                    <dgm:constr type="tMarg" refType="primFontSz" fact="0.3"/>
+                    <dgm:constr type="bMarg" refType="primFontSz" fact="0.3"/>
+                  </dgm:constrLst>
+                  <dgm:ruleLst>
+                    <dgm:rule type="primFontSz" val="5" fact="NaN" max="NaN"/>
+                  </dgm:ruleLst>
+                </dgm:layoutNode>
+              </dgm:if>
+              <dgm:else name="Name11">
+                <dgm:choose name="Name12">
+                  <dgm:if name="Name13" axis="ch" ptType="node" func="cnt" op="equ" val="4">
+                    <dgm:layoutNode name="FourNodes_1">
+                      <dgm:varLst>
+                        <dgm:bulletEnabled val="1"/>
+                      </dgm:varLst>
+                      <dgm:alg type="sp"/>
+                      <dgm:shape xmlns:r="http://schemas.openxmlformats.org/officeDocument/2006/relationships" type="roundRect" r:blip="">
+                        <dgm:adjLst>
+                          <dgm:adj idx="1" val="0.1"/>
+                        </dgm:adjLst>
+                      </dgm:shape>
+                      <dgm:presOf axis="ch desOrSelf" ptType="node node" st="1 1" cnt="1 0"/>
+                      <dgm:constrLst/>
+                      <dgm:ruleLst/>
+                    </dgm:layoutNode>
+                    <dgm:layoutNode name="FourNodes_2">
+                      <dgm:varLst>
+                        <dgm:bulletEnabled val="1"/>
+                      </dgm:varLst>
+                      <dgm:alg type="sp"/>
+                      <dgm:shape xmlns:r="http://schemas.openxmlformats.org/officeDocument/2006/relationships" type="roundRect" r:blip="">
+                        <dgm:adjLst>
+                          <dgm:adj idx="1" val="0.1"/>
+                        </dgm:adjLst>
+                      </dgm:shape>
+                      <dgm:presOf axis="ch desOrSelf" ptType="node node" st="2 1" cnt="1 0"/>
+                      <dgm:constrLst/>
+                      <dgm:ruleLst/>
+                    </dgm:layoutNode>
+                    <dgm:layoutNode name="FourNodes_3">
+                      <dgm:varLst>
+                        <dgm:bulletEnabled val="1"/>
+                      </dgm:varLst>
+                      <dgm:alg type="sp"/>
+                      <dgm:shape xmlns:r="http://schemas.openxmlformats.org/officeDocument/2006/relationships" type="roundRect" r:blip="">
+                        <dgm:adjLst>
+                          <dgm:adj idx="1" val="0.1"/>
+                        </dgm:adjLst>
+                      </dgm:shape>
+                      <dgm:presOf axis="ch desOrSelf" ptType="node node" st="3 1" cnt="1 0"/>
+                      <dgm:constrLst/>
+                      <dgm:ruleLst/>
+                    </dgm:layoutNode>
+                    <dgm:layoutNode name="FourNodes_4">
+                      <dgm:varLst>
+                        <dgm:bulletEnabled val="1"/>
+                      </dgm:varLst>
+                      <dgm:alg type="sp"/>
+                      <dgm:shape xmlns:r="http://schemas.openxmlformats.org/officeDocument/2006/relationships" type="roundRect" r:blip="">
+                        <dgm:adjLst>
+                          <dgm:adj idx="1" val="0.1"/>
+                        </dgm:adjLst>
+                      </dgm:shape>
+                      <dgm:presOf axis="ch desOrSelf" ptType="node node" st="4 1" cnt="1 0"/>
+                      <dgm:constrLst/>
+                      <dgm:ruleLst/>
+                    </dgm:layoutNode>
+                    <dgm:layoutNode name="FourConn_1-2" styleLbl="fgAccFollowNode1">
+                      <dgm:varLst>
+                        <dgm:bulletEnabled val="1"/>
+                      </dgm:varLst>
+                      <dgm:alg type="tx"/>
+                      <dgm:shape xmlns:r="http://schemas.openxmlformats.org/officeDocument/2006/relationships" type="downArrow" r:blip="">
+                        <dgm:adjLst>
+                          <dgm:adj idx="1" val="0.55"/>
+                          <dgm:adj idx="2" val="0.45"/>
+                        </dgm:adjLst>
+                      </dgm:shape>
+                      <dgm:presOf axis="ch" ptType="sibTrans" cnt="1"/>
+                      <dgm:constrLst>
+                        <dgm:constr type="lMarg" refType="primFontSz" fact="0.1"/>
+                        <dgm:constr type="rMarg" refType="primFontSz" fact="0.1"/>
+                        <dgm:constr type="tMarg" refType="primFontSz" fact="0.1"/>
+                        <dgm:constr type="bMarg" refType="primFontSz" fact="0.1"/>
+                      </dgm:constrLst>
+                      <dgm:ruleLst>
+                        <dgm:rule type="primFontSz" val="5" fact="NaN" max="NaN"/>
+                      </dgm:ruleLst>
+                    </dgm:layoutNode>
+                    <dgm:layoutNode name="FourConn_2-3" styleLbl="fgAccFollowNode1">
+                      <dgm:varLst>
+                        <dgm:bulletEnabled val="1"/>
+                      </dgm:varLst>
+                      <dgm:alg type="tx"/>
+                      <dgm:shape xmlns:r="http://schemas.openxmlformats.org/officeDocument/2006/relationships" type="downArrow" r:blip="">
+                        <dgm:adjLst>
+                          <dgm:adj idx="1" val="0.55"/>
+                          <dgm:adj idx="2" val="0.45"/>
+                        </dgm:adjLst>
+                      </dgm:shape>
+                      <dgm:presOf axis="ch" ptType="sibTrans" st="2" cnt="1"/>
+                      <dgm:constrLst>
+                        <dgm:constr type="lMarg" refType="primFontSz" fact="0.1"/>
+                        <dgm:constr type="rMarg" refType="primFontSz" fact="0.1"/>
+                        <dgm:constr type="tMarg" refType="primFontSz" fact="0.1"/>
+                        <dgm:constr type="bMarg" refType="primFontSz" fact="0.1"/>
+                      </dgm:constrLst>
+                      <dgm:ruleLst>
+                        <dgm:rule type="primFontSz" val="5" fact="NaN" max="NaN"/>
+                      </dgm:ruleLst>
+                    </dgm:layoutNode>
+                    <dgm:layoutNode name="FourConn_3-4" styleLbl="fgAccFollowNode1">
+                      <dgm:varLst>
+                        <dgm:bulletEnabled val="1"/>
+                      </dgm:varLst>
+                      <dgm:alg type="tx"/>
+                      <dgm:shape xmlns:r="http://schemas.openxmlformats.org/officeDocument/2006/relationships" type="downArrow" r:blip="">
+                        <dgm:adjLst>
+                          <dgm:adj idx="1" val="0.55"/>
+                          <dgm:adj idx="2" val="0.45"/>
+                        </dgm:adjLst>
+                      </dgm:shape>
+                      <dgm:presOf axis="ch" ptType="sibTrans" st="3" cnt="1"/>
+                      <dgm:constrLst>
+                        <dgm:constr type="lMarg" refType="primFontSz" fact="0.1"/>
+                        <dgm:constr type="rMarg" refType="primFontSz" fact="0.1"/>
+                        <dgm:constr type="tMarg" refType="primFontSz" fact="0.1"/>
+                        <dgm:constr type="bMarg" refType="primFontSz" fact="0.1"/>
+                      </dgm:constrLst>
+                      <dgm:ruleLst>
+                        <dgm:rule type="primFontSz" val="5" fact="NaN" max="NaN"/>
+                      </dgm:ruleLst>
+                    </dgm:layoutNode>
+                    <dgm:layoutNode name="FourNodes_1_text">
+                      <dgm:varLst>
+                        <dgm:bulletEnabled val="1"/>
+                      </dgm:varLst>
+                      <dgm:alg type="tx">
+                        <dgm:param type="parTxLTRAlign" val="l"/>
+                        <dgm:param type="txAnchorVertCh" val="mid"/>
+                      </dgm:alg>
+                      <dgm:shape xmlns:r="http://schemas.openxmlformats.org/officeDocument/2006/relationships" type="roundRect" r:blip="" hideGeom="1">
+                        <dgm:adjLst>
+                          <dgm:adj idx="1" val="0.1"/>
+                        </dgm:adjLst>
+                      </dgm:shape>
+                      <dgm:presOf axis="ch desOrSelf" ptType="node node" st="1 1" cnt="1 0"/>
+                      <dgm:constrLst>
+                        <dgm:constr type="lMarg" refType="primFontSz" fact="0.3"/>
+                        <dgm:constr type="rMarg" refType="primFontSz" fact="0.3"/>
+                        <dgm:constr type="tMarg" refType="primFontSz" fact="0.3"/>
+                        <dgm:constr type="bMarg" refType="primFontSz" fact="0.3"/>
+                      </dgm:constrLst>
+                      <dgm:ruleLst>
+                        <dgm:rule type="primFontSz" val="5" fact="NaN" max="NaN"/>
+                      </dgm:ruleLst>
+                    </dgm:layoutNode>
+                    <dgm:layoutNode name="FourNodes_2_text">
+                      <dgm:varLst>
+                        <dgm:bulletEnabled val="1"/>
+                      </dgm:varLst>
+                      <dgm:alg type="tx">
+                        <dgm:param type="parTxLTRAlign" val="l"/>
+                        <dgm:param type="txAnchorVertCh" val="mid"/>
+                      </dgm:alg>
+                      <dgm:shape xmlns:r="http://schemas.openxmlformats.org/officeDocument/2006/relationships" type="roundRect" r:blip="" hideGeom="1">
+                        <dgm:adjLst>
+                          <dgm:adj idx="1" val="0.1"/>
+                        </dgm:adjLst>
+                      </dgm:shape>
+                      <dgm:presOf axis="ch desOrSelf" ptType="node node" st="2 1" cnt="1 0"/>
+                      <dgm:constrLst>
+                        <dgm:constr type="lMarg" refType="primFontSz" fact="0.3"/>
+                        <dgm:constr type="rMarg" refType="primFontSz" fact="0.3"/>
+                        <dgm:constr type="tMarg" refType="primFontSz" fact="0.3"/>
+                        <dgm:constr type="bMarg" refType="primFontSz" fact="0.3"/>
+                      </dgm:constrLst>
+                      <dgm:ruleLst>
+                        <dgm:rule type="primFontSz" val="5" fact="NaN" max="NaN"/>
+                      </dgm:ruleLst>
+                    </dgm:layoutNode>
+                    <dgm:layoutNode name="FourNodes_3_text">
+                      <dgm:varLst>
+                        <dgm:bulletEnabled val="1"/>
+                      </dgm:varLst>
+                      <dgm:alg type="tx">
+                        <dgm:param type="parTxLTRAlign" val="l"/>
+                        <dgm:param type="txAnchorVertCh" val="mid"/>
+                      </dgm:alg>
+                      <dgm:shape xmlns:r="http://schemas.openxmlformats.org/officeDocument/2006/relationships" type="roundRect" r:blip="" hideGeom="1">
+                        <dgm:adjLst>
+                          <dgm:adj idx="1" val="0.1"/>
+                        </dgm:adjLst>
+                      </dgm:shape>
+                      <dgm:presOf axis="ch desOrSelf" ptType="node node" st="3 1" cnt="1 0"/>
+                      <dgm:constrLst>
+                        <dgm:constr type="lMarg" refType="primFontSz" fact="0.3"/>
+                        <dgm:constr type="rMarg" refType="primFontSz" fact="0.3"/>
+                        <dgm:constr type="tMarg" refType="primFontSz" fact="0.3"/>
+                        <dgm:constr type="bMarg" refType="primFontSz" fact="0.3"/>
+                      </dgm:constrLst>
+                      <dgm:ruleLst>
+                        <dgm:rule type="primFontSz" val="5" fact="NaN" max="NaN"/>
+                      </dgm:ruleLst>
+                    </dgm:layoutNode>
+                    <dgm:layoutNode name="FourNodes_4_text">
+                      <dgm:varLst>
+                        <dgm:bulletEnabled val="1"/>
+                      </dgm:varLst>
+                      <dgm:alg type="tx">
+                        <dgm:param type="parTxLTRAlign" val="l"/>
+                        <dgm:param type="txAnchorVertCh" val="mid"/>
+                      </dgm:alg>
+                      <dgm:shape xmlns:r="http://schemas.openxmlformats.org/officeDocument/2006/relationships" type="roundRect" r:blip="" hideGeom="1">
+                        <dgm:adjLst>
+                          <dgm:adj idx="1" val="0.1"/>
+                        </dgm:adjLst>
+                      </dgm:shape>
+                      <dgm:presOf axis="ch desOrSelf" ptType="node node" st="4 1" cnt="1 0"/>
+                      <dgm:constrLst>
+                        <dgm:constr type="lMarg" refType="primFontSz" fact="0.3"/>
+                        <dgm:constr type="rMarg" refType="primFontSz" fact="0.3"/>
+                        <dgm:constr type="tMarg" refType="primFontSz" fact="0.3"/>
+                        <dgm:constr type="bMarg" refType="primFontSz" fact="0.3"/>
+                      </dgm:constrLst>
+                      <dgm:ruleLst>
+                        <dgm:rule type="primFontSz" val="5" fact="NaN" max="NaN"/>
+                      </dgm:ruleLst>
+                    </dgm:layoutNode>
+                  </dgm:if>
+                  <dgm:else name="Name14">
+                    <dgm:choose name="Name15">
+                      <dgm:if name="Name16" axis="ch" ptType="node" func="cnt" op="gte" val="5">
+                        <dgm:layoutNode name="FiveNodes_1">
+                          <dgm:varLst>
+                            <dgm:bulletEnabled val="1"/>
+                          </dgm:varLst>
+                          <dgm:alg type="sp"/>
+                          <dgm:shape xmlns:r="http://schemas.openxmlformats.org/officeDocument/2006/relationships" type="roundRect" r:blip="">
+                            <dgm:adjLst>
+                              <dgm:adj idx="1" val="0.1"/>
+                            </dgm:adjLst>
+                          </dgm:shape>
+                          <dgm:presOf axis="ch desOrSelf" ptType="node node" st="1 1" cnt="1 0"/>
+                          <dgm:constrLst/>
+                          <dgm:ruleLst/>
+                        </dgm:layoutNode>
+                        <dgm:layoutNode name="FiveNodes_2">
+                          <dgm:varLst>
+                            <dgm:bulletEnabled val="1"/>
+                          </dgm:varLst>
+                          <dgm:alg type="sp"/>
+                          <dgm:shape xmlns:r="http://schemas.openxmlformats.org/officeDocument/2006/relationships" type="roundRect" r:blip="">
+                            <dgm:adjLst>
+                              <dgm:adj idx="1" val="0.1"/>
+                            </dgm:adjLst>
+                          </dgm:shape>
+                          <dgm:presOf axis="ch desOrSelf" ptType="node node" st="2 1" cnt="1 0"/>
+                          <dgm:constrLst/>
+                          <dgm:ruleLst/>
+                        </dgm:layoutNode>
+                        <dgm:layoutNode name="FiveNodes_3">
+                          <dgm:varLst>
+                            <dgm:bulletEnabled val="1"/>
+                          </dgm:varLst>
+                          <dgm:alg type="sp"/>
+                          <dgm:shape xmlns:r="http://schemas.openxmlformats.org/officeDocument/2006/relationships" type="roundRect" r:blip="">
+                            <dgm:adjLst>
+                              <dgm:adj idx="1" val="0.1"/>
+                            </dgm:adjLst>
+                          </dgm:shape>
+                          <dgm:presOf axis="ch desOrSelf" ptType="node node" st="3 1" cnt="1 0"/>
+                          <dgm:constrLst/>
+                          <dgm:ruleLst/>
+                        </dgm:layoutNode>
+                        <dgm:layoutNode name="FiveNodes_4">
+                          <dgm:varLst>
+                            <dgm:bulletEnabled val="1"/>
+                          </dgm:varLst>
+                          <dgm:alg type="sp"/>
+                          <dgm:shape xmlns:r="http://schemas.openxmlformats.org/officeDocument/2006/relationships" type="roundRect" r:blip="">
+                            <dgm:adjLst>
+                              <dgm:adj idx="1" val="0.1"/>
+                            </dgm:adjLst>
+                          </dgm:shape>
+                          <dgm:presOf axis="ch desOrSelf" ptType="node node" st="4 1" cnt="1 0"/>
+                          <dgm:constrLst/>
+                          <dgm:ruleLst/>
+                        </dgm:layoutNode>
+                        <dgm:layoutNode name="FiveNodes_5">
+                          <dgm:varLst>
+                            <dgm:bulletEnabled val="1"/>
+                          </dgm:varLst>
+                          <dgm:alg type="sp"/>
+                          <dgm:shape xmlns:r="http://schemas.openxmlformats.org/officeDocument/2006/relationships" type="roundRect" r:blip="">
+                            <dgm:adjLst>
+                              <dgm:adj idx="1" val="0.1"/>
+                            </dgm:adjLst>
+                          </dgm:shape>
+                          <dgm:presOf axis="ch desOrSelf" ptType="node node" st="5 1" cnt="1 0"/>
+                          <dgm:constrLst/>
+                          <dgm:ruleLst/>
+                        </dgm:layoutNode>
+                        <dgm:layoutNode name="FiveConn_1-2" styleLbl="fgAccFollowNode1">
+                          <dgm:varLst>
+                            <dgm:bulletEnabled val="1"/>
+                          </dgm:varLst>
+                          <dgm:alg type="tx"/>
+                          <dgm:shape xmlns:r="http://schemas.openxmlformats.org/officeDocument/2006/relationships" type="downArrow" r:blip="">
+                            <dgm:adjLst>
+                              <dgm:adj idx="1" val="0.55"/>
+                              <dgm:adj idx="2" val="0.45"/>
+                            </dgm:adjLst>
+                          </dgm:shape>
+                          <dgm:presOf axis="ch" ptType="sibTrans" cnt="1"/>
+                          <dgm:constrLst>
+                            <dgm:constr type="lMarg" refType="primFontSz" fact="0.1"/>
+                            <dgm:constr type="rMarg" refType="primFontSz" fact="0.1"/>
+                            <dgm:constr type="tMarg" refType="primFontSz" fact="0.1"/>
+                            <dgm:constr type="bMarg" refType="primFontSz" fact="0.1"/>
+                          </dgm:constrLst>
+                          <dgm:ruleLst>
+                            <dgm:rule type="primFontSz" val="5" fact="NaN" max="NaN"/>
+                          </dgm:ruleLst>
+                        </dgm:layoutNode>
+                        <dgm:layoutNode name="FiveConn_2-3" styleLbl="fgAccFollowNode1">
+                          <dgm:varLst>
+                            <dgm:bulletEnabled val="1"/>
+                          </dgm:varLst>
+                          <dgm:alg type="tx"/>
+                          <dgm:shape xmlns:r="http://schemas.openxmlformats.org/officeDocument/2006/relationships" type="downArrow" r:blip="">
+                            <dgm:adjLst>
+                              <dgm:adj idx="1" val="0.55"/>
+                              <dgm:adj idx="2" val="0.45"/>
+                            </dgm:adjLst>
+                          </dgm:shape>
+                          <dgm:presOf axis="ch" ptType="sibTrans" st="2" cnt="1"/>
+                          <dgm:constrLst>
+                            <dgm:constr type="lMarg" refType="primFontSz" fact="0.1"/>
+                            <dgm:constr type="rMarg" refType="primFontSz" fact="0.1"/>
+                            <dgm:constr type="tMarg" refType="primFontSz" fact="0.1"/>
+                            <dgm:constr type="bMarg" refType="primFontSz" fact="0.1"/>
+                          </dgm:constrLst>
+                          <dgm:ruleLst>
+                            <dgm:rule type="primFontSz" val="5" fact="NaN" max="NaN"/>
+                          </dgm:ruleLst>
+                        </dgm:layoutNode>
+                        <dgm:layoutNode name="FiveConn_3-4" styleLbl="fgAccFollowNode1">
+                          <dgm:varLst>
+                            <dgm:bulletEnabled val="1"/>
+                          </dgm:varLst>
+                          <dgm:alg type="tx"/>
+                          <dgm:shape xmlns:r="http://schemas.openxmlformats.org/officeDocument/2006/relationships" type="downArrow" r:blip="">
+                            <dgm:adjLst>
+                              <dgm:adj idx="1" val="0.55"/>
+                              <dgm:adj idx="2" val="0.45"/>
+                            </dgm:adjLst>
+                          </dgm:shape>
+                          <dgm:presOf axis="ch" ptType="sibTrans" st="3" cnt="1"/>
+                          <dgm:constrLst>
+                            <dgm:constr type="lMarg" refType="primFontSz" fact="0.1"/>
+                            <dgm:constr type="rMarg" refType="primFontSz" fact="0.1"/>
+                            <dgm:constr type="tMarg" refType="primFontSz" fact="0.1"/>
+                            <dgm:constr type="bMarg" refType="primFontSz" fact="0.1"/>
+                          </dgm:constrLst>
+                          <dgm:ruleLst>
+                            <dgm:rule type="primFontSz" val="5" fact="NaN" max="NaN"/>
+                          </dgm:ruleLst>
+                        </dgm:layoutNode>
+                        <dgm:layoutNode name="FiveConn_4-5" styleLbl="fgAccFollowNode1">
+                          <dgm:varLst>
+                            <dgm:bulletEnabled val="1"/>
+                          </dgm:varLst>
+                          <dgm:alg type="tx"/>
+                          <dgm:shape xmlns:r="http://schemas.openxmlformats.org/officeDocument/2006/relationships" type="downArrow" r:blip="">
+                            <dgm:adjLst>
+                              <dgm:adj idx="1" val="0.55"/>
+                              <dgm:adj idx="2" val="0.45"/>
+                            </dgm:adjLst>
+                          </dgm:shape>
+                          <dgm:presOf axis="ch" ptType="sibTrans" st="4" cnt="1"/>
+                          <dgm:constrLst>
+                            <dgm:constr type="lMarg" refType="primFontSz" fact="0.1"/>
+                            <dgm:constr type="rMarg" refType="primFontSz" fact="0.1"/>
+                            <dgm:constr type="tMarg" refType="primFontSz" fact="0.1"/>
+                            <dgm:constr type="bMarg" refType="primFontSz" fact="0.1"/>
+                          </dgm:constrLst>
+                          <dgm:ruleLst>
+                            <dgm:rule type="primFontSz" val="5" fact="NaN" max="NaN"/>
+                          </dgm:ruleLst>
+                        </dgm:layoutNode>
+                        <dgm:layoutNode name="FiveNodes_1_text">
+                          <dgm:varLst>
+                            <dgm:bulletEnabled val="1"/>
+                          </dgm:varLst>
+                          <dgm:alg type="tx">
+                            <dgm:param type="parTxLTRAlign" val="l"/>
+                            <dgm:param type="txAnchorVertCh" val="mid"/>
+                          </dgm:alg>
+                          <dgm:shape xmlns:r="http://schemas.openxmlformats.org/officeDocument/2006/relationships" type="roundRect" r:blip="" hideGeom="1">
+                            <dgm:adjLst>
+                              <dgm:adj idx="1" val="0.1"/>
+                            </dgm:adjLst>
+                          </dgm:shape>
+                          <dgm:presOf axis="ch desOrSelf" ptType="node node" st="1 1" cnt="1 0"/>
+                          <dgm:constrLst>
+                            <dgm:constr type="lMarg" refType="primFontSz" fact="0.3"/>
+                            <dgm:constr type="rMarg" refType="primFontSz" fact="0.3"/>
+                            <dgm:constr type="tMarg" refType="primFontSz" fact="0.3"/>
+                            <dgm:constr type="bMarg" refType="primFontSz" fact="0.3"/>
+                          </dgm:constrLst>
+                          <dgm:ruleLst>
+                            <dgm:rule type="primFontSz" val="5" fact="NaN" max="NaN"/>
+                          </dgm:ruleLst>
+                        </dgm:layoutNode>
+                        <dgm:layoutNode name="FiveNodes_2_text">
+                          <dgm:varLst>
+                            <dgm:bulletEnabled val="1"/>
+                          </dgm:varLst>
+                          <dgm:alg type="tx">
+                            <dgm:param type="parTxLTRAlign" val="l"/>
+                            <dgm:param type="txAnchorVertCh" val="mid"/>
+                          </dgm:alg>
+                          <dgm:shape xmlns:r="http://schemas.openxmlformats.org/officeDocument/2006/relationships" type="roundRect" r:blip="" hideGeom="1">
+                            <dgm:adjLst>
+                              <dgm:adj idx="1" val="0.1"/>
+                            </dgm:adjLst>
+                          </dgm:shape>
+                          <dgm:presOf axis="ch desOrSelf" ptType="node node" st="2 1" cnt="1 0"/>
+                          <dgm:constrLst>
+                            <dgm:constr type="lMarg" refType="primFontSz" fact="0.3"/>
+                            <dgm:constr type="rMarg" refType="primFontSz" fact="0.3"/>
+                            <dgm:constr type="tMarg" refType="primFontSz" fact="0.3"/>
+                            <dgm:constr type="bMarg" refType="primFontSz" fact="0.3"/>
+                          </dgm:constrLst>
+                          <dgm:ruleLst>
+                            <dgm:rule type="primFontSz" val="5" fact="NaN" max="NaN"/>
+                          </dgm:ruleLst>
+                        </dgm:layoutNode>
+                        <dgm:layoutNode name="FiveNodes_3_text">
+                          <dgm:varLst>
+                            <dgm:bulletEnabled val="1"/>
+                          </dgm:varLst>
+                          <dgm:alg type="tx">
+                            <dgm:param type="parTxLTRAlign" val="l"/>
+                            <dgm:param type="txAnchorVertCh" val="mid"/>
+                          </dgm:alg>
+                          <dgm:shape xmlns:r="http://schemas.openxmlformats.org/officeDocument/2006/relationships" type="roundRect" r:blip="" hideGeom="1">
+                            <dgm:adjLst>
+                              <dgm:adj idx="1" val="0.1"/>
+                            </dgm:adjLst>
+                          </dgm:shape>
+                          <dgm:presOf axis="ch desOrSelf" ptType="node node" st="3 1" cnt="1 0"/>
+                          <dgm:constrLst>
+                            <dgm:constr type="lMarg" refType="primFontSz" fact="0.3"/>
+                            <dgm:constr type="rMarg" refType="primFontSz" fact="0.3"/>
+                            <dgm:constr type="tMarg" refType="primFontSz" fact="0.3"/>
+                            <dgm:constr type="bMarg" refType="primFontSz" fact="0.3"/>
+                          </dgm:constrLst>
+                          <dgm:ruleLst>
+                            <dgm:rule type="primFontSz" val="5" fact="NaN" max="NaN"/>
+                          </dgm:ruleLst>
+                        </dgm:layoutNode>
+                        <dgm:layoutNode name="FiveNodes_4_text">
+                          <dgm:varLst>
+                            <dgm:bulletEnabled val="1"/>
+                          </dgm:varLst>
+                          <dgm:alg type="tx">
+                            <dgm:param type="parTxLTRAlign" val="l"/>
+                            <dgm:param type="txAnchorVertCh" val="mid"/>
+                          </dgm:alg>
+                          <dgm:shape xmlns:r="http://schemas.openxmlformats.org/officeDocument/2006/relationships" type="roundRect" r:blip="" hideGeom="1">
+                            <dgm:adjLst>
+                              <dgm:adj idx="1" val="0.1"/>
+                            </dgm:adjLst>
+                          </dgm:shape>
+                          <dgm:presOf axis="ch desOrSelf" ptType="node node" st="4 1" cnt="1 0"/>
+                          <dgm:constrLst>
+                            <dgm:constr type="lMarg" refType="primFontSz" fact="0.3"/>
+                            <dgm:constr type="rMarg" refType="primFontSz" fact="0.3"/>
+                            <dgm:constr type="tMarg" refType="primFontSz" fact="0.3"/>
+                            <dgm:constr type="bMarg" refType="primFontSz" fact="0.3"/>
+                          </dgm:constrLst>
+                          <dgm:ruleLst>
+                            <dgm:rule type="primFontSz" val="5" fact="NaN" max="NaN"/>
+                          </dgm:ruleLst>
+                        </dgm:layoutNode>
+                        <dgm:layoutNode name="FiveNodes_5_text">
+                          <dgm:varLst>
+                            <dgm:bulletEnabled val="1"/>
+                          </dgm:varLst>
+                          <dgm:alg type="tx">
+                            <dgm:param type="parTxLTRAlign" val="l"/>
+                            <dgm:param type="txAnchorVertCh" val="mid"/>
+                          </dgm:alg>
+                          <dgm:shape xmlns:r="http://schemas.openxmlformats.org/officeDocument/2006/relationships" type="roundRect" r:blip="" hideGeom="1">
+                            <dgm:adjLst>
+                              <dgm:adj idx="1" val="0.1"/>
+                            </dgm:adjLst>
+                          </dgm:shape>
+                          <dgm:presOf axis="ch desOrSelf" ptType="node node" st="5 1" cnt="1 0"/>
+                          <dgm:constrLst>
+                            <dgm:constr type="lMarg" refType="primFontSz" fact="0.3"/>
+                            <dgm:constr type="rMarg" refType="primFontSz" fact="0.3"/>
+                            <dgm:constr type="tMarg" refType="primFontSz" fact="0.3"/>
+                            <dgm:constr type="bMarg" refType="primFontSz" fact="0.3"/>
+                          </dgm:constrLst>
+                          <dgm:ruleLst>
+                            <dgm:rule type="primFontSz" val="5" fact="NaN" max="NaN"/>
+                          </dgm:ruleLst>
+                        </dgm:layoutNode>
+                      </dgm:if>
+                      <dgm:else name="Name17"/>
+                    </dgm:choose>
+                  </dgm:else>
+                </dgm:choose>
+              </dgm:else>
+            </dgm:choose>
+          </dgm:else>
+        </dgm:choose>
+      </dgm:else>
+    </dgm:choose>
+  </dgm:layoutNode>
+</dgm:layoutDef>
+</file>
+
+<file path=ppt/diagrams/layout5.xml><?xml version="1.0" encoding="utf-8"?>
 <dgm:layoutDef xmlns:dgm="http://schemas.openxmlformats.org/drawingml/2006/diagram" xmlns:a="http://schemas.openxmlformats.org/drawingml/2006/main" uniqueId="urn:microsoft.com/office/officeart/2008/layout/BubblePictureList">
   <dgm:title val=""/>
   <dgm:desc val=""/>
@@ -11191,7 +17455,7 @@
 </dgm:layoutDef>
 </file>
 
-<file path=ppt/diagrams/layout5.xml><?xml version="1.0" encoding="utf-8"?>
+<file path=ppt/diagrams/layout6.xml><?xml version="1.0" encoding="utf-8"?>
 <dgm:layoutDef xmlns:dgm="http://schemas.openxmlformats.org/drawingml/2006/diagram" xmlns:a="http://schemas.openxmlformats.org/drawingml/2006/main" uniqueId="urn:microsoft.com/office/officeart/2005/8/layout/venn3">
   <dgm:title val=""/>
   <dgm:desc val=""/>
@@ -14658,6 +20922,1040 @@
 </file>
 
 <file path=ppt/diagrams/quickStyle4.xml><?xml version="1.0" encoding="utf-8"?>
+<dgm:styleDef xmlns:dgm="http://schemas.openxmlformats.org/drawingml/2006/diagram" xmlns:a="http://schemas.openxmlformats.org/drawingml/2006/main" uniqueId="urn:microsoft.com/office/officeart/2005/8/quickstyle/simple1">
+  <dgm:title val=""/>
+  <dgm:desc val=""/>
+  <dgm:catLst>
+    <dgm:cat type="simple" pri="10100"/>
+  </dgm:catLst>
+  <dgm:scene3d>
+    <a:camera prst="orthographicFront"/>
+    <a:lightRig rig="threePt" dir="t"/>
+  </dgm:scene3d>
+  <dgm:styleLbl name="node0">
+    <dgm:scene3d>
+      <a:camera prst="orthographicFront"/>
+      <a:lightRig rig="threePt" dir="t"/>
+    </dgm:scene3d>
+    <dgm:sp3d/>
+    <dgm:txPr/>
+    <dgm:style>
+      <a:lnRef idx="2">
+        <a:scrgbClr r="0" g="0" b="0"/>
+      </a:lnRef>
+      <a:fillRef idx="1">
+        <a:scrgbClr r="0" g="0" b="0"/>
+      </a:fillRef>
+      <a:effectRef idx="0">
+        <a:scrgbClr r="0" g="0" b="0"/>
+      </a:effectRef>
+      <a:fontRef idx="minor">
+        <a:schemeClr val="lt1"/>
+      </a:fontRef>
+    </dgm:style>
+  </dgm:styleLbl>
+  <dgm:styleLbl name="lnNode1">
+    <dgm:scene3d>
+      <a:camera prst="orthographicFront"/>
+      <a:lightRig rig="threePt" dir="t"/>
+    </dgm:scene3d>
+    <dgm:sp3d/>
+    <dgm:txPr/>
+    <dgm:style>
+      <a:lnRef idx="2">
+        <a:scrgbClr r="0" g="0" b="0"/>
+      </a:lnRef>
+      <a:fillRef idx="1">
+        <a:scrgbClr r="0" g="0" b="0"/>
+      </a:fillRef>
+      <a:effectRef idx="0">
+        <a:scrgbClr r="0" g="0" b="0"/>
+      </a:effectRef>
+      <a:fontRef idx="minor">
+        <a:schemeClr val="lt1"/>
+      </a:fontRef>
+    </dgm:style>
+  </dgm:styleLbl>
+  <dgm:styleLbl name="vennNode1">
+    <dgm:scene3d>
+      <a:camera prst="orthographicFront"/>
+      <a:lightRig rig="threePt" dir="t"/>
+    </dgm:scene3d>
+    <dgm:sp3d/>
+    <dgm:txPr/>
+    <dgm:style>
+      <a:lnRef idx="2">
+        <a:scrgbClr r="0" g="0" b="0"/>
+      </a:lnRef>
+      <a:fillRef idx="1">
+        <a:scrgbClr r="0" g="0" b="0"/>
+      </a:fillRef>
+      <a:effectRef idx="0">
+        <a:scrgbClr r="0" g="0" b="0"/>
+      </a:effectRef>
+      <a:fontRef idx="minor">
+        <a:schemeClr val="tx1"/>
+      </a:fontRef>
+    </dgm:style>
+  </dgm:styleLbl>
+  <dgm:styleLbl name="alignNode1">
+    <dgm:scene3d>
+      <a:camera prst="orthographicFront"/>
+      <a:lightRig rig="threePt" dir="t"/>
+    </dgm:scene3d>
+    <dgm:sp3d/>
+    <dgm:txPr/>
+    <dgm:style>
+      <a:lnRef idx="2">
+        <a:scrgbClr r="0" g="0" b="0"/>
+      </a:lnRef>
+      <a:fillRef idx="1">
+        <a:scrgbClr r="0" g="0" b="0"/>
+      </a:fillRef>
+      <a:effectRef idx="0">
+        <a:scrgbClr r="0" g="0" b="0"/>
+      </a:effectRef>
+      <a:fontRef idx="minor">
+        <a:schemeClr val="lt1"/>
+      </a:fontRef>
+    </dgm:style>
+  </dgm:styleLbl>
+  <dgm:styleLbl name="node1">
+    <dgm:scene3d>
+      <a:camera prst="orthographicFront"/>
+      <a:lightRig rig="threePt" dir="t"/>
+    </dgm:scene3d>
+    <dgm:sp3d/>
+    <dgm:txPr/>
+    <dgm:style>
+      <a:lnRef idx="2">
+        <a:scrgbClr r="0" g="0" b="0"/>
+      </a:lnRef>
+      <a:fillRef idx="1">
+        <a:scrgbClr r="0" g="0" b="0"/>
+      </a:fillRef>
+      <a:effectRef idx="0">
+        <a:scrgbClr r="0" g="0" b="0"/>
+      </a:effectRef>
+      <a:fontRef idx="minor">
+        <a:schemeClr val="lt1"/>
+      </a:fontRef>
+    </dgm:style>
+  </dgm:styleLbl>
+  <dgm:styleLbl name="node2">
+    <dgm:scene3d>
+      <a:camera prst="orthographicFront"/>
+      <a:lightRig rig="threePt" dir="t"/>
+    </dgm:scene3d>
+    <dgm:sp3d/>
+    <dgm:txPr/>
+    <dgm:style>
+      <a:lnRef idx="2">
+        <a:scrgbClr r="0" g="0" b="0"/>
+      </a:lnRef>
+      <a:fillRef idx="1">
+        <a:scrgbClr r="0" g="0" b="0"/>
+      </a:fillRef>
+      <a:effectRef idx="0">
+        <a:scrgbClr r="0" g="0" b="0"/>
+      </a:effectRef>
+      <a:fontRef idx="minor">
+        <a:schemeClr val="lt1"/>
+      </a:fontRef>
+    </dgm:style>
+  </dgm:styleLbl>
+  <dgm:styleLbl name="node3">
+    <dgm:scene3d>
+      <a:camera prst="orthographicFront"/>
+      <a:lightRig rig="threePt" dir="t"/>
+    </dgm:scene3d>
+    <dgm:sp3d/>
+    <dgm:txPr/>
+    <dgm:style>
+      <a:lnRef idx="2">
+        <a:scrgbClr r="0" g="0" b="0"/>
+      </a:lnRef>
+      <a:fillRef idx="1">
+        <a:scrgbClr r="0" g="0" b="0"/>
+      </a:fillRef>
+      <a:effectRef idx="0">
+        <a:scrgbClr r="0" g="0" b="0"/>
+      </a:effectRef>
+      <a:fontRef idx="minor">
+        <a:schemeClr val="lt1"/>
+      </a:fontRef>
+    </dgm:style>
+  </dgm:styleLbl>
+  <dgm:styleLbl name="node4">
+    <dgm:scene3d>
+      <a:camera prst="orthographicFront"/>
+      <a:lightRig rig="threePt" dir="t"/>
+    </dgm:scene3d>
+    <dgm:sp3d/>
+    <dgm:txPr/>
+    <dgm:style>
+      <a:lnRef idx="2">
+        <a:scrgbClr r="0" g="0" b="0"/>
+      </a:lnRef>
+      <a:fillRef idx="1">
+        <a:scrgbClr r="0" g="0" b="0"/>
+      </a:fillRef>
+      <a:effectRef idx="0">
+        <a:scrgbClr r="0" g="0" b="0"/>
+      </a:effectRef>
+      <a:fontRef idx="minor">
+        <a:schemeClr val="lt1"/>
+      </a:fontRef>
+    </dgm:style>
+  </dgm:styleLbl>
+  <dgm:styleLbl name="fgImgPlace1">
+    <dgm:scene3d>
+      <a:camera prst="orthographicFront"/>
+      <a:lightRig rig="threePt" dir="t"/>
+    </dgm:scene3d>
+    <dgm:sp3d/>
+    <dgm:txPr/>
+    <dgm:style>
+      <a:lnRef idx="2">
+        <a:scrgbClr r="0" g="0" b="0"/>
+      </a:lnRef>
+      <a:fillRef idx="1">
+        <a:scrgbClr r="0" g="0" b="0"/>
+      </a:fillRef>
+      <a:effectRef idx="0">
+        <a:scrgbClr r="0" g="0" b="0"/>
+      </a:effectRef>
+      <a:fontRef idx="minor"/>
+    </dgm:style>
+  </dgm:styleLbl>
+  <dgm:styleLbl name="alignImgPlace1">
+    <dgm:scene3d>
+      <a:camera prst="orthographicFront"/>
+      <a:lightRig rig="threePt" dir="t"/>
+    </dgm:scene3d>
+    <dgm:sp3d/>
+    <dgm:txPr/>
+    <dgm:style>
+      <a:lnRef idx="2">
+        <a:scrgbClr r="0" g="0" b="0"/>
+      </a:lnRef>
+      <a:fillRef idx="1">
+        <a:scrgbClr r="0" g="0" b="0"/>
+      </a:fillRef>
+      <a:effectRef idx="0">
+        <a:scrgbClr r="0" g="0" b="0"/>
+      </a:effectRef>
+      <a:fontRef idx="minor"/>
+    </dgm:style>
+  </dgm:styleLbl>
+  <dgm:styleLbl name="bgImgPlace1">
+    <dgm:scene3d>
+      <a:camera prst="orthographicFront"/>
+      <a:lightRig rig="threePt" dir="t"/>
+    </dgm:scene3d>
+    <dgm:sp3d/>
+    <dgm:txPr/>
+    <dgm:style>
+      <a:lnRef idx="2">
+        <a:scrgbClr r="0" g="0" b="0"/>
+      </a:lnRef>
+      <a:fillRef idx="1">
+        <a:scrgbClr r="0" g="0" b="0"/>
+      </a:fillRef>
+      <a:effectRef idx="0">
+        <a:scrgbClr r="0" g="0" b="0"/>
+      </a:effectRef>
+      <a:fontRef idx="minor"/>
+    </dgm:style>
+  </dgm:styleLbl>
+  <dgm:styleLbl name="sibTrans2D1">
+    <dgm:scene3d>
+      <a:camera prst="orthographicFront"/>
+      <a:lightRig rig="threePt" dir="t"/>
+    </dgm:scene3d>
+    <dgm:sp3d/>
+    <dgm:txPr/>
+    <dgm:style>
+      <a:lnRef idx="0">
+        <a:scrgbClr r="0" g="0" b="0"/>
+      </a:lnRef>
+      <a:fillRef idx="1">
+        <a:scrgbClr r="0" g="0" b="0"/>
+      </a:fillRef>
+      <a:effectRef idx="0">
+        <a:scrgbClr r="0" g="0" b="0"/>
+      </a:effectRef>
+      <a:fontRef idx="minor">
+        <a:schemeClr val="lt1"/>
+      </a:fontRef>
+    </dgm:style>
+  </dgm:styleLbl>
+  <dgm:styleLbl name="fgSibTrans2D1">
+    <dgm:scene3d>
+      <a:camera prst="orthographicFront"/>
+      <a:lightRig rig="threePt" dir="t"/>
+    </dgm:scene3d>
+    <dgm:sp3d/>
+    <dgm:txPr/>
+    <dgm:style>
+      <a:lnRef idx="0">
+        <a:scrgbClr r="0" g="0" b="0"/>
+      </a:lnRef>
+      <a:fillRef idx="1">
+        <a:scrgbClr r="0" g="0" b="0"/>
+      </a:fillRef>
+      <a:effectRef idx="0">
+        <a:scrgbClr r="0" g="0" b="0"/>
+      </a:effectRef>
+      <a:fontRef idx="minor">
+        <a:schemeClr val="lt1"/>
+      </a:fontRef>
+    </dgm:style>
+  </dgm:styleLbl>
+  <dgm:styleLbl name="bgSibTrans2D1">
+    <dgm:scene3d>
+      <a:camera prst="orthographicFront"/>
+      <a:lightRig rig="threePt" dir="t"/>
+    </dgm:scene3d>
+    <dgm:sp3d/>
+    <dgm:txPr/>
+    <dgm:style>
+      <a:lnRef idx="0">
+        <a:scrgbClr r="0" g="0" b="0"/>
+      </a:lnRef>
+      <a:fillRef idx="1">
+        <a:scrgbClr r="0" g="0" b="0"/>
+      </a:fillRef>
+      <a:effectRef idx="0">
+        <a:scrgbClr r="0" g="0" b="0"/>
+      </a:effectRef>
+      <a:fontRef idx="minor">
+        <a:schemeClr val="lt1"/>
+      </a:fontRef>
+    </dgm:style>
+  </dgm:styleLbl>
+  <dgm:styleLbl name="sibTrans1D1">
+    <dgm:scene3d>
+      <a:camera prst="orthographicFront"/>
+      <a:lightRig rig="threePt" dir="t"/>
+    </dgm:scene3d>
+    <dgm:sp3d/>
+    <dgm:txPr/>
+    <dgm:style>
+      <a:lnRef idx="1">
+        <a:scrgbClr r="0" g="0" b="0"/>
+      </a:lnRef>
+      <a:fillRef idx="0">
+        <a:scrgbClr r="0" g="0" b="0"/>
+      </a:fillRef>
+      <a:effectRef idx="0">
+        <a:scrgbClr r="0" g="0" b="0"/>
+      </a:effectRef>
+      <a:fontRef idx="minor"/>
+    </dgm:style>
+  </dgm:styleLbl>
+  <dgm:styleLbl name="callout">
+    <dgm:scene3d>
+      <a:camera prst="orthographicFront"/>
+      <a:lightRig rig="threePt" dir="t"/>
+    </dgm:scene3d>
+    <dgm:sp3d/>
+    <dgm:txPr/>
+    <dgm:style>
+      <a:lnRef idx="2">
+        <a:scrgbClr r="0" g="0" b="0"/>
+      </a:lnRef>
+      <a:fillRef idx="1">
+        <a:scrgbClr r="0" g="0" b="0"/>
+      </a:fillRef>
+      <a:effectRef idx="0">
+        <a:scrgbClr r="0" g="0" b="0"/>
+      </a:effectRef>
+      <a:fontRef idx="minor"/>
+    </dgm:style>
+  </dgm:styleLbl>
+  <dgm:styleLbl name="asst0">
+    <dgm:scene3d>
+      <a:camera prst="orthographicFront"/>
+      <a:lightRig rig="threePt" dir="t"/>
+    </dgm:scene3d>
+    <dgm:sp3d/>
+    <dgm:txPr/>
+    <dgm:style>
+      <a:lnRef idx="2">
+        <a:scrgbClr r="0" g="0" b="0"/>
+      </a:lnRef>
+      <a:fillRef idx="1">
+        <a:scrgbClr r="0" g="0" b="0"/>
+      </a:fillRef>
+      <a:effectRef idx="0">
+        <a:scrgbClr r="0" g="0" b="0"/>
+      </a:effectRef>
+      <a:fontRef idx="minor">
+        <a:schemeClr val="lt1"/>
+      </a:fontRef>
+    </dgm:style>
+  </dgm:styleLbl>
+  <dgm:styleLbl name="asst1">
+    <dgm:scene3d>
+      <a:camera prst="orthographicFront"/>
+      <a:lightRig rig="threePt" dir="t"/>
+    </dgm:scene3d>
+    <dgm:sp3d/>
+    <dgm:txPr/>
+    <dgm:style>
+      <a:lnRef idx="2">
+        <a:scrgbClr r="0" g="0" b="0"/>
+      </a:lnRef>
+      <a:fillRef idx="1">
+        <a:scrgbClr r="0" g="0" b="0"/>
+      </a:fillRef>
+      <a:effectRef idx="0">
+        <a:scrgbClr r="0" g="0" b="0"/>
+      </a:effectRef>
+      <a:fontRef idx="minor">
+        <a:schemeClr val="lt1"/>
+      </a:fontRef>
+    </dgm:style>
+  </dgm:styleLbl>
+  <dgm:styleLbl name="asst2">
+    <dgm:scene3d>
+      <a:camera prst="orthographicFront"/>
+      <a:lightRig rig="threePt" dir="t"/>
+    </dgm:scene3d>
+    <dgm:sp3d/>
+    <dgm:txPr/>
+    <dgm:style>
+      <a:lnRef idx="2">
+        <a:scrgbClr r="0" g="0" b="0"/>
+      </a:lnRef>
+      <a:fillRef idx="1">
+        <a:scrgbClr r="0" g="0" b="0"/>
+      </a:fillRef>
+      <a:effectRef idx="0">
+        <a:scrgbClr r="0" g="0" b="0"/>
+      </a:effectRef>
+      <a:fontRef idx="minor">
+        <a:schemeClr val="lt1"/>
+      </a:fontRef>
+    </dgm:style>
+  </dgm:styleLbl>
+  <dgm:styleLbl name="asst3">
+    <dgm:scene3d>
+      <a:camera prst="orthographicFront"/>
+      <a:lightRig rig="threePt" dir="t"/>
+    </dgm:scene3d>
+    <dgm:sp3d/>
+    <dgm:txPr/>
+    <dgm:style>
+      <a:lnRef idx="2">
+        <a:scrgbClr r="0" g="0" b="0"/>
+      </a:lnRef>
+      <a:fillRef idx="1">
+        <a:scrgbClr r="0" g="0" b="0"/>
+      </a:fillRef>
+      <a:effectRef idx="0">
+        <a:scrgbClr r="0" g="0" b="0"/>
+      </a:effectRef>
+      <a:fontRef idx="minor">
+        <a:schemeClr val="lt1"/>
+      </a:fontRef>
+    </dgm:style>
+  </dgm:styleLbl>
+  <dgm:styleLbl name="asst4">
+    <dgm:scene3d>
+      <a:camera prst="orthographicFront"/>
+      <a:lightRig rig="threePt" dir="t"/>
+    </dgm:scene3d>
+    <dgm:sp3d/>
+    <dgm:txPr/>
+    <dgm:style>
+      <a:lnRef idx="2">
+        <a:scrgbClr r="0" g="0" b="0"/>
+      </a:lnRef>
+      <a:fillRef idx="1">
+        <a:scrgbClr r="0" g="0" b="0"/>
+      </a:fillRef>
+      <a:effectRef idx="0">
+        <a:scrgbClr r="0" g="0" b="0"/>
+      </a:effectRef>
+      <a:fontRef idx="minor">
+        <a:schemeClr val="lt1"/>
+      </a:fontRef>
+    </dgm:style>
+  </dgm:styleLbl>
+  <dgm:styleLbl name="parChTrans2D1">
+    <dgm:scene3d>
+      <a:camera prst="orthographicFront"/>
+      <a:lightRig rig="threePt" dir="t"/>
+    </dgm:scene3d>
+    <dgm:sp3d/>
+    <dgm:txPr/>
+    <dgm:style>
+      <a:lnRef idx="2">
+        <a:scrgbClr r="0" g="0" b="0"/>
+      </a:lnRef>
+      <a:fillRef idx="1">
+        <a:scrgbClr r="0" g="0" b="0"/>
+      </a:fillRef>
+      <a:effectRef idx="0">
+        <a:scrgbClr r="0" g="0" b="0"/>
+      </a:effectRef>
+      <a:fontRef idx="minor">
+        <a:schemeClr val="lt1"/>
+      </a:fontRef>
+    </dgm:style>
+  </dgm:styleLbl>
+  <dgm:styleLbl name="parChTrans2D2">
+    <dgm:scene3d>
+      <a:camera prst="orthographicFront"/>
+      <a:lightRig rig="threePt" dir="t"/>
+    </dgm:scene3d>
+    <dgm:sp3d/>
+    <dgm:txPr/>
+    <dgm:style>
+      <a:lnRef idx="2">
+        <a:scrgbClr r="0" g="0" b="0"/>
+      </a:lnRef>
+      <a:fillRef idx="1">
+        <a:scrgbClr r="0" g="0" b="0"/>
+      </a:fillRef>
+      <a:effectRef idx="0">
+        <a:scrgbClr r="0" g="0" b="0"/>
+      </a:effectRef>
+      <a:fontRef idx="minor">
+        <a:schemeClr val="lt1"/>
+      </a:fontRef>
+    </dgm:style>
+  </dgm:styleLbl>
+  <dgm:styleLbl name="parChTrans2D3">
+    <dgm:scene3d>
+      <a:camera prst="orthographicFront"/>
+      <a:lightRig rig="threePt" dir="t"/>
+    </dgm:scene3d>
+    <dgm:sp3d/>
+    <dgm:txPr/>
+    <dgm:style>
+      <a:lnRef idx="2">
+        <a:scrgbClr r="0" g="0" b="0"/>
+      </a:lnRef>
+      <a:fillRef idx="1">
+        <a:scrgbClr r="0" g="0" b="0"/>
+      </a:fillRef>
+      <a:effectRef idx="0">
+        <a:scrgbClr r="0" g="0" b="0"/>
+      </a:effectRef>
+      <a:fontRef idx="minor">
+        <a:schemeClr val="lt1"/>
+      </a:fontRef>
+    </dgm:style>
+  </dgm:styleLbl>
+  <dgm:styleLbl name="parChTrans2D4">
+    <dgm:scene3d>
+      <a:camera prst="orthographicFront"/>
+      <a:lightRig rig="threePt" dir="t"/>
+    </dgm:scene3d>
+    <dgm:sp3d/>
+    <dgm:txPr/>
+    <dgm:style>
+      <a:lnRef idx="2">
+        <a:scrgbClr r="0" g="0" b="0"/>
+      </a:lnRef>
+      <a:fillRef idx="1">
+        <a:scrgbClr r="0" g="0" b="0"/>
+      </a:fillRef>
+      <a:effectRef idx="0">
+        <a:scrgbClr r="0" g="0" b="0"/>
+      </a:effectRef>
+      <a:fontRef idx="minor">
+        <a:schemeClr val="lt1"/>
+      </a:fontRef>
+    </dgm:style>
+  </dgm:styleLbl>
+  <dgm:styleLbl name="parChTrans1D1">
+    <dgm:scene3d>
+      <a:camera prst="orthographicFront"/>
+      <a:lightRig rig="threePt" dir="t"/>
+    </dgm:scene3d>
+    <dgm:sp3d/>
+    <dgm:txPr/>
+    <dgm:style>
+      <a:lnRef idx="2">
+        <a:scrgbClr r="0" g="0" b="0"/>
+      </a:lnRef>
+      <a:fillRef idx="0">
+        <a:scrgbClr r="0" g="0" b="0"/>
+      </a:fillRef>
+      <a:effectRef idx="0">
+        <a:scrgbClr r="0" g="0" b="0"/>
+      </a:effectRef>
+      <a:fontRef idx="minor"/>
+    </dgm:style>
+  </dgm:styleLbl>
+  <dgm:styleLbl name="parChTrans1D2">
+    <dgm:scene3d>
+      <a:camera prst="orthographicFront"/>
+      <a:lightRig rig="threePt" dir="t"/>
+    </dgm:scene3d>
+    <dgm:sp3d/>
+    <dgm:txPr/>
+    <dgm:style>
+      <a:lnRef idx="2">
+        <a:scrgbClr r="0" g="0" b="0"/>
+      </a:lnRef>
+      <a:fillRef idx="0">
+        <a:scrgbClr r="0" g="0" b="0"/>
+      </a:fillRef>
+      <a:effectRef idx="0">
+        <a:scrgbClr r="0" g="0" b="0"/>
+      </a:effectRef>
+      <a:fontRef idx="minor"/>
+    </dgm:style>
+  </dgm:styleLbl>
+  <dgm:styleLbl name="parChTrans1D3">
+    <dgm:scene3d>
+      <a:camera prst="orthographicFront"/>
+      <a:lightRig rig="threePt" dir="t"/>
+    </dgm:scene3d>
+    <dgm:sp3d/>
+    <dgm:txPr/>
+    <dgm:style>
+      <a:lnRef idx="2">
+        <a:scrgbClr r="0" g="0" b="0"/>
+      </a:lnRef>
+      <a:fillRef idx="0">
+        <a:scrgbClr r="0" g="0" b="0"/>
+      </a:fillRef>
+      <a:effectRef idx="0">
+        <a:scrgbClr r="0" g="0" b="0"/>
+      </a:effectRef>
+      <a:fontRef idx="minor"/>
+    </dgm:style>
+  </dgm:styleLbl>
+  <dgm:styleLbl name="parChTrans1D4">
+    <dgm:scene3d>
+      <a:camera prst="orthographicFront"/>
+      <a:lightRig rig="threePt" dir="t"/>
+    </dgm:scene3d>
+    <dgm:sp3d/>
+    <dgm:txPr/>
+    <dgm:style>
+      <a:lnRef idx="2">
+        <a:scrgbClr r="0" g="0" b="0"/>
+      </a:lnRef>
+      <a:fillRef idx="0">
+        <a:scrgbClr r="0" g="0" b="0"/>
+      </a:fillRef>
+      <a:effectRef idx="0">
+        <a:scrgbClr r="0" g="0" b="0"/>
+      </a:effectRef>
+      <a:fontRef idx="minor"/>
+    </dgm:style>
+  </dgm:styleLbl>
+  <dgm:styleLbl name="fgAcc1">
+    <dgm:scene3d>
+      <a:camera prst="orthographicFront"/>
+      <a:lightRig rig="threePt" dir="t"/>
+    </dgm:scene3d>
+    <dgm:sp3d/>
+    <dgm:txPr/>
+    <dgm:style>
+      <a:lnRef idx="2">
+        <a:scrgbClr r="0" g="0" b="0"/>
+      </a:lnRef>
+      <a:fillRef idx="1">
+        <a:scrgbClr r="0" g="0" b="0"/>
+      </a:fillRef>
+      <a:effectRef idx="0">
+        <a:scrgbClr r="0" g="0" b="0"/>
+      </a:effectRef>
+      <a:fontRef idx="minor"/>
+    </dgm:style>
+  </dgm:styleLbl>
+  <dgm:styleLbl name="conFgAcc1">
+    <dgm:scene3d>
+      <a:camera prst="orthographicFront"/>
+      <a:lightRig rig="threePt" dir="t"/>
+    </dgm:scene3d>
+    <dgm:sp3d/>
+    <dgm:txPr/>
+    <dgm:style>
+      <a:lnRef idx="2">
+        <a:scrgbClr r="0" g="0" b="0"/>
+      </a:lnRef>
+      <a:fillRef idx="1">
+        <a:scrgbClr r="0" g="0" b="0"/>
+      </a:fillRef>
+      <a:effectRef idx="0">
+        <a:scrgbClr r="0" g="0" b="0"/>
+      </a:effectRef>
+      <a:fontRef idx="minor"/>
+    </dgm:style>
+  </dgm:styleLbl>
+  <dgm:styleLbl name="alignAcc1">
+    <dgm:scene3d>
+      <a:camera prst="orthographicFront"/>
+      <a:lightRig rig="threePt" dir="t"/>
+    </dgm:scene3d>
+    <dgm:sp3d/>
+    <dgm:txPr/>
+    <dgm:style>
+      <a:lnRef idx="2">
+        <a:scrgbClr r="0" g="0" b="0"/>
+      </a:lnRef>
+      <a:fillRef idx="1">
+        <a:scrgbClr r="0" g="0" b="0"/>
+      </a:fillRef>
+      <a:effectRef idx="0">
+        <a:scrgbClr r="0" g="0" b="0"/>
+      </a:effectRef>
+      <a:fontRef idx="minor"/>
+    </dgm:style>
+  </dgm:styleLbl>
+  <dgm:styleLbl name="trAlignAcc1">
+    <dgm:scene3d>
+      <a:camera prst="orthographicFront"/>
+      <a:lightRig rig="threePt" dir="t"/>
+    </dgm:scene3d>
+    <dgm:sp3d/>
+    <dgm:txPr/>
+    <dgm:style>
+      <a:lnRef idx="1">
+        <a:scrgbClr r="0" g="0" b="0"/>
+      </a:lnRef>
+      <a:fillRef idx="1">
+        <a:scrgbClr r="0" g="0" b="0"/>
+      </a:fillRef>
+      <a:effectRef idx="0">
+        <a:scrgbClr r="0" g="0" b="0"/>
+      </a:effectRef>
+      <a:fontRef idx="minor"/>
+    </dgm:style>
+  </dgm:styleLbl>
+  <dgm:styleLbl name="bgAcc1">
+    <dgm:scene3d>
+      <a:camera prst="orthographicFront"/>
+      <a:lightRig rig="threePt" dir="t"/>
+    </dgm:scene3d>
+    <dgm:sp3d/>
+    <dgm:txPr/>
+    <dgm:style>
+      <a:lnRef idx="2">
+        <a:scrgbClr r="0" g="0" b="0"/>
+      </a:lnRef>
+      <a:fillRef idx="1">
+        <a:scrgbClr r="0" g="0" b="0"/>
+      </a:fillRef>
+      <a:effectRef idx="0">
+        <a:scrgbClr r="0" g="0" b="0"/>
+      </a:effectRef>
+      <a:fontRef idx="minor"/>
+    </dgm:style>
+  </dgm:styleLbl>
+  <dgm:styleLbl name="solidFgAcc1">
+    <dgm:scene3d>
+      <a:camera prst="orthographicFront"/>
+      <a:lightRig rig="threePt" dir="t"/>
+    </dgm:scene3d>
+    <dgm:sp3d/>
+    <dgm:txPr/>
+    <dgm:style>
+      <a:lnRef idx="2">
+        <a:scrgbClr r="0" g="0" b="0"/>
+      </a:lnRef>
+      <a:fillRef idx="1">
+        <a:scrgbClr r="0" g="0" b="0"/>
+      </a:fillRef>
+      <a:effectRef idx="0">
+        <a:scrgbClr r="0" g="0" b="0"/>
+      </a:effectRef>
+      <a:fontRef idx="minor"/>
+    </dgm:style>
+  </dgm:styleLbl>
+  <dgm:styleLbl name="solidAlignAcc1">
+    <dgm:scene3d>
+      <a:camera prst="orthographicFront"/>
+      <a:lightRig rig="threePt" dir="t"/>
+    </dgm:scene3d>
+    <dgm:sp3d/>
+    <dgm:txPr/>
+    <dgm:style>
+      <a:lnRef idx="2">
+        <a:scrgbClr r="0" g="0" b="0"/>
+      </a:lnRef>
+      <a:fillRef idx="1">
+        <a:scrgbClr r="0" g="0" b="0"/>
+      </a:fillRef>
+      <a:effectRef idx="0">
+        <a:scrgbClr r="0" g="0" b="0"/>
+      </a:effectRef>
+      <a:fontRef idx="minor"/>
+    </dgm:style>
+  </dgm:styleLbl>
+  <dgm:styleLbl name="solidBgAcc1">
+    <dgm:scene3d>
+      <a:camera prst="orthographicFront"/>
+      <a:lightRig rig="threePt" dir="t"/>
+    </dgm:scene3d>
+    <dgm:sp3d/>
+    <dgm:txPr/>
+    <dgm:style>
+      <a:lnRef idx="2">
+        <a:scrgbClr r="0" g="0" b="0"/>
+      </a:lnRef>
+      <a:fillRef idx="1">
+        <a:scrgbClr r="0" g="0" b="0"/>
+      </a:fillRef>
+      <a:effectRef idx="0">
+        <a:scrgbClr r="0" g="0" b="0"/>
+      </a:effectRef>
+      <a:fontRef idx="minor"/>
+    </dgm:style>
+  </dgm:styleLbl>
+  <dgm:styleLbl name="fgAccFollowNode1">
+    <dgm:scene3d>
+      <a:camera prst="orthographicFront"/>
+      <a:lightRig rig="threePt" dir="t"/>
+    </dgm:scene3d>
+    <dgm:sp3d/>
+    <dgm:txPr/>
+    <dgm:style>
+      <a:lnRef idx="2">
+        <a:scrgbClr r="0" g="0" b="0"/>
+      </a:lnRef>
+      <a:fillRef idx="1">
+        <a:scrgbClr r="0" g="0" b="0"/>
+      </a:fillRef>
+      <a:effectRef idx="0">
+        <a:scrgbClr r="0" g="0" b="0"/>
+      </a:effectRef>
+      <a:fontRef idx="minor"/>
+    </dgm:style>
+  </dgm:styleLbl>
+  <dgm:styleLbl name="alignAccFollowNode1">
+    <dgm:scene3d>
+      <a:camera prst="orthographicFront"/>
+      <a:lightRig rig="threePt" dir="t"/>
+    </dgm:scene3d>
+    <dgm:sp3d/>
+    <dgm:txPr/>
+    <dgm:style>
+      <a:lnRef idx="2">
+        <a:scrgbClr r="0" g="0" b="0"/>
+      </a:lnRef>
+      <a:fillRef idx="1">
+        <a:scrgbClr r="0" g="0" b="0"/>
+      </a:fillRef>
+      <a:effectRef idx="0">
+        <a:scrgbClr r="0" g="0" b="0"/>
+      </a:effectRef>
+      <a:fontRef idx="minor"/>
+    </dgm:style>
+  </dgm:styleLbl>
+  <dgm:styleLbl name="bgAccFollowNode1">
+    <dgm:scene3d>
+      <a:camera prst="orthographicFront"/>
+      <a:lightRig rig="threePt" dir="t"/>
+    </dgm:scene3d>
+    <dgm:sp3d/>
+    <dgm:txPr/>
+    <dgm:style>
+      <a:lnRef idx="2">
+        <a:scrgbClr r="0" g="0" b="0"/>
+      </a:lnRef>
+      <a:fillRef idx="1">
+        <a:scrgbClr r="0" g="0" b="0"/>
+      </a:fillRef>
+      <a:effectRef idx="0">
+        <a:scrgbClr r="0" g="0" b="0"/>
+      </a:effectRef>
+      <a:fontRef idx="minor"/>
+    </dgm:style>
+  </dgm:styleLbl>
+  <dgm:styleLbl name="fgAcc0">
+    <dgm:scene3d>
+      <a:camera prst="orthographicFront"/>
+      <a:lightRig rig="threePt" dir="t"/>
+    </dgm:scene3d>
+    <dgm:sp3d/>
+    <dgm:txPr/>
+    <dgm:style>
+      <a:lnRef idx="2">
+        <a:scrgbClr r="0" g="0" b="0"/>
+      </a:lnRef>
+      <a:fillRef idx="1">
+        <a:scrgbClr r="0" g="0" b="0"/>
+      </a:fillRef>
+      <a:effectRef idx="0">
+        <a:scrgbClr r="0" g="0" b="0"/>
+      </a:effectRef>
+      <a:fontRef idx="minor"/>
+    </dgm:style>
+  </dgm:styleLbl>
+  <dgm:styleLbl name="fgAcc2">
+    <dgm:scene3d>
+      <a:camera prst="orthographicFront"/>
+      <a:lightRig rig="threePt" dir="t"/>
+    </dgm:scene3d>
+    <dgm:sp3d/>
+    <dgm:txPr/>
+    <dgm:style>
+      <a:lnRef idx="2">
+        <a:scrgbClr r="0" g="0" b="0"/>
+      </a:lnRef>
+      <a:fillRef idx="1">
+        <a:scrgbClr r="0" g="0" b="0"/>
+      </a:fillRef>
+      <a:effectRef idx="0">
+        <a:scrgbClr r="0" g="0" b="0"/>
+      </a:effectRef>
+      <a:fontRef idx="minor"/>
+    </dgm:style>
+  </dgm:styleLbl>
+  <dgm:styleLbl name="fgAcc3">
+    <dgm:scene3d>
+      <a:camera prst="orthographicFront"/>
+      <a:lightRig rig="threePt" dir="t"/>
+    </dgm:scene3d>
+    <dgm:sp3d/>
+    <dgm:txPr/>
+    <dgm:style>
+      <a:lnRef idx="2">
+        <a:scrgbClr r="0" g="0" b="0"/>
+      </a:lnRef>
+      <a:fillRef idx="1">
+        <a:scrgbClr r="0" g="0" b="0"/>
+      </a:fillRef>
+      <a:effectRef idx="0">
+        <a:scrgbClr r="0" g="0" b="0"/>
+      </a:effectRef>
+      <a:fontRef idx="minor"/>
+    </dgm:style>
+  </dgm:styleLbl>
+  <dgm:styleLbl name="fgAcc4">
+    <dgm:scene3d>
+      <a:camera prst="orthographicFront"/>
+      <a:lightRig rig="threePt" dir="t"/>
+    </dgm:scene3d>
+    <dgm:sp3d/>
+    <dgm:txPr/>
+    <dgm:style>
+      <a:lnRef idx="2">
+        <a:scrgbClr r="0" g="0" b="0"/>
+      </a:lnRef>
+      <a:fillRef idx="1">
+        <a:scrgbClr r="0" g="0" b="0"/>
+      </a:fillRef>
+      <a:effectRef idx="0">
+        <a:scrgbClr r="0" g="0" b="0"/>
+      </a:effectRef>
+      <a:fontRef idx="minor"/>
+    </dgm:style>
+  </dgm:styleLbl>
+  <dgm:styleLbl name="bgShp">
+    <dgm:scene3d>
+      <a:camera prst="orthographicFront"/>
+      <a:lightRig rig="threePt" dir="t"/>
+    </dgm:scene3d>
+    <dgm:sp3d/>
+    <dgm:txPr/>
+    <dgm:style>
+      <a:lnRef idx="0">
+        <a:scrgbClr r="0" g="0" b="0"/>
+      </a:lnRef>
+      <a:fillRef idx="1">
+        <a:scrgbClr r="0" g="0" b="0"/>
+      </a:fillRef>
+      <a:effectRef idx="0">
+        <a:scrgbClr r="0" g="0" b="0"/>
+      </a:effectRef>
+      <a:fontRef idx="minor"/>
+    </dgm:style>
+  </dgm:styleLbl>
+  <dgm:styleLbl name="dkBgShp">
+    <dgm:scene3d>
+      <a:camera prst="orthographicFront"/>
+      <a:lightRig rig="threePt" dir="t"/>
+    </dgm:scene3d>
+    <dgm:sp3d/>
+    <dgm:txPr/>
+    <dgm:style>
+      <a:lnRef idx="0">
+        <a:scrgbClr r="0" g="0" b="0"/>
+      </a:lnRef>
+      <a:fillRef idx="1">
+        <a:scrgbClr r="0" g="0" b="0"/>
+      </a:fillRef>
+      <a:effectRef idx="0">
+        <a:scrgbClr r="0" g="0" b="0"/>
+      </a:effectRef>
+      <a:fontRef idx="minor"/>
+    </dgm:style>
+  </dgm:styleLbl>
+  <dgm:styleLbl name="trBgShp">
+    <dgm:scene3d>
+      <a:camera prst="orthographicFront"/>
+      <a:lightRig rig="threePt" dir="t"/>
+    </dgm:scene3d>
+    <dgm:sp3d/>
+    <dgm:txPr/>
+    <dgm:style>
+      <a:lnRef idx="0">
+        <a:scrgbClr r="0" g="0" b="0"/>
+      </a:lnRef>
+      <a:fillRef idx="1">
+        <a:scrgbClr r="0" g="0" b="0"/>
+      </a:fillRef>
+      <a:effectRef idx="0">
+        <a:scrgbClr r="0" g="0" b="0"/>
+      </a:effectRef>
+      <a:fontRef idx="minor"/>
+    </dgm:style>
+  </dgm:styleLbl>
+  <dgm:styleLbl name="fgShp">
+    <dgm:scene3d>
+      <a:camera prst="orthographicFront"/>
+      <a:lightRig rig="threePt" dir="t"/>
+    </dgm:scene3d>
+    <dgm:sp3d/>
+    <dgm:txPr/>
+    <dgm:style>
+      <a:lnRef idx="2">
+        <a:scrgbClr r="0" g="0" b="0"/>
+      </a:lnRef>
+      <a:fillRef idx="1">
+        <a:scrgbClr r="0" g="0" b="0"/>
+      </a:fillRef>
+      <a:effectRef idx="0">
+        <a:scrgbClr r="0" g="0" b="0"/>
+      </a:effectRef>
+      <a:fontRef idx="minor"/>
+    </dgm:style>
+  </dgm:styleLbl>
+  <dgm:styleLbl name="revTx">
+    <dgm:scene3d>
+      <a:camera prst="orthographicFront"/>
+      <a:lightRig rig="threePt" dir="t"/>
+    </dgm:scene3d>
+    <dgm:sp3d/>
+    <dgm:txPr/>
+    <dgm:style>
+      <a:lnRef idx="0">
+        <a:scrgbClr r="0" g="0" b="0"/>
+      </a:lnRef>
+      <a:fillRef idx="0">
+        <a:scrgbClr r="0" g="0" b="0"/>
+      </a:fillRef>
+      <a:effectRef idx="0">
+        <a:scrgbClr r="0" g="0" b="0"/>
+      </a:effectRef>
+      <a:fontRef idx="minor"/>
+    </dgm:style>
+  </dgm:styleLbl>
+</dgm:styleDef>
+</file>
+
+<file path=ppt/diagrams/quickStyle5.xml><?xml version="1.0" encoding="utf-8"?>
 <dgm:styleDef xmlns:dgm="http://schemas.openxmlformats.org/drawingml/2006/diagram" xmlns:a="http://schemas.openxmlformats.org/drawingml/2006/main" uniqueId="urn:microsoft.com/office/officeart/2005/8/quickstyle/simple5">
   <dgm:title val=""/>
   <dgm:desc val=""/>
@@ -15691,7 +22989,7 @@
 </dgm:styleDef>
 </file>
 
-<file path=ppt/diagrams/quickStyle5.xml><?xml version="1.0" encoding="utf-8"?>
+<file path=ppt/diagrams/quickStyle6.xml><?xml version="1.0" encoding="utf-8"?>
 <dgm:styleDef xmlns:dgm="http://schemas.openxmlformats.org/drawingml/2006/diagram" xmlns:a="http://schemas.openxmlformats.org/drawingml/2006/main" uniqueId="urn:microsoft.com/office/officeart/2005/8/quickstyle/3d3">
   <dgm:title val=""/>
   <dgm:desc val=""/>
@@ -17103,7 +24401,7 @@
           <a:p>
             <a:fld id="{F5FDDA56-26A9-45CA-92DB-3ECDF3E07D23}" type="datetimeFigureOut">
               <a:rPr lang="en-US" smtClean="0"/>
-              <a:t>1/8/2014</a:t>
+              <a:t>9/20/14</a:t>
             </a:fld>
             <a:endParaRPr lang="en-US"/>
           </a:p>
@@ -18101,7 +25399,7 @@
           <a:p>
             <a:fld id="{439E3D42-BC8C-48A8-BF09-B3D1FCE3ADA9}" type="datetime1">
               <a:rPr lang="en-US" smtClean="0"/>
-              <a:t>1/8/2014</a:t>
+              <a:t>9/20/14</a:t>
             </a:fld>
             <a:endParaRPr lang="en-US" dirty="0"/>
           </a:p>
@@ -18167,7 +25465,7 @@
   </p:clrMapOvr>
   <p:extLst>
     <p:ext uri="{DCECCB84-F9BA-43D5-87BE-67443E8EF086}">
-      <p15:sldGuideLst xmlns:p15="http://schemas.microsoft.com/office/powerpoint/2012/main"/>
+      <p15:sldGuideLst xmlns:p15="http://schemas.microsoft.com/office/powerpoint/2012/main" xmlns=""/>
     </p:ext>
   </p:extLst>
 </p:sldLayout>
@@ -18282,7 +25580,7 @@
           <a:p>
             <a:fld id="{C7B3822C-3B36-4EBF-A73B-1429053F4584}" type="datetime1">
               <a:rPr lang="en-US" smtClean="0"/>
-              <a:t>1/8/2014</a:t>
+              <a:t>9/20/14</a:t>
             </a:fld>
             <a:endParaRPr lang="en-US" dirty="0"/>
           </a:p>
@@ -18468,7 +25766,7 @@
           <a:p>
             <a:fld id="{BDE63735-5068-4E72-9C4B-8A5DD0228D73}" type="datetime1">
               <a:rPr lang="en-US" smtClean="0"/>
-              <a:t>1/8/2014</a:t>
+              <a:t>9/20/14</a:t>
             </a:fld>
             <a:endParaRPr lang="en-US" dirty="0"/>
           </a:p>
@@ -18674,7 +25972,7 @@
           <a:p>
             <a:fld id="{3F11D752-DC77-4AD0-9BD5-303C80E18703}" type="datetime1">
               <a:rPr lang="en-US" smtClean="0"/>
-              <a:t>1/8/2014</a:t>
+              <a:t>9/20/14</a:t>
             </a:fld>
             <a:endParaRPr lang="en-US" dirty="0"/>
           </a:p>
@@ -18814,7 +26112,7 @@
           <a:p>
             <a:fld id="{26FD9272-1AB9-4EE3-946C-51DACA81BCAE}" type="datetime1">
               <a:rPr lang="en-US" smtClean="0"/>
-              <a:t>1/8/2014</a:t>
+              <a:t>9/20/14</a:t>
             </a:fld>
             <a:endParaRPr lang="en-US" dirty="0"/>
           </a:p>
@@ -18881,13 +26179,13 @@
   <p:timing>
     <p:tnLst>
       <p:par>
-        <p:cTn id="1" dur="indefinite" restart="never" nodeType="tmRoot"/>
+        <p:cTn xmlns:p14="http://schemas.microsoft.com/office/powerpoint/2010/main" id="1" dur="indefinite" restart="never" nodeType="tmRoot"/>
       </p:par>
     </p:tnLst>
   </p:timing>
   <p:extLst mod="1">
     <p:ext uri="{DCECCB84-F9BA-43D5-87BE-67443E8EF086}">
-      <p15:sldGuideLst xmlns:p15="http://schemas.microsoft.com/office/powerpoint/2012/main"/>
+      <p15:sldGuideLst xmlns:p15="http://schemas.microsoft.com/office/powerpoint/2012/main" xmlns=""/>
     </p:ext>
   </p:extLst>
 </p:sldLayout>
@@ -18966,7 +26264,7 @@
           <a:p>
             <a:fld id="{26FD9272-1AB9-4EE3-946C-51DACA81BCAE}" type="datetime1">
               <a:rPr lang="en-US" smtClean="0"/>
-              <a:t>1/8/2014</a:t>
+              <a:t>9/20/14</a:t>
             </a:fld>
             <a:endParaRPr lang="en-US" dirty="0"/>
           </a:p>
@@ -19033,13 +26331,13 @@
   <p:timing>
     <p:tnLst>
       <p:par>
-        <p:cTn id="1" dur="indefinite" restart="never" nodeType="tmRoot"/>
+        <p:cTn xmlns:p14="http://schemas.microsoft.com/office/powerpoint/2010/main" id="1" dur="indefinite" restart="never" nodeType="tmRoot"/>
       </p:par>
     </p:tnLst>
   </p:timing>
   <p:extLst mod="1">
     <p:ext uri="{DCECCB84-F9BA-43D5-87BE-67443E8EF086}">
-      <p15:sldGuideLst xmlns:p15="http://schemas.microsoft.com/office/powerpoint/2012/main"/>
+      <p15:sldGuideLst xmlns:p15="http://schemas.microsoft.com/office/powerpoint/2012/main" xmlns=""/>
     </p:ext>
   </p:extLst>
 </p:sldLayout>
@@ -19154,7 +26452,7 @@
           <a:p>
             <a:fld id="{329A7BC1-9504-4855-B5DD-B2E60C013FF1}" type="datetime1">
               <a:rPr lang="en-US" smtClean="0"/>
-              <a:t>1/8/2014</a:t>
+              <a:t>9/20/14</a:t>
             </a:fld>
             <a:endParaRPr lang="en-US" dirty="0"/>
           </a:p>
@@ -19411,7 +26709,7 @@
           <a:p>
             <a:fld id="{38FB8DDE-8774-4EDF-982C-F60E644380EF}" type="datetime1">
               <a:rPr lang="en-US" smtClean="0"/>
-              <a:t>1/8/2014</a:t>
+              <a:t>9/20/14</a:t>
             </a:fld>
             <a:endParaRPr lang="en-US" dirty="0"/>
           </a:p>
@@ -19706,7 +27004,7 @@
           <a:p>
             <a:fld id="{01597155-45E7-42C0-86F4-39AC64CFCD51}" type="datetime1">
               <a:rPr lang="en-US" smtClean="0"/>
-              <a:t>1/8/2014</a:t>
+              <a:t>9/20/14</a:t>
             </a:fld>
             <a:endParaRPr lang="en-US" dirty="0"/>
           </a:p>
@@ -19771,7 +27069,7 @@
   </p:clrMapOvr>
   <p:extLst>
     <p:ext uri="{DCECCB84-F9BA-43D5-87BE-67443E8EF086}">
-      <p15:sldGuideLst xmlns:p15="http://schemas.microsoft.com/office/powerpoint/2012/main"/>
+      <p15:sldGuideLst xmlns:p15="http://schemas.microsoft.com/office/powerpoint/2012/main" xmlns=""/>
     </p:ext>
   </p:extLst>
 </p:sldLayout>
@@ -20152,7 +27450,7 @@
           <a:p>
             <a:fld id="{8CEC1F47-F9B1-41B4-9B15-B98939EFF635}" type="datetime1">
               <a:rPr lang="en-US" smtClean="0"/>
-              <a:t>1/8/2014</a:t>
+              <a:t>9/20/14</a:t>
             </a:fld>
             <a:endParaRPr lang="en-US" dirty="0"/>
           </a:p>
@@ -20217,7 +27515,7 @@
   </p:clrMapOvr>
   <p:extLst mod="1">
     <p:ext uri="{DCECCB84-F9BA-43D5-87BE-67443E8EF086}">
-      <p15:sldGuideLst xmlns:p15="http://schemas.microsoft.com/office/powerpoint/2012/main"/>
+      <p15:sldGuideLst xmlns:p15="http://schemas.microsoft.com/office/powerpoint/2012/main" xmlns=""/>
     </p:ext>
   </p:extLst>
 </p:sldLayout>
@@ -20280,7 +27578,7 @@
           <a:p>
             <a:fld id="{5E6F84F0-D8E9-4591-BE6B-E851B07340B4}" type="datetime1">
               <a:rPr lang="en-US" smtClean="0"/>
-              <a:t>1/8/2014</a:t>
+              <a:t>9/20/14</a:t>
             </a:fld>
             <a:endParaRPr lang="en-US" dirty="0"/>
           </a:p>
@@ -20380,7 +27678,7 @@
           <a:p>
             <a:fld id="{9E65F527-2001-4F5D-9D3A-61A918BE82E9}" type="datetime1">
               <a:rPr lang="en-US" smtClean="0"/>
-              <a:t>1/8/2014</a:t>
+              <a:t>9/20/14</a:t>
             </a:fld>
             <a:endParaRPr lang="en-US" dirty="0"/>
           </a:p>
@@ -20673,7 +27971,7 @@
           <a:p>
             <a:fld id="{B5EAD28E-5D03-407D-8E1E-6055258D1A20}" type="datetime1">
               <a:rPr lang="en-US" smtClean="0"/>
-              <a:t>1/8/2014</a:t>
+              <a:t>9/20/14</a:t>
             </a:fld>
             <a:endParaRPr lang="en-US" dirty="0"/>
           </a:p>
@@ -20739,7 +28037,7 @@
   </p:clrMapOvr>
   <p:extLst>
     <p:ext uri="{DCECCB84-F9BA-43D5-87BE-67443E8EF086}">
-      <p15:sldGuideLst xmlns:p15="http://schemas.microsoft.com/office/powerpoint/2012/main"/>
+      <p15:sldGuideLst xmlns:p15="http://schemas.microsoft.com/office/powerpoint/2012/main" xmlns=""/>
     </p:ext>
   </p:extLst>
 </p:sldLayout>
@@ -20958,7 +28256,7 @@
           <a:p>
             <a:fld id="{38FB8DDE-8774-4EDF-982C-F60E644380EF}" type="datetime1">
               <a:rPr lang="en-US" smtClean="0"/>
-              <a:t>1/8/2014</a:t>
+              <a:t>9/20/14</a:t>
             </a:fld>
             <a:endParaRPr lang="en-US" dirty="0"/>
           </a:p>
@@ -21264,7 +28562,7 @@
           <a:p>
             <a:fld id="{38FB8DDE-8774-4EDF-982C-F60E644380EF}" type="datetime1">
               <a:rPr lang="en-US" smtClean="0"/>
-              <a:t>1/8/2014</a:t>
+              <a:t>9/20/14</a:t>
             </a:fld>
             <a:endParaRPr lang="en-US" dirty="0"/>
           </a:p>
@@ -21750,7 +29048,7 @@
   </p:txStyles>
   <p:extLst mod="1">
     <p:ext uri="{27BBF7A9-308A-43DC-89C8-2F10F3537804}">
-      <p15:sldGuideLst xmlns:p15="http://schemas.microsoft.com/office/powerpoint/2012/main"/>
+      <p15:sldGuideLst xmlns:p15="http://schemas.microsoft.com/office/powerpoint/2012/main" xmlns=""/>
     </p:ext>
   </p:extLst>
 </p:sldMaster>
@@ -21997,7 +29295,7 @@
   <p:timing>
     <p:tnLst>
       <p:par>
-        <p:cTn id="1" dur="indefinite" restart="never" nodeType="tmRoot"/>
+        <p:cTn xmlns:p14="http://schemas.microsoft.com/office/powerpoint/2010/main" id="1" dur="indefinite" restart="never" nodeType="tmRoot"/>
       </p:par>
     </p:tnLst>
   </p:timing>
@@ -22108,7 +29406,7 @@
   <p:timing>
     <p:tnLst>
       <p:par>
-        <p:cTn id="1" dur="indefinite" restart="never" nodeType="tmRoot"/>
+        <p:cTn xmlns:p14="http://schemas.microsoft.com/office/powerpoint/2010/main" id="1" dur="indefinite" restart="never" nodeType="tmRoot"/>
       </p:par>
     </p:tnLst>
   </p:timing>
@@ -22220,7 +29518,7 @@
   <p:timing>
     <p:tnLst>
       <p:par>
-        <p:cTn id="1" dur="indefinite" restart="never" nodeType="tmRoot"/>
+        <p:cTn xmlns:p14="http://schemas.microsoft.com/office/powerpoint/2010/main" id="1" dur="indefinite" restart="never" nodeType="tmRoot"/>
       </p:par>
     </p:tnLst>
   </p:timing>
@@ -22267,109 +29565,35 @@
           </a:p>
         </p:txBody>
       </p:sp>
-      <p:sp>
-        <p:nvSpPr>
-          <p:cNvPr id="2" name="Content Placeholder 1"/>
-          <p:cNvSpPr>
-            <a:spLocks noGrp="1"/>
-          </p:cNvSpPr>
+      <p:graphicFrame>
+        <p:nvGraphicFramePr>
+          <p:cNvPr id="4" name="Content Placeholder 3"/>
+          <p:cNvGraphicFramePr>
+            <a:graphicFrameLocks noGrp="1"/>
+          </p:cNvGraphicFramePr>
           <p:nvPr>
             <p:ph idx="1"/>
+            <p:extLst>
+              <p:ext uri="{D42A27DB-BD31-4B8C-83A1-F6EECF244321}">
+                <p14:modId xmlns:p14="http://schemas.microsoft.com/office/powerpoint/2010/main" val="415378354"/>
+              </p:ext>
+            </p:extLst>
           </p:nvPr>
-        </p:nvSpPr>
-        <p:spPr/>
-        <p:txBody>
-          <a:bodyPr/>
-          <a:lstStyle/>
-          <a:p>
-            <a:pPr marL="0" indent="0">
-              <a:buNone/>
-            </a:pPr>
-            <a:r>
-              <a:rPr lang="en-US" dirty="0"/>
-              <a:t>The Actor model is a model of concurrent computation using actors which is characterized by </a:t>
-            </a:r>
-            <a:r>
-              <a:rPr lang="en-US" sz="2800" dirty="0">
-                <a:solidFill>
-                  <a:schemeClr val="accent3"/>
-                </a:solidFill>
-              </a:rPr>
-              <a:t>dynamic creation </a:t>
-            </a:r>
-            <a:r>
-              <a:rPr lang="en-US" dirty="0"/>
-              <a:t>of actors, inclusion of actor</a:t>
-            </a:r>
-            <a:r>
-              <a:rPr lang="en-US" dirty="0">
-                <a:solidFill>
-                  <a:schemeClr val="accent5">
-                    <a:lumMod val="75000"/>
-                  </a:schemeClr>
-                </a:solidFill>
-              </a:rPr>
-              <a:t> </a:t>
-            </a:r>
-            <a:r>
-              <a:rPr lang="en-US" sz="2800" dirty="0">
-                <a:solidFill>
-                  <a:schemeClr val="accent3"/>
-                </a:solidFill>
-              </a:rPr>
-              <a:t>addresses</a:t>
-            </a:r>
-            <a:r>
-              <a:rPr lang="en-US" dirty="0">
-                <a:solidFill>
-                  <a:srgbClr val="6E8891"/>
-                </a:solidFill>
-              </a:rPr>
-              <a:t> </a:t>
-            </a:r>
-            <a:r>
-              <a:rPr lang="en-US" dirty="0"/>
-              <a:t>in messages, and interaction only through direct </a:t>
-            </a:r>
-            <a:r>
-              <a:rPr lang="en-US" sz="2800" dirty="0">
-                <a:solidFill>
-                  <a:schemeClr val="accent3"/>
-                </a:solidFill>
-              </a:rPr>
-              <a:t>asynchronous message passing </a:t>
-            </a:r>
-            <a:r>
-              <a:rPr lang="en-US" dirty="0"/>
-              <a:t>with </a:t>
-            </a:r>
-            <a:r>
-              <a:rPr lang="en-US" sz="2800" dirty="0" smtClean="0">
-                <a:solidFill>
-                  <a:schemeClr val="accent3"/>
-                </a:solidFill>
-              </a:rPr>
-              <a:t>no </a:t>
-            </a:r>
-            <a:r>
-              <a:rPr lang="en-US" sz="2800" dirty="0">
-                <a:solidFill>
-                  <a:schemeClr val="accent3"/>
-                </a:solidFill>
-              </a:rPr>
-              <a:t>restriction on message arrival order</a:t>
-            </a:r>
-            <a:r>
-              <a:rPr lang="en-US" dirty="0"/>
-              <a:t>. [Wikipedia]</a:t>
-            </a:r>
-          </a:p>
-        </p:txBody>
-      </p:sp>
+        </p:nvGraphicFramePr>
+        <p:xfrm>
+          <a:off x="3868738" y="863600"/>
+          <a:ext cx="7315200" cy="5121275"/>
+        </p:xfrm>
+        <a:graphic>
+          <a:graphicData uri="http://schemas.openxmlformats.org/drawingml/2006/diagram">
+            <dgm:relIds xmlns:dgm="http://schemas.openxmlformats.org/drawingml/2006/diagram" xmlns:r="http://schemas.openxmlformats.org/officeDocument/2006/relationships" r:dm="rId2" r:lo="rId3" r:qs="rId4" r:cs="rId5"/>
+          </a:graphicData>
+        </a:graphic>
+      </p:graphicFrame>
     </p:spTree>
     <p:extLst>
       <p:ext uri="{BB962C8B-B14F-4D97-AF65-F5344CB8AC3E}">
-        <p14:creationId xmlns:p14="http://schemas.microsoft.com/office/powerpoint/2010/main" val="4147510241"/>
+        <p14:creationId xmlns:p14="http://schemas.microsoft.com/office/powerpoint/2010/main" val="915703747"/>
       </p:ext>
     </p:extLst>
   </p:cSld>
@@ -22379,7 +29603,7 @@
   <p:timing>
     <p:tnLst>
       <p:par>
-        <p:cTn id="1" dur="indefinite" restart="never" nodeType="tmRoot"/>
+        <p:cTn xmlns:p14="http://schemas.microsoft.com/office/powerpoint/2010/main" id="1" dur="indefinite" restart="never" nodeType="tmRoot"/>
       </p:par>
     </p:tnLst>
   </p:timing>
@@ -22581,7 +29805,7 @@
   <p:timing>
     <p:tnLst>
       <p:par>
-        <p:cTn id="1" dur="indefinite" restart="never" nodeType="tmRoot"/>
+        <p:cTn xmlns:p14="http://schemas.microsoft.com/office/powerpoint/2010/main" id="1" dur="indefinite" restart="never" nodeType="tmRoot"/>
       </p:par>
     </p:tnLst>
   </p:timing>
@@ -22666,7 +29890,7 @@
   <p:timing>
     <p:tnLst>
       <p:par>
-        <p:cTn id="1" dur="indefinite" restart="never" nodeType="tmRoot">
+        <p:cTn xmlns:p14="http://schemas.microsoft.com/office/powerpoint/2010/main" id="1" dur="indefinite" restart="never" nodeType="tmRoot">
           <p:childTnLst>
             <p:seq concurrent="1" nextAc="seek">
               <p:cTn id="2" dur="indefinite" nodeType="mainSeq">
@@ -23197,7 +30421,7 @@
   <p:timing>
     <p:tnLst>
       <p:par>
-        <p:cTn id="1" dur="indefinite" restart="never" nodeType="tmRoot"/>
+        <p:cTn xmlns:p14="http://schemas.microsoft.com/office/powerpoint/2010/main" id="1" dur="indefinite" restart="never" nodeType="tmRoot"/>
       </p:par>
     </p:tnLst>
   </p:timing>
@@ -23282,7 +30506,7 @@
   <p:timing>
     <p:tnLst>
       <p:par>
-        <p:cTn id="1" dur="indefinite" restart="never" nodeType="tmRoot">
+        <p:cTn xmlns:p14="http://schemas.microsoft.com/office/powerpoint/2010/main" id="1" dur="indefinite" restart="never" nodeType="tmRoot">
           <p:childTnLst>
             <p:seq concurrent="1" nextAc="seek">
               <p:cTn id="2" dur="indefinite" nodeType="mainSeq">
@@ -23540,7 +30764,7 @@
   <p:timing>
     <p:tnLst>
       <p:par>
-        <p:cTn id="1" dur="indefinite" restart="never" nodeType="tmRoot"/>
+        <p:cTn xmlns:p14="http://schemas.microsoft.com/office/powerpoint/2010/main" id="1" dur="indefinite" restart="never" nodeType="tmRoot"/>
       </p:par>
     </p:tnLst>
   </p:timing>
@@ -23934,7 +31158,7 @@
   <p:timing>
     <p:tnLst>
       <p:par>
-        <p:cTn id="1" dur="indefinite" restart="never" nodeType="tmRoot"/>
+        <p:cTn xmlns:p14="http://schemas.microsoft.com/office/powerpoint/2010/main" id="1" dur="indefinite" restart="never" nodeType="tmRoot"/>
       </p:par>
     </p:tnLst>
   </p:timing>
@@ -24182,7 +31406,7 @@
   <p:timing>
     <p:tnLst>
       <p:par>
-        <p:cTn id="1" dur="indefinite" restart="never" nodeType="tmRoot"/>
+        <p:cTn xmlns:p14="http://schemas.microsoft.com/office/powerpoint/2010/main" id="1" dur="indefinite" restart="never" nodeType="tmRoot"/>
       </p:par>
     </p:tnLst>
   </p:timing>
@@ -24384,7 +31608,7 @@
   <p:timing>
     <p:tnLst>
       <p:par>
-        <p:cTn id="1" dur="indefinite" restart="never" nodeType="tmRoot"/>
+        <p:cTn xmlns:p14="http://schemas.microsoft.com/office/powerpoint/2010/main" id="1" dur="indefinite" restart="never" nodeType="tmRoot"/>
       </p:par>
     </p:tnLst>
   </p:timing>
@@ -24636,7 +31860,7 @@
   <p:timing>
     <p:tnLst>
       <p:par>
-        <p:cTn id="1" dur="indefinite" restart="never" nodeType="tmRoot"/>
+        <p:cTn xmlns:p14="http://schemas.microsoft.com/office/powerpoint/2010/main" id="1" dur="indefinite" restart="never" nodeType="tmRoot"/>
       </p:par>
     </p:tnLst>
   </p:timing>
@@ -24721,7 +31945,7 @@
   <p:timing>
     <p:tnLst>
       <p:par>
-        <p:cTn id="1" dur="indefinite" restart="never" nodeType="tmRoot"/>
+        <p:cTn xmlns:p14="http://schemas.microsoft.com/office/powerpoint/2010/main" id="1" dur="indefinite" restart="never" nodeType="tmRoot"/>
       </p:par>
     </p:tnLst>
   </p:timing>
@@ -24842,7 +32066,23 @@
                   <a:schemeClr val="tx2"/>
                 </a:solidFill>
               </a:rPr>
-              <a:t>An actor </a:t>
+              <a:t>An </a:t>
+            </a:r>
+            <a:r>
+              <a:rPr lang="en-US" b="1" dirty="0">
+                <a:solidFill>
+                  <a:schemeClr val="accent3"/>
+                </a:solidFill>
+              </a:rPr>
+              <a:t>actor</a:t>
+            </a:r>
+            <a:r>
+              <a:rPr lang="en-US" b="1" dirty="0">
+                <a:solidFill>
+                  <a:schemeClr val="tx2"/>
+                </a:solidFill>
+              </a:rPr>
+              <a:t> </a:t>
             </a:r>
             <a:r>
               <a:rPr lang="en-US" b="1" dirty="0" smtClean="0">
@@ -24858,7 +32098,39 @@
                   <a:schemeClr val="tx2"/>
                 </a:solidFill>
               </a:rPr>
-              <a:t>computational entity which contains a queue, and receives and processes messages. </a:t>
+              <a:t>computational entity which </a:t>
+            </a:r>
+            <a:r>
+              <a:rPr lang="en-US" b="1" dirty="0">
+                <a:solidFill>
+                  <a:srgbClr val="C3BA45"/>
+                </a:solidFill>
+              </a:rPr>
+              <a:t>contains a queue</a:t>
+            </a:r>
+            <a:r>
+              <a:rPr lang="en-US" b="1" dirty="0">
+                <a:solidFill>
+                  <a:schemeClr val="tx2"/>
+                </a:solidFill>
+              </a:rPr>
+              <a:t>, and </a:t>
+            </a:r>
+            <a:r>
+              <a:rPr lang="en-US" b="1" dirty="0">
+                <a:solidFill>
+                  <a:srgbClr val="C3BA45"/>
+                </a:solidFill>
+              </a:rPr>
+              <a:t>receives and processes messages</a:t>
+            </a:r>
+            <a:r>
+              <a:rPr lang="en-US" b="1" dirty="0">
+                <a:solidFill>
+                  <a:schemeClr val="tx2"/>
+                </a:solidFill>
+              </a:rPr>
+              <a:t>. </a:t>
             </a:r>
           </a:p>
         </p:txBody>
@@ -24876,7 +32148,7 @@
   <p:timing>
     <p:tnLst>
       <p:par>
-        <p:cTn id="1" dur="indefinite" restart="never" nodeType="tmRoot">
+        <p:cTn xmlns:p14="http://schemas.microsoft.com/office/powerpoint/2010/main" id="1" dur="indefinite" restart="never" nodeType="tmRoot">
           <p:childTnLst>
             <p:seq concurrent="1" nextAc="seek">
               <p:cTn id="2" dur="indefinite" nodeType="mainSeq">
@@ -25080,7 +32352,7 @@
   <p:timing>
     <p:tnLst>
       <p:par>
-        <p:cTn id="1" dur="indefinite" restart="never" nodeType="tmRoot"/>
+        <p:cTn xmlns:p14="http://schemas.microsoft.com/office/powerpoint/2010/main" id="1" dur="indefinite" restart="never" nodeType="tmRoot"/>
       </p:par>
     </p:tnLst>
   </p:timing>
@@ -25196,7 +32468,7 @@
   <p:timing>
     <p:tnLst>
       <p:par>
-        <p:cTn id="1" dur="indefinite" restart="never" nodeType="tmRoot"/>
+        <p:cTn xmlns:p14="http://schemas.microsoft.com/office/powerpoint/2010/main" id="1" dur="indefinite" restart="never" nodeType="tmRoot"/>
       </p:par>
     </p:tnLst>
   </p:timing>
@@ -25336,7 +32608,7 @@
   <p:timing>
     <p:tnLst>
       <p:par>
-        <p:cTn id="1" dur="indefinite" restart="never" nodeType="tmRoot"/>
+        <p:cTn xmlns:p14="http://schemas.microsoft.com/office/powerpoint/2010/main" id="1" dur="indefinite" restart="never" nodeType="tmRoot"/>
       </p:par>
     </p:tnLst>
   </p:timing>
@@ -25448,7 +32720,7 @@
   <p:timing>
     <p:tnLst>
       <p:par>
-        <p:cTn id="1" dur="indefinite" restart="never" nodeType="tmRoot"/>
+        <p:cTn xmlns:p14="http://schemas.microsoft.com/office/powerpoint/2010/main" id="1" dur="indefinite" restart="never" nodeType="tmRoot"/>
       </p:par>
     </p:tnLst>
   </p:timing>
@@ -25498,7 +32770,7 @@
     </a:clrScheme>
     <a:fontScheme name="Frame">
       <a:majorFont>
-        <a:latin typeface="Corbel" panose="020B0503020204020204"/>
+        <a:latin typeface="Corbel"/>
         <a:ea typeface=""/>
         <a:cs typeface=""/>
         <a:font script="Jpan" typeface="ＭＳ ゴシック"/>
@@ -25533,7 +32805,7 @@
         <a:font script="Geor" typeface="Sylfaen"/>
       </a:majorFont>
       <a:minorFont>
-        <a:latin typeface="Corbel" panose="020B0503020204020204"/>
+        <a:latin typeface="Corbel"/>
         <a:ea typeface=""/>
         <a:cs typeface=""/>
         <a:font script="Jpan" typeface="ＭＳ ゴシック"/>
@@ -25680,7 +32952,7 @@
   <a:extraClrSchemeLst/>
   <a:extLst>
     <a:ext uri="{05A4C25C-085E-4340-85A3-A5531E510DB2}">
-      <thm15:themeFamily xmlns:thm15="http://schemas.microsoft.com/office/thememl/2012/main" name="Frame" id="{F226E7A2-7162-461C-9490-D27D9DC04E43}" vid="{9935E573-C197-41A8-BCA1-5D5F62C560B7}"/>
+      <thm15:themeFamily xmlns:thm15="http://schemas.microsoft.com/office/thememl/2012/main" xmlns="" name="Frame" id="{F226E7A2-7162-461C-9490-D27D9DC04E43}" vid="{9935E573-C197-41A8-BCA1-5D5F62C560B7}"/>
     </a:ext>
   </a:extLst>
 </a:theme>
@@ -25729,7 +33001,7 @@
     </a:clrScheme>
     <a:fontScheme name="Office">
       <a:majorFont>
-        <a:latin typeface="Calibri Light" panose="020F0302020204030204"/>
+        <a:latin typeface="Calibri Light"/>
         <a:ea typeface=""/>
         <a:cs typeface=""/>
         <a:font script="Jpan" typeface="ＭＳ Ｐゴシック"/>
@@ -25764,7 +33036,7 @@
         <a:font script="Geor" typeface="Sylfaen"/>
       </a:majorFont>
       <a:minorFont>
-        <a:latin typeface="Calibri" panose="020F0502020204030204"/>
+        <a:latin typeface="Calibri"/>
         <a:ea typeface=""/>
         <a:cs typeface=""/>
         <a:font script="Jpan" typeface="ＭＳ Ｐゴシック"/>
@@ -25941,7 +33213,7 @@
   <a:extraClrSchemeLst/>
   <a:extLst>
     <a:ext uri="{05A4C25C-085E-4340-85A3-A5531E510DB2}">
-      <thm15:themeFamily xmlns:thm15="http://schemas.microsoft.com/office/thememl/2012/main" name="Office Theme" id="{62F939B6-93AF-4DB8-9C6B-D6C7DFDC589F}" vid="{4A3C46E8-61CC-4603-A589-7422A47A8E4A}"/>
+      <thm15:themeFamily xmlns:thm15="http://schemas.microsoft.com/office/thememl/2012/main" xmlns="" name="Office Theme" id="{62F939B6-93AF-4DB8-9C6B-D6C7DFDC589F}" vid="{4A3C46E8-61CC-4603-A589-7422A47A8E4A}"/>
     </a:ext>
   </a:extLst>
 </a:theme>

--- a/Concurrent Applications - F# Agents/Oredev - Concurrent Applications with F.pptx
+++ b/Concurrent Applications - F# Agents/Oredev - Concurrent Applications with F.pptx
@@ -178,7 +178,7 @@
       </p14:sectionLst>
     </p:ext>
     <p:ext uri="{EFAFB233-063F-42B5-8137-9DF3F51BA10A}">
-      <p15:sldGuideLst xmlns:p15="http://schemas.microsoft.com/office/powerpoint/2012/main" xmlns="">
+      <p15:sldGuideLst xmlns="" xmlns:p15="http://schemas.microsoft.com/office/powerpoint/2012/main">
         <p15:guide id="3" pos="3816" userDrawn="1">
           <p15:clr>
             <a:srgbClr val="A4A3A4"/>
@@ -7270,7 +7270,7 @@
   <dgm:whole/>
   <dgm:extLst>
     <a:ext uri="http://schemas.microsoft.com/office/drawing/2008/diagram">
-      <dsp:dataModelExt xmlns:dsp="http://schemas.microsoft.com/office/drawing/2008/diagram" relId="rId6" minVer="http://schemas.openxmlformats.org/drawingml/2006/diagram"/>
+      <dsp:dataModelExt xmlns:dsp="http://schemas.microsoft.com/office/drawing/2008/diagram" relId="rId7" minVer="http://schemas.openxmlformats.org/drawingml/2006/diagram"/>
     </a:ext>
     <a:ext uri="{C62137D5-CB1D-491B-B009-E17868A290BF}">
       <dgm14:recolorImg xmlns:dgm14="http://schemas.microsoft.com/office/drawing/2010/diagram" val="1"/>
@@ -25133,6 +25133,90 @@
           <a:bodyPr/>
           <a:lstStyle/>
           <a:p>
+            <a:endParaRPr lang="en-US" dirty="0"/>
+          </a:p>
+        </p:txBody>
+      </p:sp>
+      <p:sp>
+        <p:nvSpPr>
+          <p:cNvPr id="4" name="Slide Number Placeholder 3"/>
+          <p:cNvSpPr>
+            <a:spLocks noGrp="1"/>
+          </p:cNvSpPr>
+          <p:nvPr>
+            <p:ph type="sldNum" sz="quarter" idx="10"/>
+          </p:nvPr>
+        </p:nvSpPr>
+        <p:spPr/>
+        <p:txBody>
+          <a:bodyPr/>
+          <a:lstStyle/>
+          <a:p>
+            <a:fld id="{45B745B2-F995-4487-8D0C-5BF38895DD2A}" type="slidenum">
+              <a:rPr lang="en-US" smtClean="0"/>
+              <a:t>16</a:t>
+            </a:fld>
+            <a:endParaRPr lang="en-US"/>
+          </a:p>
+        </p:txBody>
+      </p:sp>
+    </p:spTree>
+    <p:extLst>
+      <p:ext uri="{BB962C8B-B14F-4D97-AF65-F5344CB8AC3E}">
+        <p14:creationId xmlns:p14="http://schemas.microsoft.com/office/powerpoint/2010/main" val="1143167068"/>
+      </p:ext>
+    </p:extLst>
+  </p:cSld>
+  <p:clrMapOvr>
+    <a:masterClrMapping/>
+  </p:clrMapOvr>
+</p:notes>
+</file>
+
+<file path=ppt/notesSlides/notesSlide7.xml><?xml version="1.0" encoding="utf-8"?>
+<p:notes xmlns:a="http://schemas.openxmlformats.org/drawingml/2006/main" xmlns:r="http://schemas.openxmlformats.org/officeDocument/2006/relationships" xmlns:p="http://schemas.openxmlformats.org/presentationml/2006/main">
+  <p:cSld>
+    <p:spTree>
+      <p:nvGrpSpPr>
+        <p:cNvPr id="1" name=""/>
+        <p:cNvGrpSpPr/>
+        <p:nvPr/>
+      </p:nvGrpSpPr>
+      <p:grpSpPr>
+        <a:xfrm>
+          <a:off x="0" y="0"/>
+          <a:ext cx="0" cy="0"/>
+          <a:chOff x="0" y="0"/>
+          <a:chExt cx="0" cy="0"/>
+        </a:xfrm>
+      </p:grpSpPr>
+      <p:sp>
+        <p:nvSpPr>
+          <p:cNvPr id="2" name="Slide Image Placeholder 1"/>
+          <p:cNvSpPr>
+            <a:spLocks noGrp="1" noRot="1" noChangeAspect="1"/>
+          </p:cNvSpPr>
+          <p:nvPr>
+            <p:ph type="sldImg"/>
+          </p:nvPr>
+        </p:nvSpPr>
+        <p:spPr/>
+      </p:sp>
+      <p:sp>
+        <p:nvSpPr>
+          <p:cNvPr id="3" name="Notes Placeholder 2"/>
+          <p:cNvSpPr>
+            <a:spLocks noGrp="1"/>
+          </p:cNvSpPr>
+          <p:nvPr>
+            <p:ph type="body" idx="1"/>
+          </p:nvPr>
+        </p:nvSpPr>
+        <p:spPr/>
+        <p:txBody>
+          <a:bodyPr/>
+          <a:lstStyle/>
+          <a:p>
             <a:endParaRPr lang="en-US"/>
           </a:p>
         </p:txBody>
@@ -25465,7 +25549,7 @@
   </p:clrMapOvr>
   <p:extLst>
     <p:ext uri="{DCECCB84-F9BA-43D5-87BE-67443E8EF086}">
-      <p15:sldGuideLst xmlns:p15="http://schemas.microsoft.com/office/powerpoint/2012/main" xmlns=""/>
+      <p15:sldGuideLst xmlns="" xmlns:p15="http://schemas.microsoft.com/office/powerpoint/2012/main"/>
     </p:ext>
   </p:extLst>
 </p:sldLayout>
@@ -26185,7 +26269,7 @@
   </p:timing>
   <p:extLst mod="1">
     <p:ext uri="{DCECCB84-F9BA-43D5-87BE-67443E8EF086}">
-      <p15:sldGuideLst xmlns:p15="http://schemas.microsoft.com/office/powerpoint/2012/main" xmlns=""/>
+      <p15:sldGuideLst xmlns="" xmlns:p15="http://schemas.microsoft.com/office/powerpoint/2012/main"/>
     </p:ext>
   </p:extLst>
 </p:sldLayout>
@@ -26337,7 +26421,7 @@
   </p:timing>
   <p:extLst mod="1">
     <p:ext uri="{DCECCB84-F9BA-43D5-87BE-67443E8EF086}">
-      <p15:sldGuideLst xmlns:p15="http://schemas.microsoft.com/office/powerpoint/2012/main" xmlns=""/>
+      <p15:sldGuideLst xmlns="" xmlns:p15="http://schemas.microsoft.com/office/powerpoint/2012/main"/>
     </p:ext>
   </p:extLst>
 </p:sldLayout>
@@ -27069,7 +27153,7 @@
   </p:clrMapOvr>
   <p:extLst>
     <p:ext uri="{DCECCB84-F9BA-43D5-87BE-67443E8EF086}">
-      <p15:sldGuideLst xmlns:p15="http://schemas.microsoft.com/office/powerpoint/2012/main" xmlns=""/>
+      <p15:sldGuideLst xmlns="" xmlns:p15="http://schemas.microsoft.com/office/powerpoint/2012/main"/>
     </p:ext>
   </p:extLst>
 </p:sldLayout>
@@ -27515,7 +27599,7 @@
   </p:clrMapOvr>
   <p:extLst mod="1">
     <p:ext uri="{DCECCB84-F9BA-43D5-87BE-67443E8EF086}">
-      <p15:sldGuideLst xmlns:p15="http://schemas.microsoft.com/office/powerpoint/2012/main" xmlns=""/>
+      <p15:sldGuideLst xmlns="" xmlns:p15="http://schemas.microsoft.com/office/powerpoint/2012/main"/>
     </p:ext>
   </p:extLst>
 </p:sldLayout>
@@ -28037,7 +28121,7 @@
   </p:clrMapOvr>
   <p:extLst>
     <p:ext uri="{DCECCB84-F9BA-43D5-87BE-67443E8EF086}">
-      <p15:sldGuideLst xmlns:p15="http://schemas.microsoft.com/office/powerpoint/2012/main" xmlns=""/>
+      <p15:sldGuideLst xmlns="" xmlns:p15="http://schemas.microsoft.com/office/powerpoint/2012/main"/>
     </p:ext>
   </p:extLst>
 </p:sldLayout>
@@ -29048,7 +29132,7 @@
   </p:txStyles>
   <p:extLst mod="1">
     <p:ext uri="{27BBF7A9-308A-43DC-89C8-2F10F3537804}">
-      <p15:sldGuideLst xmlns:p15="http://schemas.microsoft.com/office/powerpoint/2012/main" xmlns=""/>
+      <p15:sldGuideLst xmlns="" xmlns:p15="http://schemas.microsoft.com/office/powerpoint/2012/main"/>
     </p:ext>
   </p:extLst>
 </p:sldMaster>
@@ -30489,7 +30573,7 @@
         </p:xfrm>
         <a:graphic>
           <a:graphicData uri="http://schemas.openxmlformats.org/drawingml/2006/diagram">
-            <dgm:relIds xmlns:dgm="http://schemas.openxmlformats.org/drawingml/2006/diagram" xmlns:r="http://schemas.openxmlformats.org/officeDocument/2006/relationships" r:dm="rId2" r:lo="rId3" r:qs="rId4" r:cs="rId5"/>
+            <dgm:relIds xmlns:dgm="http://schemas.openxmlformats.org/drawingml/2006/diagram" xmlns:r="http://schemas.openxmlformats.org/officeDocument/2006/relationships" r:dm="rId3" r:lo="rId4" r:qs="rId5" r:cs="rId6"/>
           </a:graphicData>
         </a:graphic>
       </p:graphicFrame>
@@ -31103,7 +31187,11 @@
             </a:r>
             <a:r>
               <a:rPr lang="en-US" dirty="0" smtClean="0"/>
-              <a:t> or </a:t>
+              <a:t> </a:t>
+            </a:r>
+            <a:r>
+              <a:rPr lang="en-US" dirty="0" smtClean="0"/>
+              <a:t>, </a:t>
             </a:r>
             <a:r>
               <a:rPr lang="en-US" dirty="0" smtClean="0">
@@ -31111,24 +31199,34 @@
               </a:rPr>
               <a:t>JabbR</a:t>
             </a:r>
+            <a:r>
+              <a:rPr lang="en-US" dirty="0" smtClean="0"/>
+              <a:t>, or </a:t>
+            </a:r>
+            <a:r>
+              <a:rPr lang="en-US" dirty="0" err="1" smtClean="0">
+                <a:hlinkClick r:id="rId19"/>
+              </a:rPr>
+              <a:t>StackOverflow</a:t>
+            </a:r>
             <a:endParaRPr lang="en-US" dirty="0"/>
           </a:p>
           <a:p>
             <a:r>
               <a:rPr lang="en-US" dirty="0" smtClean="0">
-                <a:hlinkClick r:id="rId19"/>
+                <a:hlinkClick r:id="rId20"/>
               </a:rPr>
               <a:t>The </a:t>
             </a:r>
             <a:r>
               <a:rPr lang="en-US" dirty="0">
-                <a:hlinkClick r:id="rId19"/>
+                <a:hlinkClick r:id="rId20"/>
               </a:rPr>
               <a:t>Hitchhiker’s Guide to </a:t>
             </a:r>
             <a:r>
               <a:rPr lang="en-US" dirty="0" smtClean="0">
-                <a:hlinkClick r:id="rId19"/>
+                <a:hlinkClick r:id="rId20"/>
               </a:rPr>
               <a:t>Concurrency</a:t>
             </a:r>
@@ -31137,7 +31235,7 @@
           <a:p>
             <a:r>
               <a:rPr lang="en-US" dirty="0" smtClean="0">
-                <a:hlinkClick r:id="rId20"/>
+                <a:hlinkClick r:id="rId21"/>
               </a:rPr>
               <a:t>F# Asynchronous Programming Model</a:t>
             </a:r>
@@ -32952,7 +33050,7 @@
   <a:extraClrSchemeLst/>
   <a:extLst>
     <a:ext uri="{05A4C25C-085E-4340-85A3-A5531E510DB2}">
-      <thm15:themeFamily xmlns:thm15="http://schemas.microsoft.com/office/thememl/2012/main" xmlns="" name="Frame" id="{F226E7A2-7162-461C-9490-D27D9DC04E43}" vid="{9935E573-C197-41A8-BCA1-5D5F62C560B7}"/>
+      <thm15:themeFamily xmlns="" xmlns:thm15="http://schemas.microsoft.com/office/thememl/2012/main" name="Frame" id="{F226E7A2-7162-461C-9490-D27D9DC04E43}" vid="{9935E573-C197-41A8-BCA1-5D5F62C560B7}"/>
     </a:ext>
   </a:extLst>
 </a:theme>
@@ -33213,7 +33311,7 @@
   <a:extraClrSchemeLst/>
   <a:extLst>
     <a:ext uri="{05A4C25C-085E-4340-85A3-A5531E510DB2}">
-      <thm15:themeFamily xmlns:thm15="http://schemas.microsoft.com/office/thememl/2012/main" xmlns="" name="Office Theme" id="{62F939B6-93AF-4DB8-9C6B-D6C7DFDC589F}" vid="{4A3C46E8-61CC-4603-A589-7422A47A8E4A}"/>
+      <thm15:themeFamily xmlns="" xmlns:thm15="http://schemas.microsoft.com/office/thememl/2012/main" name="Office Theme" id="{62F939B6-93AF-4DB8-9C6B-D6C7DFDC589F}" vid="{4A3C46E8-61CC-4603-A589-7422A47A8E4A}"/>
     </a:ext>
   </a:extLst>
 </a:theme>
